--- a/Cascading Style Sheets- CSS.pptx
+++ b/Cascading Style Sheets- CSS.pptx
@@ -2,10 +2,10 @@
 <file path=ppt/presentation.xml><?xml version="1.0" encoding="utf-8"?>
 <p:presentation xmlns:a="http://schemas.openxmlformats.org/drawingml/2006/main" xmlns:r="http://schemas.openxmlformats.org/officeDocument/2006/relationships" xmlns:p="http://schemas.openxmlformats.org/presentationml/2006/main" saveSubsetFonts="1">
   <p:sldMasterIdLst>
-    <p:sldMasterId id="2147483648" r:id="rId1"/>
+    <p:sldMasterId id="2147483660" r:id="rId1"/>
   </p:sldMasterIdLst>
   <p:notesMasterIdLst>
-    <p:notesMasterId r:id="rId23"/>
+    <p:notesMasterId r:id="rId25"/>
   </p:notesMasterIdLst>
   <p:sldIdLst>
     <p:sldId id="256" r:id="rId2"/>
@@ -23,12 +23,14 @@
     <p:sldId id="268" r:id="rId14"/>
     <p:sldId id="269" r:id="rId15"/>
     <p:sldId id="270" r:id="rId16"/>
-    <p:sldId id="258" r:id="rId17"/>
-    <p:sldId id="272" r:id="rId18"/>
-    <p:sldId id="271" r:id="rId19"/>
-    <p:sldId id="273" r:id="rId20"/>
+    <p:sldId id="272" r:id="rId17"/>
+    <p:sldId id="271" r:id="rId18"/>
+    <p:sldId id="273" r:id="rId19"/>
+    <p:sldId id="258" r:id="rId20"/>
     <p:sldId id="275" r:id="rId21"/>
     <p:sldId id="274" r:id="rId22"/>
+    <p:sldId id="277" r:id="rId23"/>
+    <p:sldId id="278" r:id="rId24"/>
   </p:sldIdLst>
   <p:sldSz cx="12192000" cy="6858000"/>
   <p:notesSz cx="6858000" cy="9144000"/>
@@ -36,7 +38,7 @@
     <a:defPPr>
       <a:defRPr lang="en-US"/>
     </a:defPPr>
-    <a:lvl1pPr marL="0" algn="l" defTabSz="914400" rtl="0" eaLnBrk="1" latinLnBrk="0" hangingPunct="1">
+    <a:lvl1pPr marL="0" algn="l" defTabSz="457200" rtl="0" eaLnBrk="1" latinLnBrk="0" hangingPunct="1">
       <a:defRPr sz="1800" kern="1200">
         <a:solidFill>
           <a:schemeClr val="tx1"/>
@@ -46,7 +48,7 @@
         <a:cs typeface="+mn-cs"/>
       </a:defRPr>
     </a:lvl1pPr>
-    <a:lvl2pPr marL="457200" algn="l" defTabSz="914400" rtl="0" eaLnBrk="1" latinLnBrk="0" hangingPunct="1">
+    <a:lvl2pPr marL="457200" algn="l" defTabSz="457200" rtl="0" eaLnBrk="1" latinLnBrk="0" hangingPunct="1">
       <a:defRPr sz="1800" kern="1200">
         <a:solidFill>
           <a:schemeClr val="tx1"/>
@@ -56,7 +58,7 @@
         <a:cs typeface="+mn-cs"/>
       </a:defRPr>
     </a:lvl2pPr>
-    <a:lvl3pPr marL="914400" algn="l" defTabSz="914400" rtl="0" eaLnBrk="1" latinLnBrk="0" hangingPunct="1">
+    <a:lvl3pPr marL="914400" algn="l" defTabSz="457200" rtl="0" eaLnBrk="1" latinLnBrk="0" hangingPunct="1">
       <a:defRPr sz="1800" kern="1200">
         <a:solidFill>
           <a:schemeClr val="tx1"/>
@@ -66,7 +68,7 @@
         <a:cs typeface="+mn-cs"/>
       </a:defRPr>
     </a:lvl3pPr>
-    <a:lvl4pPr marL="1371600" algn="l" defTabSz="914400" rtl="0" eaLnBrk="1" latinLnBrk="0" hangingPunct="1">
+    <a:lvl4pPr marL="1371600" algn="l" defTabSz="457200" rtl="0" eaLnBrk="1" latinLnBrk="0" hangingPunct="1">
       <a:defRPr sz="1800" kern="1200">
         <a:solidFill>
           <a:schemeClr val="tx1"/>
@@ -76,7 +78,7 @@
         <a:cs typeface="+mn-cs"/>
       </a:defRPr>
     </a:lvl4pPr>
-    <a:lvl5pPr marL="1828800" algn="l" defTabSz="914400" rtl="0" eaLnBrk="1" latinLnBrk="0" hangingPunct="1">
+    <a:lvl5pPr marL="1828800" algn="l" defTabSz="457200" rtl="0" eaLnBrk="1" latinLnBrk="0" hangingPunct="1">
       <a:defRPr sz="1800" kern="1200">
         <a:solidFill>
           <a:schemeClr val="tx1"/>
@@ -86,7 +88,7 @@
         <a:cs typeface="+mn-cs"/>
       </a:defRPr>
     </a:lvl5pPr>
-    <a:lvl6pPr marL="2286000" algn="l" defTabSz="914400" rtl="0" eaLnBrk="1" latinLnBrk="0" hangingPunct="1">
+    <a:lvl6pPr marL="2286000" algn="l" defTabSz="457200" rtl="0" eaLnBrk="1" latinLnBrk="0" hangingPunct="1">
       <a:defRPr sz="1800" kern="1200">
         <a:solidFill>
           <a:schemeClr val="tx1"/>
@@ -96,7 +98,7 @@
         <a:cs typeface="+mn-cs"/>
       </a:defRPr>
     </a:lvl6pPr>
-    <a:lvl7pPr marL="2743200" algn="l" defTabSz="914400" rtl="0" eaLnBrk="1" latinLnBrk="0" hangingPunct="1">
+    <a:lvl7pPr marL="2743200" algn="l" defTabSz="457200" rtl="0" eaLnBrk="1" latinLnBrk="0" hangingPunct="1">
       <a:defRPr sz="1800" kern="1200">
         <a:solidFill>
           <a:schemeClr val="tx1"/>
@@ -106,7 +108,7 @@
         <a:cs typeface="+mn-cs"/>
       </a:defRPr>
     </a:lvl7pPr>
-    <a:lvl8pPr marL="3200400" algn="l" defTabSz="914400" rtl="0" eaLnBrk="1" latinLnBrk="0" hangingPunct="1">
+    <a:lvl8pPr marL="3200400" algn="l" defTabSz="457200" rtl="0" eaLnBrk="1" latinLnBrk="0" hangingPunct="1">
       <a:defRPr sz="1800" kern="1200">
         <a:solidFill>
           <a:schemeClr val="tx1"/>
@@ -116,7 +118,7 @@
         <a:cs typeface="+mn-cs"/>
       </a:defRPr>
     </a:lvl8pPr>
-    <a:lvl9pPr marL="3657600" algn="l" defTabSz="914400" rtl="0" eaLnBrk="1" latinLnBrk="0" hangingPunct="1">
+    <a:lvl9pPr marL="3657600" algn="l" defTabSz="457200" rtl="0" eaLnBrk="1" latinLnBrk="0" hangingPunct="1">
       <a:defRPr sz="1800" kern="1200">
         <a:solidFill>
           <a:schemeClr val="tx1"/>
@@ -217,7 +219,7 @@
           <a:p>
             <a:fld id="{5E84D6EB-408B-4542-A474-A5CC740F4BBD}" type="datetimeFigureOut">
               <a:rPr lang="en-US" smtClean="0"/>
-              <a:t>2/5/2019</a:t>
+              <a:t>2/6/2019</a:t>
             </a:fld>
             <a:endParaRPr lang="en-US"/>
           </a:p>
@@ -523,7 +525,7 @@
           <a:p>
             <a:pPr lvl="0"/>
             <a:fld id="{926EB163-E8D2-4BBF-8438-CAECE4551E05}" type="slidenum">
-              <a:t>17</a:t>
+              <a:t>16</a:t>
             </a:fld>
             <a:endParaRPr lang="en-US"/>
           </a:p>
@@ -595,7 +597,7 @@
 </file>
 
 <file path=ppt/slideLayouts/slideLayout1.xml><?xml version="1.0" encoding="utf-8"?>
-<p:sldLayout xmlns:a="http://schemas.openxmlformats.org/drawingml/2006/main" xmlns:r="http://schemas.openxmlformats.org/officeDocument/2006/relationships" xmlns:p="http://schemas.openxmlformats.org/presentationml/2006/main" type="title" preserve="1">
+<p:sldLayout xmlns:a="http://schemas.openxmlformats.org/drawingml/2006/main" xmlns:r="http://schemas.openxmlformats.org/officeDocument/2006/relationships" xmlns:p="http://schemas.openxmlformats.org/presentationml/2006/main" showMasterSp="0" type="title" preserve="1">
   <p:cSld name="Title Slide">
     <p:spTree>
       <p:nvGrpSpPr>
@@ -611,6 +613,143 @@
           <a:chExt cx="0" cy="0"/>
         </a:xfrm>
       </p:grpSpPr>
+      <p:grpSp>
+        <p:nvGrpSpPr>
+          <p:cNvPr id="7" name="Group 6"/>
+          <p:cNvGrpSpPr/>
+          <p:nvPr/>
+        </p:nvGrpSpPr>
+        <p:grpSpPr>
+          <a:xfrm>
+            <a:off x="-16934" y="0"/>
+            <a:ext cx="12231160" cy="6856214"/>
+            <a:chOff x="-16934" y="0"/>
+            <a:chExt cx="12231160" cy="6856214"/>
+          </a:xfrm>
+        </p:grpSpPr>
+        <p:pic>
+          <p:nvPicPr>
+            <p:cNvPr id="16" name="Picture 15" descr="HD-PanelTitleR1.png"/>
+            <p:cNvPicPr>
+              <a:picLocks noChangeAspect="1"/>
+            </p:cNvPicPr>
+            <p:nvPr/>
+          </p:nvPicPr>
+          <p:blipFill>
+            <a:blip r:embed="rId2">
+              <a:extLst>
+                <a:ext uri="{28A0092B-C50C-407E-A947-70E740481C1C}">
+                  <a14:useLocalDpi xmlns:a14="http://schemas.microsoft.com/office/drawing/2010/main" val="0"/>
+                </a:ext>
+              </a:extLst>
+            </a:blip>
+            <a:stretch>
+              <a:fillRect/>
+            </a:stretch>
+          </p:blipFill>
+          <p:spPr>
+            <a:xfrm>
+              <a:off x="0" y="0"/>
+              <a:ext cx="12188825" cy="6856214"/>
+            </a:xfrm>
+            <a:prstGeom prst="rect">
+              <a:avLst/>
+            </a:prstGeom>
+          </p:spPr>
+        </p:pic>
+        <p:sp>
+          <p:nvSpPr>
+            <p:cNvPr id="26" name="Rectangle 25"/>
+            <p:cNvSpPr/>
+            <p:nvPr/>
+          </p:nvSpPr>
+          <p:spPr>
+            <a:xfrm>
+              <a:off x="2328332" y="1540931"/>
+              <a:ext cx="7543802" cy="3835401"/>
+            </a:xfrm>
+            <a:prstGeom prst="rect">
+              <a:avLst/>
+            </a:prstGeom>
+            <a:noFill/>
+            <a:ln w="15875">
+              <a:miter lim="800000"/>
+            </a:ln>
+          </p:spPr>
+          <p:style>
+            <a:lnRef idx="1">
+              <a:schemeClr val="accent1"/>
+            </a:lnRef>
+            <a:fillRef idx="3">
+              <a:schemeClr val="accent1"/>
+            </a:fillRef>
+            <a:effectRef idx="2">
+              <a:schemeClr val="accent1"/>
+            </a:effectRef>
+            <a:fontRef idx="minor">
+              <a:schemeClr val="lt1"/>
+            </a:fontRef>
+          </p:style>
+        </p:sp>
+        <p:pic>
+          <p:nvPicPr>
+            <p:cNvPr id="17" name="Picture 16" descr="HDRibbonTitle-UniformTrim.png"/>
+            <p:cNvPicPr>
+              <a:picLocks noChangeAspect="1"/>
+            </p:cNvPicPr>
+            <p:nvPr/>
+          </p:nvPicPr>
+          <p:blipFill rotWithShape="1">
+            <a:blip r:embed="rId3">
+              <a:extLst>
+                <a:ext uri="{28A0092B-C50C-407E-A947-70E740481C1C}">
+                  <a14:useLocalDpi xmlns:a14="http://schemas.microsoft.com/office/drawing/2010/main" val="0"/>
+                </a:ext>
+              </a:extLst>
+            </a:blip>
+            <a:srcRect/>
+            <a:stretch/>
+          </p:blipFill>
+          <p:spPr>
+            <a:xfrm>
+              <a:off x="-16934" y="3147609"/>
+              <a:ext cx="2478024" cy="612648"/>
+            </a:xfrm>
+            <a:prstGeom prst="rect">
+              <a:avLst/>
+            </a:prstGeom>
+          </p:spPr>
+        </p:pic>
+        <p:pic>
+          <p:nvPicPr>
+            <p:cNvPr id="20" name="Picture 19" descr="HDRibbonTitle-UniformTrim.png"/>
+            <p:cNvPicPr>
+              <a:picLocks noChangeAspect="1"/>
+            </p:cNvPicPr>
+            <p:nvPr/>
+          </p:nvPicPr>
+          <p:blipFill rotWithShape="1">
+            <a:blip r:embed="rId3">
+              <a:extLst>
+                <a:ext uri="{28A0092B-C50C-407E-A947-70E740481C1C}">
+                  <a14:useLocalDpi xmlns:a14="http://schemas.microsoft.com/office/drawing/2010/main" val="0"/>
+                </a:ext>
+              </a:extLst>
+            </a:blip>
+            <a:srcRect/>
+            <a:stretch/>
+          </p:blipFill>
+          <p:spPr>
+            <a:xfrm>
+              <a:off x="9736202" y="3147609"/>
+              <a:ext cx="2478024" cy="612648"/>
+            </a:xfrm>
+            <a:prstGeom prst="rect">
+              <a:avLst/>
+            </a:prstGeom>
+          </p:spPr>
+        </p:pic>
+      </p:grpSp>
       <p:sp>
         <p:nvSpPr>
           <p:cNvPr id="2" name="Title 1"/>
@@ -623,15 +762,19 @@
         </p:nvSpPr>
         <p:spPr>
           <a:xfrm>
-            <a:off x="1524000" y="1122363"/>
-            <a:ext cx="9144000" cy="2387600"/>
+            <a:off x="2692398" y="1871131"/>
+            <a:ext cx="6815669" cy="1515533"/>
           </a:xfrm>
         </p:spPr>
         <p:txBody>
-          <a:bodyPr anchor="b"/>
+          <a:bodyPr anchor="b">
+            <a:noAutofit/>
+          </a:bodyPr>
           <a:lstStyle>
             <a:lvl1pPr algn="ctr">
-              <a:defRPr sz="6000"/>
+              <a:defRPr sz="5400">
+                <a:effectLst/>
+              </a:defRPr>
             </a:lvl1pPr>
           </a:lstStyle>
           <a:p>
@@ -639,7 +782,7 @@
               <a:rPr lang="en-US" smtClean="0"/>
               <a:t>Click to edit Master title style</a:t>
             </a:r>
-            <a:endParaRPr lang="en-US"/>
+            <a:endParaRPr lang="en-US" dirty="0"/>
           </a:p>
         </p:txBody>
       </p:sp>
@@ -655,48 +798,102 @@
         </p:nvSpPr>
         <p:spPr>
           <a:xfrm>
-            <a:off x="1524000" y="3602038"/>
-            <a:ext cx="9144000" cy="1655762"/>
+            <a:off x="2692398" y="3657597"/>
+            <a:ext cx="6815669" cy="1320802"/>
           </a:xfrm>
         </p:spPr>
         <p:txBody>
-          <a:bodyPr/>
+          <a:bodyPr anchor="t">
+            <a:normAutofit/>
+          </a:bodyPr>
           <a:lstStyle>
             <a:lvl1pPr marL="0" indent="0" algn="ctr">
               <a:buNone/>
-              <a:defRPr sz="2400"/>
+              <a:defRPr sz="2100">
+                <a:solidFill>
+                  <a:schemeClr val="tx1"/>
+                </a:solidFill>
+              </a:defRPr>
             </a:lvl1pPr>
             <a:lvl2pPr marL="457200" indent="0" algn="ctr">
               <a:buNone/>
-              <a:defRPr sz="2000"/>
+              <a:defRPr>
+                <a:solidFill>
+                  <a:schemeClr val="tx1">
+                    <a:tint val="75000"/>
+                  </a:schemeClr>
+                </a:solidFill>
+              </a:defRPr>
             </a:lvl2pPr>
             <a:lvl3pPr marL="914400" indent="0" algn="ctr">
               <a:buNone/>
-              <a:defRPr sz="1800"/>
+              <a:defRPr>
+                <a:solidFill>
+                  <a:schemeClr val="tx1">
+                    <a:tint val="75000"/>
+                  </a:schemeClr>
+                </a:solidFill>
+              </a:defRPr>
             </a:lvl3pPr>
             <a:lvl4pPr marL="1371600" indent="0" algn="ctr">
               <a:buNone/>
-              <a:defRPr sz="1600"/>
+              <a:defRPr>
+                <a:solidFill>
+                  <a:schemeClr val="tx1">
+                    <a:tint val="75000"/>
+                  </a:schemeClr>
+                </a:solidFill>
+              </a:defRPr>
             </a:lvl4pPr>
             <a:lvl5pPr marL="1828800" indent="0" algn="ctr">
               <a:buNone/>
-              <a:defRPr sz="1600"/>
+              <a:defRPr>
+                <a:solidFill>
+                  <a:schemeClr val="tx1">
+                    <a:tint val="75000"/>
+                  </a:schemeClr>
+                </a:solidFill>
+              </a:defRPr>
             </a:lvl5pPr>
             <a:lvl6pPr marL="2286000" indent="0" algn="ctr">
               <a:buNone/>
-              <a:defRPr sz="1600"/>
+              <a:defRPr>
+                <a:solidFill>
+                  <a:schemeClr val="tx1">
+                    <a:tint val="75000"/>
+                  </a:schemeClr>
+                </a:solidFill>
+              </a:defRPr>
             </a:lvl6pPr>
             <a:lvl7pPr marL="2743200" indent="0" algn="ctr">
               <a:buNone/>
-              <a:defRPr sz="1600"/>
+              <a:defRPr>
+                <a:solidFill>
+                  <a:schemeClr val="tx1">
+                    <a:tint val="75000"/>
+                  </a:schemeClr>
+                </a:solidFill>
+              </a:defRPr>
             </a:lvl7pPr>
             <a:lvl8pPr marL="3200400" indent="0" algn="ctr">
               <a:buNone/>
-              <a:defRPr sz="1600"/>
+              <a:defRPr>
+                <a:solidFill>
+                  <a:schemeClr val="tx1">
+                    <a:tint val="75000"/>
+                  </a:schemeClr>
+                </a:solidFill>
+              </a:defRPr>
             </a:lvl8pPr>
             <a:lvl9pPr marL="3657600" indent="0" algn="ctr">
               <a:buNone/>
-              <a:defRPr sz="1600"/>
+              <a:defRPr>
+                <a:solidFill>
+                  <a:schemeClr val="tx1">
+                    <a:tint val="75000"/>
+                  </a:schemeClr>
+                </a:solidFill>
+              </a:defRPr>
             </a:lvl9pPr>
           </a:lstStyle>
           <a:p>
@@ -704,7 +901,7 @@
               <a:rPr lang="en-US" smtClean="0"/>
               <a:t>Click to edit Master subtitle style</a:t>
             </a:r>
-            <a:endParaRPr lang="en-US"/>
+            <a:endParaRPr lang="en-US" dirty="0"/>
           </a:p>
         </p:txBody>
       </p:sp>
@@ -718,14 +915,19 @@
             <p:ph type="dt" sz="half" idx="10"/>
           </p:nvPr>
         </p:nvSpPr>
-        <p:spPr/>
+        <p:spPr>
+          <a:xfrm>
+            <a:off x="7983232" y="5037663"/>
+            <a:ext cx="897467" cy="279400"/>
+          </a:xfrm>
+        </p:spPr>
         <p:txBody>
           <a:bodyPr/>
           <a:lstStyle/>
           <a:p>
             <a:fld id="{3BD97801-303E-4CB9-94CD-95CC1636BC5B}" type="datetimeFigureOut">
               <a:rPr lang="en-US" smtClean="0"/>
-              <a:t>2/5/2019</a:t>
+              <a:t>2/6/2019</a:t>
             </a:fld>
             <a:endParaRPr lang="en-US"/>
           </a:p>
@@ -741,7 +943,12 @@
             <p:ph type="ftr" sz="quarter" idx="11"/>
           </p:nvPr>
         </p:nvSpPr>
-        <p:spPr/>
+        <p:spPr>
+          <a:xfrm>
+            <a:off x="2692397" y="5037663"/>
+            <a:ext cx="5214635" cy="279400"/>
+          </a:xfrm>
+        </p:spPr>
         <p:txBody>
           <a:bodyPr/>
           <a:lstStyle/>
@@ -760,7 +967,12 @@
             <p:ph type="sldNum" sz="quarter" idx="12"/>
           </p:nvPr>
         </p:nvSpPr>
-        <p:spPr/>
+        <p:spPr>
+          <a:xfrm>
+            <a:off x="8956900" y="5037663"/>
+            <a:ext cx="551167" cy="279400"/>
+          </a:xfrm>
+        </p:spPr>
         <p:txBody>
           <a:bodyPr/>
           <a:lstStyle/>
@@ -773,10 +985,40 @@
           </a:p>
         </p:txBody>
       </p:sp>
+      <p:cxnSp>
+        <p:nvCxnSpPr>
+          <p:cNvPr id="15" name="Straight Connector 14"/>
+          <p:cNvCxnSpPr/>
+          <p:nvPr/>
+        </p:nvCxnSpPr>
+        <p:spPr>
+          <a:xfrm>
+            <a:off x="2692399" y="3522131"/>
+            <a:ext cx="6815668" cy="0"/>
+          </a:xfrm>
+          <a:prstGeom prst="line">
+            <a:avLst/>
+          </a:prstGeom>
+        </p:spPr>
+        <p:style>
+          <a:lnRef idx="2">
+            <a:schemeClr val="accent1"/>
+          </a:lnRef>
+          <a:fillRef idx="0">
+            <a:schemeClr val="accent1"/>
+          </a:fillRef>
+          <a:effectRef idx="1">
+            <a:schemeClr val="accent1"/>
+          </a:effectRef>
+          <a:fontRef idx="minor">
+            <a:schemeClr val="tx1"/>
+          </a:fontRef>
+        </p:style>
+      </p:cxnSp>
     </p:spTree>
     <p:extLst>
       <p:ext uri="{BB962C8B-B14F-4D97-AF65-F5344CB8AC3E}">
-        <p14:creationId xmlns:p14="http://schemas.microsoft.com/office/powerpoint/2010/main" val="2713585108"/>
+        <p14:creationId xmlns:p14="http://schemas.microsoft.com/office/powerpoint/2010/main" val="3160823789"/>
       </p:ext>
     </p:extLst>
   </p:cSld>
@@ -787,6 +1029,2099 @@
 </file>
 
 <file path=ppt/slideLayouts/slideLayout10.xml><?xml version="1.0" encoding="utf-8"?>
+<p:sldLayout xmlns:a="http://schemas.openxmlformats.org/drawingml/2006/main" xmlns:r="http://schemas.openxmlformats.org/officeDocument/2006/relationships" xmlns:p="http://schemas.openxmlformats.org/presentationml/2006/main" preserve="1">
+  <p:cSld name="Panoramic Picture with Caption">
+    <p:spTree>
+      <p:nvGrpSpPr>
+        <p:cNvPr id="1" name=""/>
+        <p:cNvGrpSpPr/>
+        <p:nvPr/>
+      </p:nvGrpSpPr>
+      <p:grpSpPr>
+        <a:xfrm>
+          <a:off x="0" y="0"/>
+          <a:ext cx="0" cy="0"/>
+          <a:chOff x="0" y="0"/>
+          <a:chExt cx="0" cy="0"/>
+        </a:xfrm>
+      </p:grpSpPr>
+      <p:sp>
+        <p:nvSpPr>
+          <p:cNvPr id="2" name="Title 1"/>
+          <p:cNvSpPr>
+            <a:spLocks noGrp="1"/>
+          </p:cNvSpPr>
+          <p:nvPr>
+            <p:ph type="title"/>
+          </p:nvPr>
+        </p:nvSpPr>
+        <p:spPr>
+          <a:xfrm>
+            <a:off x="1295401" y="4815415"/>
+            <a:ext cx="9609666" cy="566738"/>
+          </a:xfrm>
+        </p:spPr>
+        <p:txBody>
+          <a:bodyPr anchor="b">
+            <a:normAutofit/>
+          </a:bodyPr>
+          <a:lstStyle>
+            <a:lvl1pPr algn="ctr">
+              <a:defRPr sz="2400" b="0"/>
+            </a:lvl1pPr>
+          </a:lstStyle>
+          <a:p>
+            <a:r>
+              <a:rPr lang="en-US" smtClean="0"/>
+              <a:t>Click to edit Master title style</a:t>
+            </a:r>
+            <a:endParaRPr lang="en-US" dirty="0"/>
+          </a:p>
+        </p:txBody>
+      </p:sp>
+      <p:sp>
+        <p:nvSpPr>
+          <p:cNvPr id="3" name="Picture Placeholder 2"/>
+          <p:cNvSpPr>
+            <a:spLocks noGrp="1" noChangeAspect="1"/>
+          </p:cNvSpPr>
+          <p:nvPr>
+            <p:ph type="pic" idx="1"/>
+          </p:nvPr>
+        </p:nvSpPr>
+        <p:spPr>
+          <a:xfrm>
+            <a:off x="1041427" y="1041399"/>
+            <a:ext cx="10105972" cy="3335869"/>
+          </a:xfrm>
+          <a:prstGeom prst="roundRect">
+            <a:avLst>
+              <a:gd name="adj" fmla="val 0"/>
+            </a:avLst>
+          </a:prstGeom>
+          <a:ln w="57150" cmpd="thickThin">
+            <a:solidFill>
+              <a:schemeClr val="tx1">
+                <a:lumMod val="50000"/>
+                <a:lumOff val="50000"/>
+              </a:schemeClr>
+            </a:solidFill>
+            <a:miter lim="800000"/>
+          </a:ln>
+          <a:effectLst>
+            <a:innerShdw blurRad="57150" dist="38100" dir="14460000">
+              <a:srgbClr val="000000">
+                <a:alpha val="70000"/>
+              </a:srgbClr>
+            </a:innerShdw>
+          </a:effectLst>
+        </p:spPr>
+        <p:txBody>
+          <a:bodyPr anchor="t">
+            <a:normAutofit/>
+          </a:bodyPr>
+          <a:lstStyle>
+            <a:lvl1pPr marL="0" indent="0" algn="ctr">
+              <a:buNone/>
+              <a:defRPr sz="1600"/>
+            </a:lvl1pPr>
+            <a:lvl2pPr marL="457200" indent="0">
+              <a:buNone/>
+              <a:defRPr sz="1600"/>
+            </a:lvl2pPr>
+            <a:lvl3pPr marL="914400" indent="0">
+              <a:buNone/>
+              <a:defRPr sz="1600"/>
+            </a:lvl3pPr>
+            <a:lvl4pPr marL="1371600" indent="0">
+              <a:buNone/>
+              <a:defRPr sz="1600"/>
+            </a:lvl4pPr>
+            <a:lvl5pPr marL="1828800" indent="0">
+              <a:buNone/>
+              <a:defRPr sz="1600"/>
+            </a:lvl5pPr>
+            <a:lvl6pPr marL="2286000" indent="0">
+              <a:buNone/>
+              <a:defRPr sz="1600"/>
+            </a:lvl6pPr>
+            <a:lvl7pPr marL="2743200" indent="0">
+              <a:buNone/>
+              <a:defRPr sz="1600"/>
+            </a:lvl7pPr>
+            <a:lvl8pPr marL="3200400" indent="0">
+              <a:buNone/>
+              <a:defRPr sz="1600"/>
+            </a:lvl8pPr>
+            <a:lvl9pPr marL="3657600" indent="0">
+              <a:buNone/>
+              <a:defRPr sz="1600"/>
+            </a:lvl9pPr>
+          </a:lstStyle>
+          <a:p>
+            <a:r>
+              <a:rPr lang="en-US" smtClean="0"/>
+              <a:t>Click icon to add picture</a:t>
+            </a:r>
+            <a:endParaRPr lang="en-US" dirty="0"/>
+          </a:p>
+        </p:txBody>
+      </p:sp>
+      <p:sp>
+        <p:nvSpPr>
+          <p:cNvPr id="4" name="Text Placeholder 3"/>
+          <p:cNvSpPr>
+            <a:spLocks noGrp="1"/>
+          </p:cNvSpPr>
+          <p:nvPr>
+            <p:ph type="body" sz="half" idx="2"/>
+          </p:nvPr>
+        </p:nvSpPr>
+        <p:spPr>
+          <a:xfrm>
+            <a:off x="1295401" y="5382153"/>
+            <a:ext cx="9609666" cy="493712"/>
+          </a:xfrm>
+        </p:spPr>
+        <p:txBody>
+          <a:bodyPr>
+            <a:normAutofit/>
+          </a:bodyPr>
+          <a:lstStyle>
+            <a:lvl1pPr marL="0" indent="0" algn="ctr">
+              <a:buNone/>
+              <a:defRPr sz="1400"/>
+            </a:lvl1pPr>
+            <a:lvl2pPr marL="457200" indent="0">
+              <a:buNone/>
+              <a:defRPr sz="1200"/>
+            </a:lvl2pPr>
+            <a:lvl3pPr marL="914400" indent="0">
+              <a:buNone/>
+              <a:defRPr sz="1000"/>
+            </a:lvl3pPr>
+            <a:lvl4pPr marL="1371600" indent="0">
+              <a:buNone/>
+              <a:defRPr sz="900"/>
+            </a:lvl4pPr>
+            <a:lvl5pPr marL="1828800" indent="0">
+              <a:buNone/>
+              <a:defRPr sz="900"/>
+            </a:lvl5pPr>
+            <a:lvl6pPr marL="2286000" indent="0">
+              <a:buNone/>
+              <a:defRPr sz="900"/>
+            </a:lvl6pPr>
+            <a:lvl7pPr marL="2743200" indent="0">
+              <a:buNone/>
+              <a:defRPr sz="900"/>
+            </a:lvl7pPr>
+            <a:lvl8pPr marL="3200400" indent="0">
+              <a:buNone/>
+              <a:defRPr sz="900"/>
+            </a:lvl8pPr>
+            <a:lvl9pPr marL="3657600" indent="0">
+              <a:buNone/>
+              <a:defRPr sz="900"/>
+            </a:lvl9pPr>
+          </a:lstStyle>
+          <a:p>
+            <a:pPr lvl="0"/>
+            <a:r>
+              <a:rPr lang="en-US" smtClean="0"/>
+              <a:t>Edit Master text styles</a:t>
+            </a:r>
+          </a:p>
+        </p:txBody>
+      </p:sp>
+      <p:sp>
+        <p:nvSpPr>
+          <p:cNvPr id="5" name="Date Placeholder 4"/>
+          <p:cNvSpPr>
+            <a:spLocks noGrp="1"/>
+          </p:cNvSpPr>
+          <p:nvPr>
+            <p:ph type="dt" sz="half" idx="10"/>
+          </p:nvPr>
+        </p:nvSpPr>
+        <p:spPr/>
+        <p:txBody>
+          <a:bodyPr/>
+          <a:lstStyle/>
+          <a:p>
+            <a:fld id="{3BD97801-303E-4CB9-94CD-95CC1636BC5B}" type="datetimeFigureOut">
+              <a:rPr lang="en-US" smtClean="0"/>
+              <a:t>2/6/2019</a:t>
+            </a:fld>
+            <a:endParaRPr lang="en-US"/>
+          </a:p>
+        </p:txBody>
+      </p:sp>
+      <p:sp>
+        <p:nvSpPr>
+          <p:cNvPr id="6" name="Footer Placeholder 5"/>
+          <p:cNvSpPr>
+            <a:spLocks noGrp="1"/>
+          </p:cNvSpPr>
+          <p:nvPr>
+            <p:ph type="ftr" sz="quarter" idx="11"/>
+          </p:nvPr>
+        </p:nvSpPr>
+        <p:spPr/>
+        <p:txBody>
+          <a:bodyPr/>
+          <a:lstStyle/>
+          <a:p>
+            <a:endParaRPr lang="en-US"/>
+          </a:p>
+        </p:txBody>
+      </p:sp>
+      <p:sp>
+        <p:nvSpPr>
+          <p:cNvPr id="7" name="Slide Number Placeholder 6"/>
+          <p:cNvSpPr>
+            <a:spLocks noGrp="1"/>
+          </p:cNvSpPr>
+          <p:nvPr>
+            <p:ph type="sldNum" sz="quarter" idx="12"/>
+          </p:nvPr>
+        </p:nvSpPr>
+        <p:spPr/>
+        <p:txBody>
+          <a:bodyPr/>
+          <a:lstStyle/>
+          <a:p>
+            <a:fld id="{1F4D0D7F-280F-424B-AC5D-5E0677AFBB03}" type="slidenum">
+              <a:rPr lang="en-US" smtClean="0"/>
+              <a:t>‹#›</a:t>
+            </a:fld>
+            <a:endParaRPr lang="en-US"/>
+          </a:p>
+        </p:txBody>
+      </p:sp>
+    </p:spTree>
+    <p:extLst>
+      <p:ext uri="{BB962C8B-B14F-4D97-AF65-F5344CB8AC3E}">
+        <p14:creationId xmlns:p14="http://schemas.microsoft.com/office/powerpoint/2010/main" val="1820096603"/>
+      </p:ext>
+    </p:extLst>
+  </p:cSld>
+  <p:clrMapOvr>
+    <a:masterClrMapping/>
+  </p:clrMapOvr>
+</p:sldLayout>
+</file>
+
+<file path=ppt/slideLayouts/slideLayout11.xml><?xml version="1.0" encoding="utf-8"?>
+<p:sldLayout xmlns:a="http://schemas.openxmlformats.org/drawingml/2006/main" xmlns:r="http://schemas.openxmlformats.org/officeDocument/2006/relationships" xmlns:p="http://schemas.openxmlformats.org/presentationml/2006/main" preserve="1">
+  <p:cSld name="Title and Caption">
+    <p:spTree>
+      <p:nvGrpSpPr>
+        <p:cNvPr id="1" name=""/>
+        <p:cNvGrpSpPr/>
+        <p:nvPr/>
+      </p:nvGrpSpPr>
+      <p:grpSpPr>
+        <a:xfrm>
+          <a:off x="0" y="0"/>
+          <a:ext cx="0" cy="0"/>
+          <a:chOff x="0" y="0"/>
+          <a:chExt cx="0" cy="0"/>
+        </a:xfrm>
+      </p:grpSpPr>
+      <p:sp>
+        <p:nvSpPr>
+          <p:cNvPr id="2" name="Title 1"/>
+          <p:cNvSpPr>
+            <a:spLocks noGrp="1"/>
+          </p:cNvSpPr>
+          <p:nvPr>
+            <p:ph type="title"/>
+          </p:nvPr>
+        </p:nvSpPr>
+        <p:spPr>
+          <a:xfrm>
+            <a:off x="1303868" y="982132"/>
+            <a:ext cx="9592732" cy="2954868"/>
+          </a:xfrm>
+        </p:spPr>
+        <p:txBody>
+          <a:bodyPr anchor="ctr">
+            <a:normAutofit/>
+          </a:bodyPr>
+          <a:lstStyle>
+            <a:lvl1pPr algn="ctr">
+              <a:defRPr sz="3200" b="0" cap="none"/>
+            </a:lvl1pPr>
+          </a:lstStyle>
+          <a:p>
+            <a:r>
+              <a:rPr lang="en-US" smtClean="0"/>
+              <a:t>Click to edit Master title style</a:t>
+            </a:r>
+            <a:endParaRPr lang="en-US" dirty="0"/>
+          </a:p>
+        </p:txBody>
+      </p:sp>
+      <p:sp>
+        <p:nvSpPr>
+          <p:cNvPr id="3" name="Text Placeholder 2"/>
+          <p:cNvSpPr>
+            <a:spLocks noGrp="1"/>
+          </p:cNvSpPr>
+          <p:nvPr>
+            <p:ph type="body" idx="1"/>
+          </p:nvPr>
+        </p:nvSpPr>
+        <p:spPr>
+          <a:xfrm>
+            <a:off x="1303868" y="4343399"/>
+            <a:ext cx="9592732" cy="1532467"/>
+          </a:xfrm>
+        </p:spPr>
+        <p:txBody>
+          <a:bodyPr anchor="ctr">
+            <a:normAutofit/>
+          </a:bodyPr>
+          <a:lstStyle>
+            <a:lvl1pPr marL="0" indent="0" algn="ctr">
+              <a:buNone/>
+              <a:defRPr sz="2000">
+                <a:solidFill>
+                  <a:schemeClr val="tx1"/>
+                </a:solidFill>
+              </a:defRPr>
+            </a:lvl1pPr>
+            <a:lvl2pPr marL="457200" indent="0">
+              <a:buNone/>
+              <a:defRPr sz="1800">
+                <a:solidFill>
+                  <a:schemeClr val="tx1">
+                    <a:tint val="75000"/>
+                  </a:schemeClr>
+                </a:solidFill>
+              </a:defRPr>
+            </a:lvl2pPr>
+            <a:lvl3pPr marL="914400" indent="0">
+              <a:buNone/>
+              <a:defRPr sz="1600">
+                <a:solidFill>
+                  <a:schemeClr val="tx1">
+                    <a:tint val="75000"/>
+                  </a:schemeClr>
+                </a:solidFill>
+              </a:defRPr>
+            </a:lvl3pPr>
+            <a:lvl4pPr marL="1371600" indent="0">
+              <a:buNone/>
+              <a:defRPr sz="1400">
+                <a:solidFill>
+                  <a:schemeClr val="tx1">
+                    <a:tint val="75000"/>
+                  </a:schemeClr>
+                </a:solidFill>
+              </a:defRPr>
+            </a:lvl4pPr>
+            <a:lvl5pPr marL="1828800" indent="0">
+              <a:buNone/>
+              <a:defRPr sz="1400">
+                <a:solidFill>
+                  <a:schemeClr val="tx1">
+                    <a:tint val="75000"/>
+                  </a:schemeClr>
+                </a:solidFill>
+              </a:defRPr>
+            </a:lvl5pPr>
+            <a:lvl6pPr marL="2286000" indent="0">
+              <a:buNone/>
+              <a:defRPr sz="1400">
+                <a:solidFill>
+                  <a:schemeClr val="tx1">
+                    <a:tint val="75000"/>
+                  </a:schemeClr>
+                </a:solidFill>
+              </a:defRPr>
+            </a:lvl6pPr>
+            <a:lvl7pPr marL="2743200" indent="0">
+              <a:buNone/>
+              <a:defRPr sz="1400">
+                <a:solidFill>
+                  <a:schemeClr val="tx1">
+                    <a:tint val="75000"/>
+                  </a:schemeClr>
+                </a:solidFill>
+              </a:defRPr>
+            </a:lvl7pPr>
+            <a:lvl8pPr marL="3200400" indent="0">
+              <a:buNone/>
+              <a:defRPr sz="1400">
+                <a:solidFill>
+                  <a:schemeClr val="tx1">
+                    <a:tint val="75000"/>
+                  </a:schemeClr>
+                </a:solidFill>
+              </a:defRPr>
+            </a:lvl8pPr>
+            <a:lvl9pPr marL="3657600" indent="0">
+              <a:buNone/>
+              <a:defRPr sz="1400">
+                <a:solidFill>
+                  <a:schemeClr val="tx1">
+                    <a:tint val="75000"/>
+                  </a:schemeClr>
+                </a:solidFill>
+              </a:defRPr>
+            </a:lvl9pPr>
+          </a:lstStyle>
+          <a:p>
+            <a:pPr lvl="0"/>
+            <a:r>
+              <a:rPr lang="en-US" smtClean="0"/>
+              <a:t>Edit Master text styles</a:t>
+            </a:r>
+          </a:p>
+        </p:txBody>
+      </p:sp>
+      <p:sp>
+        <p:nvSpPr>
+          <p:cNvPr id="4" name="Date Placeholder 3"/>
+          <p:cNvSpPr>
+            <a:spLocks noGrp="1"/>
+          </p:cNvSpPr>
+          <p:nvPr>
+            <p:ph type="dt" sz="half" idx="10"/>
+          </p:nvPr>
+        </p:nvSpPr>
+        <p:spPr/>
+        <p:txBody>
+          <a:bodyPr/>
+          <a:lstStyle/>
+          <a:p>
+            <a:fld id="{3BD97801-303E-4CB9-94CD-95CC1636BC5B}" type="datetimeFigureOut">
+              <a:rPr lang="en-US" smtClean="0"/>
+              <a:t>2/6/2019</a:t>
+            </a:fld>
+            <a:endParaRPr lang="en-US"/>
+          </a:p>
+        </p:txBody>
+      </p:sp>
+      <p:sp>
+        <p:nvSpPr>
+          <p:cNvPr id="5" name="Footer Placeholder 4"/>
+          <p:cNvSpPr>
+            <a:spLocks noGrp="1"/>
+          </p:cNvSpPr>
+          <p:nvPr>
+            <p:ph type="ftr" sz="quarter" idx="11"/>
+          </p:nvPr>
+        </p:nvSpPr>
+        <p:spPr/>
+        <p:txBody>
+          <a:bodyPr/>
+          <a:lstStyle/>
+          <a:p>
+            <a:endParaRPr lang="en-US"/>
+          </a:p>
+        </p:txBody>
+      </p:sp>
+      <p:sp>
+        <p:nvSpPr>
+          <p:cNvPr id="6" name="Slide Number Placeholder 5"/>
+          <p:cNvSpPr>
+            <a:spLocks noGrp="1"/>
+          </p:cNvSpPr>
+          <p:nvPr>
+            <p:ph type="sldNum" sz="quarter" idx="12"/>
+          </p:nvPr>
+        </p:nvSpPr>
+        <p:spPr/>
+        <p:txBody>
+          <a:bodyPr/>
+          <a:lstStyle/>
+          <a:p>
+            <a:fld id="{1F4D0D7F-280F-424B-AC5D-5E0677AFBB03}" type="slidenum">
+              <a:rPr lang="en-US" smtClean="0"/>
+              <a:t>‹#›</a:t>
+            </a:fld>
+            <a:endParaRPr lang="en-US"/>
+          </a:p>
+        </p:txBody>
+      </p:sp>
+      <p:cxnSp>
+        <p:nvCxnSpPr>
+          <p:cNvPr id="15" name="Straight Connector 14"/>
+          <p:cNvCxnSpPr/>
+          <p:nvPr/>
+        </p:nvCxnSpPr>
+        <p:spPr>
+          <a:xfrm>
+            <a:off x="1396169" y="4140199"/>
+            <a:ext cx="9407298" cy="0"/>
+          </a:xfrm>
+          <a:prstGeom prst="line">
+            <a:avLst/>
+          </a:prstGeom>
+          <a:ln w="15875"/>
+        </p:spPr>
+        <p:style>
+          <a:lnRef idx="2">
+            <a:schemeClr val="accent1"/>
+          </a:lnRef>
+          <a:fillRef idx="0">
+            <a:schemeClr val="accent1"/>
+          </a:fillRef>
+          <a:effectRef idx="1">
+            <a:schemeClr val="accent1"/>
+          </a:effectRef>
+          <a:fontRef idx="minor">
+            <a:schemeClr val="tx1"/>
+          </a:fontRef>
+        </p:style>
+      </p:cxnSp>
+    </p:spTree>
+    <p:extLst>
+      <p:ext uri="{BB962C8B-B14F-4D97-AF65-F5344CB8AC3E}">
+        <p14:creationId xmlns:p14="http://schemas.microsoft.com/office/powerpoint/2010/main" val="479237898"/>
+      </p:ext>
+    </p:extLst>
+  </p:cSld>
+  <p:clrMapOvr>
+    <a:masterClrMapping/>
+  </p:clrMapOvr>
+</p:sldLayout>
+</file>
+
+<file path=ppt/slideLayouts/slideLayout12.xml><?xml version="1.0" encoding="utf-8"?>
+<p:sldLayout xmlns:a="http://schemas.openxmlformats.org/drawingml/2006/main" xmlns:r="http://schemas.openxmlformats.org/officeDocument/2006/relationships" xmlns:p="http://schemas.openxmlformats.org/presentationml/2006/main" preserve="1">
+  <p:cSld name="Quote with Caption">
+    <p:spTree>
+      <p:nvGrpSpPr>
+        <p:cNvPr id="1" name=""/>
+        <p:cNvGrpSpPr/>
+        <p:nvPr/>
+      </p:nvGrpSpPr>
+      <p:grpSpPr>
+        <a:xfrm>
+          <a:off x="0" y="0"/>
+          <a:ext cx="0" cy="0"/>
+          <a:chOff x="0" y="0"/>
+          <a:chExt cx="0" cy="0"/>
+        </a:xfrm>
+      </p:grpSpPr>
+      <p:sp>
+        <p:nvSpPr>
+          <p:cNvPr id="2" name="Title 1"/>
+          <p:cNvSpPr>
+            <a:spLocks noGrp="1"/>
+          </p:cNvSpPr>
+          <p:nvPr>
+            <p:ph type="title"/>
+          </p:nvPr>
+        </p:nvSpPr>
+        <p:spPr>
+          <a:xfrm>
+            <a:off x="1446213" y="982132"/>
+            <a:ext cx="9296398" cy="2370668"/>
+          </a:xfrm>
+        </p:spPr>
+        <p:txBody>
+          <a:bodyPr anchor="ctr">
+            <a:normAutofit/>
+          </a:bodyPr>
+          <a:lstStyle>
+            <a:lvl1pPr algn="ctr">
+              <a:defRPr sz="3200" b="0" cap="none">
+                <a:solidFill>
+                  <a:schemeClr val="tx1"/>
+                </a:solidFill>
+              </a:defRPr>
+            </a:lvl1pPr>
+          </a:lstStyle>
+          <a:p>
+            <a:r>
+              <a:rPr lang="en-US" smtClean="0"/>
+              <a:t>Click to edit Master title style</a:t>
+            </a:r>
+            <a:endParaRPr lang="en-US" dirty="0"/>
+          </a:p>
+        </p:txBody>
+      </p:sp>
+      <p:sp>
+        <p:nvSpPr>
+          <p:cNvPr id="10" name="Text Placeholder 9"/>
+          <p:cNvSpPr>
+            <a:spLocks noGrp="1"/>
+          </p:cNvSpPr>
+          <p:nvPr>
+            <p:ph type="body" sz="quarter" idx="13"/>
+          </p:nvPr>
+        </p:nvSpPr>
+        <p:spPr>
+          <a:xfrm>
+            <a:off x="1674812" y="3352800"/>
+            <a:ext cx="8839202" cy="584200"/>
+          </a:xfrm>
+        </p:spPr>
+        <p:txBody>
+          <a:bodyPr anchor="ctr">
+            <a:normAutofit/>
+          </a:bodyPr>
+          <a:lstStyle>
+            <a:lvl1pPr marL="0" indent="0" algn="r">
+              <a:buFontTx/>
+              <a:buNone/>
+              <a:defRPr sz="2000"/>
+            </a:lvl1pPr>
+            <a:lvl2pPr marL="457200" indent="0">
+              <a:buFontTx/>
+              <a:buNone/>
+              <a:defRPr/>
+            </a:lvl2pPr>
+            <a:lvl3pPr marL="914400" indent="0">
+              <a:buFontTx/>
+              <a:buNone/>
+              <a:defRPr/>
+            </a:lvl3pPr>
+            <a:lvl4pPr marL="1371600" indent="0">
+              <a:buFontTx/>
+              <a:buNone/>
+              <a:defRPr/>
+            </a:lvl4pPr>
+            <a:lvl5pPr marL="1828800" indent="0">
+              <a:buFontTx/>
+              <a:buNone/>
+              <a:defRPr/>
+            </a:lvl5pPr>
+          </a:lstStyle>
+          <a:p>
+            <a:pPr lvl="0"/>
+            <a:r>
+              <a:rPr lang="en-US" smtClean="0"/>
+              <a:t>Edit Master text styles</a:t>
+            </a:r>
+          </a:p>
+        </p:txBody>
+      </p:sp>
+      <p:sp>
+        <p:nvSpPr>
+          <p:cNvPr id="3" name="Text Placeholder 2"/>
+          <p:cNvSpPr>
+            <a:spLocks noGrp="1"/>
+          </p:cNvSpPr>
+          <p:nvPr>
+            <p:ph type="body" idx="1"/>
+          </p:nvPr>
+        </p:nvSpPr>
+        <p:spPr>
+          <a:xfrm>
+            <a:off x="1295401" y="4343399"/>
+            <a:ext cx="9609666" cy="1532467"/>
+          </a:xfrm>
+        </p:spPr>
+        <p:txBody>
+          <a:bodyPr anchor="ctr">
+            <a:normAutofit/>
+          </a:bodyPr>
+          <a:lstStyle>
+            <a:lvl1pPr marL="0" indent="0" algn="ctr">
+              <a:buNone/>
+              <a:defRPr sz="2000">
+                <a:solidFill>
+                  <a:schemeClr val="tx1"/>
+                </a:solidFill>
+              </a:defRPr>
+            </a:lvl1pPr>
+            <a:lvl2pPr marL="457200" indent="0">
+              <a:buNone/>
+              <a:defRPr sz="1800">
+                <a:solidFill>
+                  <a:schemeClr val="tx1">
+                    <a:tint val="75000"/>
+                  </a:schemeClr>
+                </a:solidFill>
+              </a:defRPr>
+            </a:lvl2pPr>
+            <a:lvl3pPr marL="914400" indent="0">
+              <a:buNone/>
+              <a:defRPr sz="1600">
+                <a:solidFill>
+                  <a:schemeClr val="tx1">
+                    <a:tint val="75000"/>
+                  </a:schemeClr>
+                </a:solidFill>
+              </a:defRPr>
+            </a:lvl3pPr>
+            <a:lvl4pPr marL="1371600" indent="0">
+              <a:buNone/>
+              <a:defRPr sz="1400">
+                <a:solidFill>
+                  <a:schemeClr val="tx1">
+                    <a:tint val="75000"/>
+                  </a:schemeClr>
+                </a:solidFill>
+              </a:defRPr>
+            </a:lvl4pPr>
+            <a:lvl5pPr marL="1828800" indent="0">
+              <a:buNone/>
+              <a:defRPr sz="1400">
+                <a:solidFill>
+                  <a:schemeClr val="tx1">
+                    <a:tint val="75000"/>
+                  </a:schemeClr>
+                </a:solidFill>
+              </a:defRPr>
+            </a:lvl5pPr>
+            <a:lvl6pPr marL="2286000" indent="0">
+              <a:buNone/>
+              <a:defRPr sz="1400">
+                <a:solidFill>
+                  <a:schemeClr val="tx1">
+                    <a:tint val="75000"/>
+                  </a:schemeClr>
+                </a:solidFill>
+              </a:defRPr>
+            </a:lvl6pPr>
+            <a:lvl7pPr marL="2743200" indent="0">
+              <a:buNone/>
+              <a:defRPr sz="1400">
+                <a:solidFill>
+                  <a:schemeClr val="tx1">
+                    <a:tint val="75000"/>
+                  </a:schemeClr>
+                </a:solidFill>
+              </a:defRPr>
+            </a:lvl7pPr>
+            <a:lvl8pPr marL="3200400" indent="0">
+              <a:buNone/>
+              <a:defRPr sz="1400">
+                <a:solidFill>
+                  <a:schemeClr val="tx1">
+                    <a:tint val="75000"/>
+                  </a:schemeClr>
+                </a:solidFill>
+              </a:defRPr>
+            </a:lvl8pPr>
+            <a:lvl9pPr marL="3657600" indent="0">
+              <a:buNone/>
+              <a:defRPr sz="1400">
+                <a:solidFill>
+                  <a:schemeClr val="tx1">
+                    <a:tint val="75000"/>
+                  </a:schemeClr>
+                </a:solidFill>
+              </a:defRPr>
+            </a:lvl9pPr>
+          </a:lstStyle>
+          <a:p>
+            <a:pPr lvl="0"/>
+            <a:r>
+              <a:rPr lang="en-US" smtClean="0"/>
+              <a:t>Edit Master text styles</a:t>
+            </a:r>
+          </a:p>
+        </p:txBody>
+      </p:sp>
+      <p:sp>
+        <p:nvSpPr>
+          <p:cNvPr id="4" name="Date Placeholder 3"/>
+          <p:cNvSpPr>
+            <a:spLocks noGrp="1"/>
+          </p:cNvSpPr>
+          <p:nvPr>
+            <p:ph type="dt" sz="half" idx="10"/>
+          </p:nvPr>
+        </p:nvSpPr>
+        <p:spPr/>
+        <p:txBody>
+          <a:bodyPr/>
+          <a:lstStyle/>
+          <a:p>
+            <a:fld id="{3BD97801-303E-4CB9-94CD-95CC1636BC5B}" type="datetimeFigureOut">
+              <a:rPr lang="en-US" smtClean="0"/>
+              <a:t>2/6/2019</a:t>
+            </a:fld>
+            <a:endParaRPr lang="en-US"/>
+          </a:p>
+        </p:txBody>
+      </p:sp>
+      <p:sp>
+        <p:nvSpPr>
+          <p:cNvPr id="5" name="Footer Placeholder 4"/>
+          <p:cNvSpPr>
+            <a:spLocks noGrp="1"/>
+          </p:cNvSpPr>
+          <p:nvPr>
+            <p:ph type="ftr" sz="quarter" idx="11"/>
+          </p:nvPr>
+        </p:nvSpPr>
+        <p:spPr/>
+        <p:txBody>
+          <a:bodyPr/>
+          <a:lstStyle/>
+          <a:p>
+            <a:endParaRPr lang="en-US"/>
+          </a:p>
+        </p:txBody>
+      </p:sp>
+      <p:sp>
+        <p:nvSpPr>
+          <p:cNvPr id="6" name="Slide Number Placeholder 5"/>
+          <p:cNvSpPr>
+            <a:spLocks noGrp="1"/>
+          </p:cNvSpPr>
+          <p:nvPr>
+            <p:ph type="sldNum" sz="quarter" idx="12"/>
+          </p:nvPr>
+        </p:nvSpPr>
+        <p:spPr/>
+        <p:txBody>
+          <a:bodyPr/>
+          <a:lstStyle/>
+          <a:p>
+            <a:fld id="{1F4D0D7F-280F-424B-AC5D-5E0677AFBB03}" type="slidenum">
+              <a:rPr lang="en-US" smtClean="0"/>
+              <a:t>‹#›</a:t>
+            </a:fld>
+            <a:endParaRPr lang="en-US"/>
+          </a:p>
+        </p:txBody>
+      </p:sp>
+      <p:sp>
+        <p:nvSpPr>
+          <p:cNvPr id="14" name="TextBox 13"/>
+          <p:cNvSpPr txBox="1"/>
+          <p:nvPr/>
+        </p:nvSpPr>
+        <p:spPr>
+          <a:xfrm>
+            <a:off x="862013" y="879961"/>
+            <a:ext cx="609600" cy="584776"/>
+          </a:xfrm>
+          <a:prstGeom prst="rect">
+            <a:avLst/>
+          </a:prstGeom>
+        </p:spPr>
+        <p:txBody>
+          <a:bodyPr vert="horz" lIns="91440" tIns="45720" rIns="91440" bIns="45720" rtlCol="0" anchor="ctr">
+            <a:noAutofit/>
+          </a:bodyPr>
+          <a:lstStyle/>
+          <a:p>
+            <a:pPr lvl="0"/>
+            <a:r>
+              <a:rPr lang="en-US" sz="8000" dirty="0">
+                <a:solidFill>
+                  <a:schemeClr val="tx1"/>
+                </a:solidFill>
+                <a:effectLst/>
+              </a:rPr>
+              <a:t>“</a:t>
+            </a:r>
+          </a:p>
+        </p:txBody>
+      </p:sp>
+      <p:sp>
+        <p:nvSpPr>
+          <p:cNvPr id="15" name="TextBox 14"/>
+          <p:cNvSpPr txBox="1"/>
+          <p:nvPr/>
+        </p:nvSpPr>
+        <p:spPr>
+          <a:xfrm>
+            <a:off x="10600267" y="2827870"/>
+            <a:ext cx="609600" cy="584776"/>
+          </a:xfrm>
+          <a:prstGeom prst="rect">
+            <a:avLst/>
+          </a:prstGeom>
+        </p:spPr>
+        <p:txBody>
+          <a:bodyPr vert="horz" lIns="91440" tIns="45720" rIns="91440" bIns="45720" rtlCol="0" anchor="ctr">
+            <a:noAutofit/>
+          </a:bodyPr>
+          <a:lstStyle/>
+          <a:p>
+            <a:pPr lvl="0" algn="r"/>
+            <a:r>
+              <a:rPr lang="en-US" sz="8000" dirty="0">
+                <a:solidFill>
+                  <a:schemeClr val="tx1"/>
+                </a:solidFill>
+                <a:effectLst/>
+              </a:rPr>
+              <a:t>”</a:t>
+            </a:r>
+          </a:p>
+        </p:txBody>
+      </p:sp>
+      <p:cxnSp>
+        <p:nvCxnSpPr>
+          <p:cNvPr id="19" name="Straight Connector 18"/>
+          <p:cNvCxnSpPr/>
+          <p:nvPr/>
+        </p:nvCxnSpPr>
+        <p:spPr>
+          <a:xfrm>
+            <a:off x="1396169" y="4140199"/>
+            <a:ext cx="9407298" cy="0"/>
+          </a:xfrm>
+          <a:prstGeom prst="line">
+            <a:avLst/>
+          </a:prstGeom>
+          <a:ln w="15875"/>
+        </p:spPr>
+        <p:style>
+          <a:lnRef idx="2">
+            <a:schemeClr val="accent1"/>
+          </a:lnRef>
+          <a:fillRef idx="0">
+            <a:schemeClr val="accent1"/>
+          </a:fillRef>
+          <a:effectRef idx="1">
+            <a:schemeClr val="accent1"/>
+          </a:effectRef>
+          <a:fontRef idx="minor">
+            <a:schemeClr val="tx1"/>
+          </a:fontRef>
+        </p:style>
+      </p:cxnSp>
+    </p:spTree>
+    <p:extLst>
+      <p:ext uri="{BB962C8B-B14F-4D97-AF65-F5344CB8AC3E}">
+        <p14:creationId xmlns:p14="http://schemas.microsoft.com/office/powerpoint/2010/main" val="3636404365"/>
+      </p:ext>
+    </p:extLst>
+  </p:cSld>
+  <p:clrMapOvr>
+    <a:masterClrMapping/>
+  </p:clrMapOvr>
+</p:sldLayout>
+</file>
+
+<file path=ppt/slideLayouts/slideLayout13.xml><?xml version="1.0" encoding="utf-8"?>
+<p:sldLayout xmlns:a="http://schemas.openxmlformats.org/drawingml/2006/main" xmlns:r="http://schemas.openxmlformats.org/officeDocument/2006/relationships" xmlns:p="http://schemas.openxmlformats.org/presentationml/2006/main" preserve="1">
+  <p:cSld name="Name Card">
+    <p:spTree>
+      <p:nvGrpSpPr>
+        <p:cNvPr id="1" name=""/>
+        <p:cNvGrpSpPr/>
+        <p:nvPr/>
+      </p:nvGrpSpPr>
+      <p:grpSpPr>
+        <a:xfrm>
+          <a:off x="0" y="0"/>
+          <a:ext cx="0" cy="0"/>
+          <a:chOff x="0" y="0"/>
+          <a:chExt cx="0" cy="0"/>
+        </a:xfrm>
+      </p:grpSpPr>
+      <p:sp>
+        <p:nvSpPr>
+          <p:cNvPr id="2" name="Title 1"/>
+          <p:cNvSpPr>
+            <a:spLocks noGrp="1"/>
+          </p:cNvSpPr>
+          <p:nvPr>
+            <p:ph type="title"/>
+          </p:nvPr>
+        </p:nvSpPr>
+        <p:spPr>
+          <a:xfrm>
+            <a:off x="1295402" y="3308581"/>
+            <a:ext cx="9609668" cy="1468800"/>
+          </a:xfrm>
+        </p:spPr>
+        <p:txBody>
+          <a:bodyPr anchor="b">
+            <a:normAutofit/>
+          </a:bodyPr>
+          <a:lstStyle>
+            <a:lvl1pPr algn="l">
+              <a:defRPr sz="3200" b="0" cap="none"/>
+            </a:lvl1pPr>
+          </a:lstStyle>
+          <a:p>
+            <a:r>
+              <a:rPr lang="en-US" smtClean="0"/>
+              <a:t>Click to edit Master title style</a:t>
+            </a:r>
+            <a:endParaRPr lang="en-US" dirty="0"/>
+          </a:p>
+        </p:txBody>
+      </p:sp>
+      <p:sp>
+        <p:nvSpPr>
+          <p:cNvPr id="3" name="Text Placeholder 2"/>
+          <p:cNvSpPr>
+            <a:spLocks noGrp="1"/>
+          </p:cNvSpPr>
+          <p:nvPr>
+            <p:ph type="body" idx="1"/>
+          </p:nvPr>
+        </p:nvSpPr>
+        <p:spPr>
+          <a:xfrm>
+            <a:off x="1295401" y="4777381"/>
+            <a:ext cx="9609668" cy="860400"/>
+          </a:xfrm>
+        </p:spPr>
+        <p:txBody>
+          <a:bodyPr anchor="t">
+            <a:normAutofit/>
+          </a:bodyPr>
+          <a:lstStyle>
+            <a:lvl1pPr marL="0" indent="0" algn="l">
+              <a:buNone/>
+              <a:defRPr sz="2000">
+                <a:solidFill>
+                  <a:schemeClr val="tx1"/>
+                </a:solidFill>
+              </a:defRPr>
+            </a:lvl1pPr>
+            <a:lvl2pPr marL="457200" indent="0">
+              <a:buNone/>
+              <a:defRPr sz="1800">
+                <a:solidFill>
+                  <a:schemeClr val="tx1">
+                    <a:tint val="75000"/>
+                  </a:schemeClr>
+                </a:solidFill>
+              </a:defRPr>
+            </a:lvl2pPr>
+            <a:lvl3pPr marL="914400" indent="0">
+              <a:buNone/>
+              <a:defRPr sz="1600">
+                <a:solidFill>
+                  <a:schemeClr val="tx1">
+                    <a:tint val="75000"/>
+                  </a:schemeClr>
+                </a:solidFill>
+              </a:defRPr>
+            </a:lvl3pPr>
+            <a:lvl4pPr marL="1371600" indent="0">
+              <a:buNone/>
+              <a:defRPr sz="1400">
+                <a:solidFill>
+                  <a:schemeClr val="tx1">
+                    <a:tint val="75000"/>
+                  </a:schemeClr>
+                </a:solidFill>
+              </a:defRPr>
+            </a:lvl4pPr>
+            <a:lvl5pPr marL="1828800" indent="0">
+              <a:buNone/>
+              <a:defRPr sz="1400">
+                <a:solidFill>
+                  <a:schemeClr val="tx1">
+                    <a:tint val="75000"/>
+                  </a:schemeClr>
+                </a:solidFill>
+              </a:defRPr>
+            </a:lvl5pPr>
+            <a:lvl6pPr marL="2286000" indent="0">
+              <a:buNone/>
+              <a:defRPr sz="1400">
+                <a:solidFill>
+                  <a:schemeClr val="tx1">
+                    <a:tint val="75000"/>
+                  </a:schemeClr>
+                </a:solidFill>
+              </a:defRPr>
+            </a:lvl6pPr>
+            <a:lvl7pPr marL="2743200" indent="0">
+              <a:buNone/>
+              <a:defRPr sz="1400">
+                <a:solidFill>
+                  <a:schemeClr val="tx1">
+                    <a:tint val="75000"/>
+                  </a:schemeClr>
+                </a:solidFill>
+              </a:defRPr>
+            </a:lvl7pPr>
+            <a:lvl8pPr marL="3200400" indent="0">
+              <a:buNone/>
+              <a:defRPr sz="1400">
+                <a:solidFill>
+                  <a:schemeClr val="tx1">
+                    <a:tint val="75000"/>
+                  </a:schemeClr>
+                </a:solidFill>
+              </a:defRPr>
+            </a:lvl8pPr>
+            <a:lvl9pPr marL="3657600" indent="0">
+              <a:buNone/>
+              <a:defRPr sz="1400">
+                <a:solidFill>
+                  <a:schemeClr val="tx1">
+                    <a:tint val="75000"/>
+                  </a:schemeClr>
+                </a:solidFill>
+              </a:defRPr>
+            </a:lvl9pPr>
+          </a:lstStyle>
+          <a:p>
+            <a:pPr lvl="0"/>
+            <a:r>
+              <a:rPr lang="en-US" smtClean="0"/>
+              <a:t>Edit Master text styles</a:t>
+            </a:r>
+          </a:p>
+        </p:txBody>
+      </p:sp>
+      <p:sp>
+        <p:nvSpPr>
+          <p:cNvPr id="4" name="Date Placeholder 3"/>
+          <p:cNvSpPr>
+            <a:spLocks noGrp="1"/>
+          </p:cNvSpPr>
+          <p:nvPr>
+            <p:ph type="dt" sz="half" idx="10"/>
+          </p:nvPr>
+        </p:nvSpPr>
+        <p:spPr/>
+        <p:txBody>
+          <a:bodyPr/>
+          <a:lstStyle/>
+          <a:p>
+            <a:fld id="{3BD97801-303E-4CB9-94CD-95CC1636BC5B}" type="datetimeFigureOut">
+              <a:rPr lang="en-US" smtClean="0"/>
+              <a:t>2/6/2019</a:t>
+            </a:fld>
+            <a:endParaRPr lang="en-US"/>
+          </a:p>
+        </p:txBody>
+      </p:sp>
+      <p:sp>
+        <p:nvSpPr>
+          <p:cNvPr id="5" name="Footer Placeholder 4"/>
+          <p:cNvSpPr>
+            <a:spLocks noGrp="1"/>
+          </p:cNvSpPr>
+          <p:nvPr>
+            <p:ph type="ftr" sz="quarter" idx="11"/>
+          </p:nvPr>
+        </p:nvSpPr>
+        <p:spPr/>
+        <p:txBody>
+          <a:bodyPr/>
+          <a:lstStyle/>
+          <a:p>
+            <a:endParaRPr lang="en-US"/>
+          </a:p>
+        </p:txBody>
+      </p:sp>
+      <p:sp>
+        <p:nvSpPr>
+          <p:cNvPr id="6" name="Slide Number Placeholder 5"/>
+          <p:cNvSpPr>
+            <a:spLocks noGrp="1"/>
+          </p:cNvSpPr>
+          <p:nvPr>
+            <p:ph type="sldNum" sz="quarter" idx="12"/>
+          </p:nvPr>
+        </p:nvSpPr>
+        <p:spPr/>
+        <p:txBody>
+          <a:bodyPr/>
+          <a:lstStyle/>
+          <a:p>
+            <a:fld id="{1F4D0D7F-280F-424B-AC5D-5E0677AFBB03}" type="slidenum">
+              <a:rPr lang="en-US" smtClean="0"/>
+              <a:t>‹#›</a:t>
+            </a:fld>
+            <a:endParaRPr lang="en-US"/>
+          </a:p>
+        </p:txBody>
+      </p:sp>
+    </p:spTree>
+    <p:extLst>
+      <p:ext uri="{BB962C8B-B14F-4D97-AF65-F5344CB8AC3E}">
+        <p14:creationId xmlns:p14="http://schemas.microsoft.com/office/powerpoint/2010/main" val="363840848"/>
+      </p:ext>
+    </p:extLst>
+  </p:cSld>
+  <p:clrMapOvr>
+    <a:masterClrMapping/>
+  </p:clrMapOvr>
+</p:sldLayout>
+</file>
+
+<file path=ppt/slideLayouts/slideLayout14.xml><?xml version="1.0" encoding="utf-8"?>
+<p:sldLayout xmlns:a="http://schemas.openxmlformats.org/drawingml/2006/main" xmlns:r="http://schemas.openxmlformats.org/officeDocument/2006/relationships" xmlns:p="http://schemas.openxmlformats.org/presentationml/2006/main" preserve="1">
+  <p:cSld name="Quote Name Card">
+    <p:spTree>
+      <p:nvGrpSpPr>
+        <p:cNvPr id="1" name=""/>
+        <p:cNvGrpSpPr/>
+        <p:nvPr/>
+      </p:nvGrpSpPr>
+      <p:grpSpPr>
+        <a:xfrm>
+          <a:off x="0" y="0"/>
+          <a:ext cx="0" cy="0"/>
+          <a:chOff x="0" y="0"/>
+          <a:chExt cx="0" cy="0"/>
+        </a:xfrm>
+      </p:grpSpPr>
+      <p:sp>
+        <p:nvSpPr>
+          <p:cNvPr id="2" name="Title 1"/>
+          <p:cNvSpPr>
+            <a:spLocks noGrp="1"/>
+          </p:cNvSpPr>
+          <p:nvPr>
+            <p:ph type="title"/>
+          </p:nvPr>
+        </p:nvSpPr>
+        <p:spPr>
+          <a:xfrm>
+            <a:off x="1446213" y="982132"/>
+            <a:ext cx="9296398" cy="2243668"/>
+          </a:xfrm>
+        </p:spPr>
+        <p:txBody>
+          <a:bodyPr anchor="ctr">
+            <a:normAutofit/>
+          </a:bodyPr>
+          <a:lstStyle>
+            <a:lvl1pPr algn="ctr">
+              <a:defRPr sz="3200" b="0" cap="none">
+                <a:solidFill>
+                  <a:schemeClr val="tx1"/>
+                </a:solidFill>
+              </a:defRPr>
+            </a:lvl1pPr>
+          </a:lstStyle>
+          <a:p>
+            <a:r>
+              <a:rPr lang="en-US" smtClean="0"/>
+              <a:t>Click to edit Master title style</a:t>
+            </a:r>
+            <a:endParaRPr lang="en-US" dirty="0"/>
+          </a:p>
+        </p:txBody>
+      </p:sp>
+      <p:sp>
+        <p:nvSpPr>
+          <p:cNvPr id="23" name="Text Placeholder 2"/>
+          <p:cNvSpPr>
+            <a:spLocks noGrp="1"/>
+          </p:cNvSpPr>
+          <p:nvPr>
+            <p:ph type="body" idx="13"/>
+          </p:nvPr>
+        </p:nvSpPr>
+        <p:spPr>
+          <a:xfrm>
+            <a:off x="1295401" y="3639312"/>
+            <a:ext cx="9609668" cy="886968"/>
+          </a:xfrm>
+        </p:spPr>
+        <p:txBody>
+          <a:bodyPr anchor="b">
+            <a:normAutofit/>
+          </a:bodyPr>
+          <a:lstStyle>
+            <a:lvl1pPr marL="0" indent="0" algn="l">
+              <a:spcBef>
+                <a:spcPts val="0"/>
+              </a:spcBef>
+              <a:buNone/>
+              <a:defRPr sz="2400">
+                <a:solidFill>
+                  <a:schemeClr val="tx1"/>
+                </a:solidFill>
+              </a:defRPr>
+            </a:lvl1pPr>
+            <a:lvl2pPr marL="457200" indent="0">
+              <a:buNone/>
+              <a:defRPr sz="1800">
+                <a:solidFill>
+                  <a:schemeClr val="tx1">
+                    <a:tint val="75000"/>
+                  </a:schemeClr>
+                </a:solidFill>
+              </a:defRPr>
+            </a:lvl2pPr>
+            <a:lvl3pPr marL="914400" indent="0">
+              <a:buNone/>
+              <a:defRPr sz="1600">
+                <a:solidFill>
+                  <a:schemeClr val="tx1">
+                    <a:tint val="75000"/>
+                  </a:schemeClr>
+                </a:solidFill>
+              </a:defRPr>
+            </a:lvl3pPr>
+            <a:lvl4pPr marL="1371600" indent="0">
+              <a:buNone/>
+              <a:defRPr sz="1400">
+                <a:solidFill>
+                  <a:schemeClr val="tx1">
+                    <a:tint val="75000"/>
+                  </a:schemeClr>
+                </a:solidFill>
+              </a:defRPr>
+            </a:lvl4pPr>
+            <a:lvl5pPr marL="1828800" indent="0">
+              <a:buNone/>
+              <a:defRPr sz="1400">
+                <a:solidFill>
+                  <a:schemeClr val="tx1">
+                    <a:tint val="75000"/>
+                  </a:schemeClr>
+                </a:solidFill>
+              </a:defRPr>
+            </a:lvl5pPr>
+            <a:lvl6pPr marL="2286000" indent="0">
+              <a:buNone/>
+              <a:defRPr sz="1400">
+                <a:solidFill>
+                  <a:schemeClr val="tx1">
+                    <a:tint val="75000"/>
+                  </a:schemeClr>
+                </a:solidFill>
+              </a:defRPr>
+            </a:lvl6pPr>
+            <a:lvl7pPr marL="2743200" indent="0">
+              <a:buNone/>
+              <a:defRPr sz="1400">
+                <a:solidFill>
+                  <a:schemeClr val="tx1">
+                    <a:tint val="75000"/>
+                  </a:schemeClr>
+                </a:solidFill>
+              </a:defRPr>
+            </a:lvl7pPr>
+            <a:lvl8pPr marL="3200400" indent="0">
+              <a:buNone/>
+              <a:defRPr sz="1400">
+                <a:solidFill>
+                  <a:schemeClr val="tx1">
+                    <a:tint val="75000"/>
+                  </a:schemeClr>
+                </a:solidFill>
+              </a:defRPr>
+            </a:lvl8pPr>
+            <a:lvl9pPr marL="3657600" indent="0">
+              <a:buNone/>
+              <a:defRPr sz="1400">
+                <a:solidFill>
+                  <a:schemeClr val="tx1">
+                    <a:tint val="75000"/>
+                  </a:schemeClr>
+                </a:solidFill>
+              </a:defRPr>
+            </a:lvl9pPr>
+          </a:lstStyle>
+          <a:p>
+            <a:pPr lvl="0"/>
+            <a:r>
+              <a:rPr lang="en-US" smtClean="0"/>
+              <a:t>Edit Master text styles</a:t>
+            </a:r>
+          </a:p>
+        </p:txBody>
+      </p:sp>
+      <p:sp>
+        <p:nvSpPr>
+          <p:cNvPr id="3" name="Text Placeholder 2"/>
+          <p:cNvSpPr>
+            <a:spLocks noGrp="1"/>
+          </p:cNvSpPr>
+          <p:nvPr>
+            <p:ph type="body" idx="1"/>
+          </p:nvPr>
+        </p:nvSpPr>
+        <p:spPr>
+          <a:xfrm>
+            <a:off x="1295401" y="4529667"/>
+            <a:ext cx="9609668" cy="1346200"/>
+          </a:xfrm>
+        </p:spPr>
+        <p:txBody>
+          <a:bodyPr anchor="t">
+            <a:normAutofit/>
+          </a:bodyPr>
+          <a:lstStyle>
+            <a:lvl1pPr marL="0" indent="0" algn="l">
+              <a:buNone/>
+              <a:defRPr sz="1800">
+                <a:solidFill>
+                  <a:schemeClr val="tx1"/>
+                </a:solidFill>
+              </a:defRPr>
+            </a:lvl1pPr>
+            <a:lvl2pPr marL="457200" indent="0">
+              <a:buNone/>
+              <a:defRPr sz="1800">
+                <a:solidFill>
+                  <a:schemeClr val="tx1">
+                    <a:tint val="75000"/>
+                  </a:schemeClr>
+                </a:solidFill>
+              </a:defRPr>
+            </a:lvl2pPr>
+            <a:lvl3pPr marL="914400" indent="0">
+              <a:buNone/>
+              <a:defRPr sz="1600">
+                <a:solidFill>
+                  <a:schemeClr val="tx1">
+                    <a:tint val="75000"/>
+                  </a:schemeClr>
+                </a:solidFill>
+              </a:defRPr>
+            </a:lvl3pPr>
+            <a:lvl4pPr marL="1371600" indent="0">
+              <a:buNone/>
+              <a:defRPr sz="1400">
+                <a:solidFill>
+                  <a:schemeClr val="tx1">
+                    <a:tint val="75000"/>
+                  </a:schemeClr>
+                </a:solidFill>
+              </a:defRPr>
+            </a:lvl4pPr>
+            <a:lvl5pPr marL="1828800" indent="0">
+              <a:buNone/>
+              <a:defRPr sz="1400">
+                <a:solidFill>
+                  <a:schemeClr val="tx1">
+                    <a:tint val="75000"/>
+                  </a:schemeClr>
+                </a:solidFill>
+              </a:defRPr>
+            </a:lvl5pPr>
+            <a:lvl6pPr marL="2286000" indent="0">
+              <a:buNone/>
+              <a:defRPr sz="1400">
+                <a:solidFill>
+                  <a:schemeClr val="tx1">
+                    <a:tint val="75000"/>
+                  </a:schemeClr>
+                </a:solidFill>
+              </a:defRPr>
+            </a:lvl6pPr>
+            <a:lvl7pPr marL="2743200" indent="0">
+              <a:buNone/>
+              <a:defRPr sz="1400">
+                <a:solidFill>
+                  <a:schemeClr val="tx1">
+                    <a:tint val="75000"/>
+                  </a:schemeClr>
+                </a:solidFill>
+              </a:defRPr>
+            </a:lvl7pPr>
+            <a:lvl8pPr marL="3200400" indent="0">
+              <a:buNone/>
+              <a:defRPr sz="1400">
+                <a:solidFill>
+                  <a:schemeClr val="tx1">
+                    <a:tint val="75000"/>
+                  </a:schemeClr>
+                </a:solidFill>
+              </a:defRPr>
+            </a:lvl8pPr>
+            <a:lvl9pPr marL="3657600" indent="0">
+              <a:buNone/>
+              <a:defRPr sz="1400">
+                <a:solidFill>
+                  <a:schemeClr val="tx1">
+                    <a:tint val="75000"/>
+                  </a:schemeClr>
+                </a:solidFill>
+              </a:defRPr>
+            </a:lvl9pPr>
+          </a:lstStyle>
+          <a:p>
+            <a:pPr lvl="0"/>
+            <a:r>
+              <a:rPr lang="en-US" smtClean="0"/>
+              <a:t>Edit Master text styles</a:t>
+            </a:r>
+          </a:p>
+        </p:txBody>
+      </p:sp>
+      <p:sp>
+        <p:nvSpPr>
+          <p:cNvPr id="4" name="Date Placeholder 3"/>
+          <p:cNvSpPr>
+            <a:spLocks noGrp="1"/>
+          </p:cNvSpPr>
+          <p:nvPr>
+            <p:ph type="dt" sz="half" idx="10"/>
+          </p:nvPr>
+        </p:nvSpPr>
+        <p:spPr/>
+        <p:txBody>
+          <a:bodyPr/>
+          <a:lstStyle/>
+          <a:p>
+            <a:fld id="{3BD97801-303E-4CB9-94CD-95CC1636BC5B}" type="datetimeFigureOut">
+              <a:rPr lang="en-US" smtClean="0"/>
+              <a:t>2/6/2019</a:t>
+            </a:fld>
+            <a:endParaRPr lang="en-US"/>
+          </a:p>
+        </p:txBody>
+      </p:sp>
+      <p:sp>
+        <p:nvSpPr>
+          <p:cNvPr id="5" name="Footer Placeholder 4"/>
+          <p:cNvSpPr>
+            <a:spLocks noGrp="1"/>
+          </p:cNvSpPr>
+          <p:nvPr>
+            <p:ph type="ftr" sz="quarter" idx="11"/>
+          </p:nvPr>
+        </p:nvSpPr>
+        <p:spPr/>
+        <p:txBody>
+          <a:bodyPr/>
+          <a:lstStyle/>
+          <a:p>
+            <a:endParaRPr lang="en-US"/>
+          </a:p>
+        </p:txBody>
+      </p:sp>
+      <p:sp>
+        <p:nvSpPr>
+          <p:cNvPr id="6" name="Slide Number Placeholder 5"/>
+          <p:cNvSpPr>
+            <a:spLocks noGrp="1"/>
+          </p:cNvSpPr>
+          <p:nvPr>
+            <p:ph type="sldNum" sz="quarter" idx="12"/>
+          </p:nvPr>
+        </p:nvSpPr>
+        <p:spPr/>
+        <p:txBody>
+          <a:bodyPr/>
+          <a:lstStyle/>
+          <a:p>
+            <a:fld id="{1F4D0D7F-280F-424B-AC5D-5E0677AFBB03}" type="slidenum">
+              <a:rPr lang="en-US" smtClean="0"/>
+              <a:t>‹#›</a:t>
+            </a:fld>
+            <a:endParaRPr lang="en-US"/>
+          </a:p>
+        </p:txBody>
+      </p:sp>
+      <p:sp>
+        <p:nvSpPr>
+          <p:cNvPr id="12" name="TextBox 11"/>
+          <p:cNvSpPr txBox="1"/>
+          <p:nvPr/>
+        </p:nvSpPr>
+        <p:spPr>
+          <a:xfrm>
+            <a:off x="862013" y="879961"/>
+            <a:ext cx="609600" cy="584776"/>
+          </a:xfrm>
+          <a:prstGeom prst="rect">
+            <a:avLst/>
+          </a:prstGeom>
+        </p:spPr>
+        <p:txBody>
+          <a:bodyPr vert="horz" lIns="91440" tIns="45720" rIns="91440" bIns="45720" rtlCol="0" anchor="ctr">
+            <a:noAutofit/>
+          </a:bodyPr>
+          <a:lstStyle/>
+          <a:p>
+            <a:pPr lvl="0"/>
+            <a:r>
+              <a:rPr lang="en-US" sz="8000" dirty="0">
+                <a:solidFill>
+                  <a:schemeClr val="tx1"/>
+                </a:solidFill>
+                <a:effectLst/>
+              </a:rPr>
+              <a:t>“</a:t>
+            </a:r>
+          </a:p>
+        </p:txBody>
+      </p:sp>
+      <p:sp>
+        <p:nvSpPr>
+          <p:cNvPr id="13" name="TextBox 12"/>
+          <p:cNvSpPr txBox="1"/>
+          <p:nvPr/>
+        </p:nvSpPr>
+        <p:spPr>
+          <a:xfrm>
+            <a:off x="10600267" y="2599261"/>
+            <a:ext cx="609600" cy="584776"/>
+          </a:xfrm>
+          <a:prstGeom prst="rect">
+            <a:avLst/>
+          </a:prstGeom>
+        </p:spPr>
+        <p:txBody>
+          <a:bodyPr vert="horz" lIns="91440" tIns="45720" rIns="91440" bIns="45720" rtlCol="0" anchor="ctr">
+            <a:noAutofit/>
+          </a:bodyPr>
+          <a:lstStyle/>
+          <a:p>
+            <a:pPr lvl="0" algn="r"/>
+            <a:r>
+              <a:rPr lang="en-US" sz="8000" dirty="0">
+                <a:solidFill>
+                  <a:schemeClr val="tx1"/>
+                </a:solidFill>
+                <a:effectLst/>
+              </a:rPr>
+              <a:t>”</a:t>
+            </a:r>
+          </a:p>
+        </p:txBody>
+      </p:sp>
+      <p:cxnSp>
+        <p:nvCxnSpPr>
+          <p:cNvPr id="26" name="Straight Connector 25"/>
+          <p:cNvCxnSpPr/>
+          <p:nvPr/>
+        </p:nvCxnSpPr>
+        <p:spPr>
+          <a:xfrm>
+            <a:off x="1396169" y="3429000"/>
+            <a:ext cx="9407298" cy="0"/>
+          </a:xfrm>
+          <a:prstGeom prst="line">
+            <a:avLst/>
+          </a:prstGeom>
+          <a:ln w="15875"/>
+        </p:spPr>
+        <p:style>
+          <a:lnRef idx="2">
+            <a:schemeClr val="accent1"/>
+          </a:lnRef>
+          <a:fillRef idx="0">
+            <a:schemeClr val="accent1"/>
+          </a:fillRef>
+          <a:effectRef idx="1">
+            <a:schemeClr val="accent1"/>
+          </a:effectRef>
+          <a:fontRef idx="minor">
+            <a:schemeClr val="tx1"/>
+          </a:fontRef>
+        </p:style>
+      </p:cxnSp>
+    </p:spTree>
+    <p:extLst>
+      <p:ext uri="{BB962C8B-B14F-4D97-AF65-F5344CB8AC3E}">
+        <p14:creationId xmlns:p14="http://schemas.microsoft.com/office/powerpoint/2010/main" val="1839200223"/>
+      </p:ext>
+    </p:extLst>
+  </p:cSld>
+  <p:clrMapOvr>
+    <a:masterClrMapping/>
+  </p:clrMapOvr>
+</p:sldLayout>
+</file>
+
+<file path=ppt/slideLayouts/slideLayout15.xml><?xml version="1.0" encoding="utf-8"?>
+<p:sldLayout xmlns:a="http://schemas.openxmlformats.org/drawingml/2006/main" xmlns:r="http://schemas.openxmlformats.org/officeDocument/2006/relationships" xmlns:p="http://schemas.openxmlformats.org/presentationml/2006/main" preserve="1">
+  <p:cSld name="True or False">
+    <p:spTree>
+      <p:nvGrpSpPr>
+        <p:cNvPr id="1" name=""/>
+        <p:cNvGrpSpPr/>
+        <p:nvPr/>
+      </p:nvGrpSpPr>
+      <p:grpSpPr>
+        <a:xfrm>
+          <a:off x="0" y="0"/>
+          <a:ext cx="0" cy="0"/>
+          <a:chOff x="0" y="0"/>
+          <a:chExt cx="0" cy="0"/>
+        </a:xfrm>
+      </p:grpSpPr>
+      <p:sp>
+        <p:nvSpPr>
+          <p:cNvPr id="2" name="Title 1"/>
+          <p:cNvSpPr>
+            <a:spLocks noGrp="1"/>
+          </p:cNvSpPr>
+          <p:nvPr>
+            <p:ph type="title"/>
+          </p:nvPr>
+        </p:nvSpPr>
+        <p:spPr>
+          <a:xfrm>
+            <a:off x="1295401" y="982132"/>
+            <a:ext cx="9609666" cy="2243668"/>
+          </a:xfrm>
+        </p:spPr>
+        <p:txBody>
+          <a:bodyPr vert="horz" lIns="91440" tIns="45720" rIns="91440" bIns="45720" rtlCol="0" anchor="ctr">
+            <a:normAutofit/>
+          </a:bodyPr>
+          <a:lstStyle>
+            <a:lvl1pPr>
+              <a:defRPr lang="en-US" b="0" dirty="0"/>
+            </a:lvl1pPr>
+          </a:lstStyle>
+          <a:p>
+            <a:pPr marL="0" lvl="0"/>
+            <a:r>
+              <a:rPr lang="en-US" smtClean="0"/>
+              <a:t>Click to edit Master title style</a:t>
+            </a:r>
+            <a:endParaRPr lang="en-US" dirty="0"/>
+          </a:p>
+        </p:txBody>
+      </p:sp>
+      <p:sp>
+        <p:nvSpPr>
+          <p:cNvPr id="20" name="Text Placeholder 2"/>
+          <p:cNvSpPr>
+            <a:spLocks noGrp="1"/>
+          </p:cNvSpPr>
+          <p:nvPr>
+            <p:ph type="body" idx="13"/>
+          </p:nvPr>
+        </p:nvSpPr>
+        <p:spPr>
+          <a:xfrm>
+            <a:off x="1295401" y="3630168"/>
+            <a:ext cx="9609668" cy="841248"/>
+          </a:xfrm>
+        </p:spPr>
+        <p:txBody>
+          <a:bodyPr anchor="b">
+            <a:normAutofit/>
+          </a:bodyPr>
+          <a:lstStyle>
+            <a:lvl1pPr marL="0" indent="0" algn="l">
+              <a:spcBef>
+                <a:spcPts val="0"/>
+              </a:spcBef>
+              <a:buNone/>
+              <a:defRPr sz="2800">
+                <a:solidFill>
+                  <a:schemeClr val="tx1"/>
+                </a:solidFill>
+              </a:defRPr>
+            </a:lvl1pPr>
+            <a:lvl2pPr marL="457200" indent="0">
+              <a:buNone/>
+              <a:defRPr sz="1800">
+                <a:solidFill>
+                  <a:schemeClr val="tx1">
+                    <a:tint val="75000"/>
+                  </a:schemeClr>
+                </a:solidFill>
+              </a:defRPr>
+            </a:lvl2pPr>
+            <a:lvl3pPr marL="914400" indent="0">
+              <a:buNone/>
+              <a:defRPr sz="1600">
+                <a:solidFill>
+                  <a:schemeClr val="tx1">
+                    <a:tint val="75000"/>
+                  </a:schemeClr>
+                </a:solidFill>
+              </a:defRPr>
+            </a:lvl3pPr>
+            <a:lvl4pPr marL="1371600" indent="0">
+              <a:buNone/>
+              <a:defRPr sz="1400">
+                <a:solidFill>
+                  <a:schemeClr val="tx1">
+                    <a:tint val="75000"/>
+                  </a:schemeClr>
+                </a:solidFill>
+              </a:defRPr>
+            </a:lvl4pPr>
+            <a:lvl5pPr marL="1828800" indent="0">
+              <a:buNone/>
+              <a:defRPr sz="1400">
+                <a:solidFill>
+                  <a:schemeClr val="tx1">
+                    <a:tint val="75000"/>
+                  </a:schemeClr>
+                </a:solidFill>
+              </a:defRPr>
+            </a:lvl5pPr>
+            <a:lvl6pPr marL="2286000" indent="0">
+              <a:buNone/>
+              <a:defRPr sz="1400">
+                <a:solidFill>
+                  <a:schemeClr val="tx1">
+                    <a:tint val="75000"/>
+                  </a:schemeClr>
+                </a:solidFill>
+              </a:defRPr>
+            </a:lvl6pPr>
+            <a:lvl7pPr marL="2743200" indent="0">
+              <a:buNone/>
+              <a:defRPr sz="1400">
+                <a:solidFill>
+                  <a:schemeClr val="tx1">
+                    <a:tint val="75000"/>
+                  </a:schemeClr>
+                </a:solidFill>
+              </a:defRPr>
+            </a:lvl7pPr>
+            <a:lvl8pPr marL="3200400" indent="0">
+              <a:buNone/>
+              <a:defRPr sz="1400">
+                <a:solidFill>
+                  <a:schemeClr val="tx1">
+                    <a:tint val="75000"/>
+                  </a:schemeClr>
+                </a:solidFill>
+              </a:defRPr>
+            </a:lvl8pPr>
+            <a:lvl9pPr marL="3657600" indent="0">
+              <a:buNone/>
+              <a:defRPr sz="1400">
+                <a:solidFill>
+                  <a:schemeClr val="tx1">
+                    <a:tint val="75000"/>
+                  </a:schemeClr>
+                </a:solidFill>
+              </a:defRPr>
+            </a:lvl9pPr>
+          </a:lstStyle>
+          <a:p>
+            <a:pPr lvl="0"/>
+            <a:r>
+              <a:rPr lang="en-US" smtClean="0"/>
+              <a:t>Edit Master text styles</a:t>
+            </a:r>
+          </a:p>
+        </p:txBody>
+      </p:sp>
+      <p:sp>
+        <p:nvSpPr>
+          <p:cNvPr id="3" name="Text Placeholder 2"/>
+          <p:cNvSpPr>
+            <a:spLocks noGrp="1"/>
+          </p:cNvSpPr>
+          <p:nvPr>
+            <p:ph type="body" idx="1"/>
+          </p:nvPr>
+        </p:nvSpPr>
+        <p:spPr>
+          <a:xfrm>
+            <a:off x="1295400" y="4470399"/>
+            <a:ext cx="9609670" cy="1405467"/>
+          </a:xfrm>
+        </p:spPr>
+        <p:txBody>
+          <a:bodyPr anchor="t">
+            <a:normAutofit/>
+          </a:bodyPr>
+          <a:lstStyle>
+            <a:lvl1pPr marL="0" indent="0" algn="l">
+              <a:buNone/>
+              <a:defRPr sz="1800">
+                <a:solidFill>
+                  <a:schemeClr val="tx1"/>
+                </a:solidFill>
+              </a:defRPr>
+            </a:lvl1pPr>
+            <a:lvl2pPr marL="457200" indent="0">
+              <a:buNone/>
+              <a:defRPr sz="1800">
+                <a:solidFill>
+                  <a:schemeClr val="tx1">
+                    <a:tint val="75000"/>
+                  </a:schemeClr>
+                </a:solidFill>
+              </a:defRPr>
+            </a:lvl2pPr>
+            <a:lvl3pPr marL="914400" indent="0">
+              <a:buNone/>
+              <a:defRPr sz="1600">
+                <a:solidFill>
+                  <a:schemeClr val="tx1">
+                    <a:tint val="75000"/>
+                  </a:schemeClr>
+                </a:solidFill>
+              </a:defRPr>
+            </a:lvl3pPr>
+            <a:lvl4pPr marL="1371600" indent="0">
+              <a:buNone/>
+              <a:defRPr sz="1400">
+                <a:solidFill>
+                  <a:schemeClr val="tx1">
+                    <a:tint val="75000"/>
+                  </a:schemeClr>
+                </a:solidFill>
+              </a:defRPr>
+            </a:lvl4pPr>
+            <a:lvl5pPr marL="1828800" indent="0">
+              <a:buNone/>
+              <a:defRPr sz="1400">
+                <a:solidFill>
+                  <a:schemeClr val="tx1">
+                    <a:tint val="75000"/>
+                  </a:schemeClr>
+                </a:solidFill>
+              </a:defRPr>
+            </a:lvl5pPr>
+            <a:lvl6pPr marL="2286000" indent="0">
+              <a:buNone/>
+              <a:defRPr sz="1400">
+                <a:solidFill>
+                  <a:schemeClr val="tx1">
+                    <a:tint val="75000"/>
+                  </a:schemeClr>
+                </a:solidFill>
+              </a:defRPr>
+            </a:lvl6pPr>
+            <a:lvl7pPr marL="2743200" indent="0">
+              <a:buNone/>
+              <a:defRPr sz="1400">
+                <a:solidFill>
+                  <a:schemeClr val="tx1">
+                    <a:tint val="75000"/>
+                  </a:schemeClr>
+                </a:solidFill>
+              </a:defRPr>
+            </a:lvl7pPr>
+            <a:lvl8pPr marL="3200400" indent="0">
+              <a:buNone/>
+              <a:defRPr sz="1400">
+                <a:solidFill>
+                  <a:schemeClr val="tx1">
+                    <a:tint val="75000"/>
+                  </a:schemeClr>
+                </a:solidFill>
+              </a:defRPr>
+            </a:lvl8pPr>
+            <a:lvl9pPr marL="3657600" indent="0">
+              <a:buNone/>
+              <a:defRPr sz="1400">
+                <a:solidFill>
+                  <a:schemeClr val="tx1">
+                    <a:tint val="75000"/>
+                  </a:schemeClr>
+                </a:solidFill>
+              </a:defRPr>
+            </a:lvl9pPr>
+          </a:lstStyle>
+          <a:p>
+            <a:pPr lvl="0"/>
+            <a:r>
+              <a:rPr lang="en-US" smtClean="0"/>
+              <a:t>Edit Master text styles</a:t>
+            </a:r>
+          </a:p>
+        </p:txBody>
+      </p:sp>
+      <p:sp>
+        <p:nvSpPr>
+          <p:cNvPr id="4" name="Date Placeholder 3"/>
+          <p:cNvSpPr>
+            <a:spLocks noGrp="1"/>
+          </p:cNvSpPr>
+          <p:nvPr>
+            <p:ph type="dt" sz="half" idx="10"/>
+          </p:nvPr>
+        </p:nvSpPr>
+        <p:spPr/>
+        <p:txBody>
+          <a:bodyPr/>
+          <a:lstStyle/>
+          <a:p>
+            <a:fld id="{3BD97801-303E-4CB9-94CD-95CC1636BC5B}" type="datetimeFigureOut">
+              <a:rPr lang="en-US" smtClean="0"/>
+              <a:t>2/6/2019</a:t>
+            </a:fld>
+            <a:endParaRPr lang="en-US"/>
+          </a:p>
+        </p:txBody>
+      </p:sp>
+      <p:sp>
+        <p:nvSpPr>
+          <p:cNvPr id="5" name="Footer Placeholder 4"/>
+          <p:cNvSpPr>
+            <a:spLocks noGrp="1"/>
+          </p:cNvSpPr>
+          <p:nvPr>
+            <p:ph type="ftr" sz="quarter" idx="11"/>
+          </p:nvPr>
+        </p:nvSpPr>
+        <p:spPr/>
+        <p:txBody>
+          <a:bodyPr/>
+          <a:lstStyle/>
+          <a:p>
+            <a:endParaRPr lang="en-US"/>
+          </a:p>
+        </p:txBody>
+      </p:sp>
+      <p:sp>
+        <p:nvSpPr>
+          <p:cNvPr id="6" name="Slide Number Placeholder 5"/>
+          <p:cNvSpPr>
+            <a:spLocks noGrp="1"/>
+          </p:cNvSpPr>
+          <p:nvPr>
+            <p:ph type="sldNum" sz="quarter" idx="12"/>
+          </p:nvPr>
+        </p:nvSpPr>
+        <p:spPr/>
+        <p:txBody>
+          <a:bodyPr/>
+          <a:lstStyle/>
+          <a:p>
+            <a:fld id="{1F4D0D7F-280F-424B-AC5D-5E0677AFBB03}" type="slidenum">
+              <a:rPr lang="en-US" smtClean="0"/>
+              <a:t>‹#›</a:t>
+            </a:fld>
+            <a:endParaRPr lang="en-US"/>
+          </a:p>
+        </p:txBody>
+      </p:sp>
+      <p:cxnSp>
+        <p:nvCxnSpPr>
+          <p:cNvPr id="15" name="Straight Connector 14"/>
+          <p:cNvCxnSpPr/>
+          <p:nvPr/>
+        </p:nvCxnSpPr>
+        <p:spPr>
+          <a:xfrm>
+            <a:off x="1396169" y="3429000"/>
+            <a:ext cx="9407298" cy="0"/>
+          </a:xfrm>
+          <a:prstGeom prst="line">
+            <a:avLst/>
+          </a:prstGeom>
+          <a:ln w="15875"/>
+        </p:spPr>
+        <p:style>
+          <a:lnRef idx="2">
+            <a:schemeClr val="accent1"/>
+          </a:lnRef>
+          <a:fillRef idx="0">
+            <a:schemeClr val="accent1"/>
+          </a:fillRef>
+          <a:effectRef idx="1">
+            <a:schemeClr val="accent1"/>
+          </a:effectRef>
+          <a:fontRef idx="minor">
+            <a:schemeClr val="tx1"/>
+          </a:fontRef>
+        </p:style>
+      </p:cxnSp>
+    </p:spTree>
+    <p:extLst>
+      <p:ext uri="{BB962C8B-B14F-4D97-AF65-F5344CB8AC3E}">
+        <p14:creationId xmlns:p14="http://schemas.microsoft.com/office/powerpoint/2010/main" val="1871935723"/>
+      </p:ext>
+    </p:extLst>
+  </p:cSld>
+  <p:clrMapOvr>
+    <a:masterClrMapping/>
+  </p:clrMapOvr>
+</p:sldLayout>
+</file>
+
+<file path=ppt/slideLayouts/slideLayout16.xml><?xml version="1.0" encoding="utf-8"?>
 <p:sldLayout xmlns:a="http://schemas.openxmlformats.org/drawingml/2006/main" xmlns:r="http://schemas.openxmlformats.org/officeDocument/2006/relationships" xmlns:p="http://schemas.openxmlformats.org/presentationml/2006/main" type="vertTx" preserve="1">
   <p:cSld name="Title and Vertical Text">
     <p:spTree>
@@ -816,13 +3151,17 @@
         <p:spPr/>
         <p:txBody>
           <a:bodyPr/>
-          <a:lstStyle/>
+          <a:lstStyle>
+            <a:lvl1pPr algn="ctr">
+              <a:defRPr/>
+            </a:lvl1pPr>
+          </a:lstStyle>
           <a:p>
             <a:r>
               <a:rPr lang="en-US" smtClean="0"/>
               <a:t>Click to edit Master title style</a:t>
             </a:r>
-            <a:endParaRPr lang="en-US"/>
+            <a:endParaRPr lang="en-US" dirty="0"/>
           </a:p>
         </p:txBody>
       </p:sp>
@@ -838,7 +3177,7 @@
         </p:nvSpPr>
         <p:spPr/>
         <p:txBody>
-          <a:bodyPr vert="eaVert"/>
+          <a:bodyPr vert="eaVert" anchor="t"/>
           <a:lstStyle/>
           <a:p>
             <a:pPr lvl="0"/>
@@ -874,7 +3213,7 @@
               <a:rPr lang="en-US" smtClean="0"/>
               <a:t>Fifth level</a:t>
             </a:r>
-            <a:endParaRPr lang="en-US"/>
+            <a:endParaRPr lang="en-US" dirty="0"/>
           </a:p>
         </p:txBody>
       </p:sp>
@@ -895,7 +3234,7 @@
           <a:p>
             <a:fld id="{3BD97801-303E-4CB9-94CD-95CC1636BC5B}" type="datetimeFigureOut">
               <a:rPr lang="en-US" smtClean="0"/>
-              <a:t>2/5/2019</a:t>
+              <a:t>2/6/2019</a:t>
             </a:fld>
             <a:endParaRPr lang="en-US"/>
           </a:p>
@@ -943,10 +3282,41 @@
           </a:p>
         </p:txBody>
       </p:sp>
+      <p:cxnSp>
+        <p:nvCxnSpPr>
+          <p:cNvPr id="14" name="Straight Connector 13"/>
+          <p:cNvCxnSpPr/>
+          <p:nvPr/>
+        </p:nvCxnSpPr>
+        <p:spPr>
+          <a:xfrm>
+            <a:off x="1396169" y="2421466"/>
+            <a:ext cx="9407298" cy="0"/>
+          </a:xfrm>
+          <a:prstGeom prst="line">
+            <a:avLst/>
+          </a:prstGeom>
+          <a:ln w="15875"/>
+        </p:spPr>
+        <p:style>
+          <a:lnRef idx="2">
+            <a:schemeClr val="accent1"/>
+          </a:lnRef>
+          <a:fillRef idx="0">
+            <a:schemeClr val="accent1"/>
+          </a:fillRef>
+          <a:effectRef idx="1">
+            <a:schemeClr val="accent1"/>
+          </a:effectRef>
+          <a:fontRef idx="minor">
+            <a:schemeClr val="tx1"/>
+          </a:fontRef>
+        </p:style>
+      </p:cxnSp>
     </p:spTree>
     <p:extLst>
       <p:ext uri="{BB962C8B-B14F-4D97-AF65-F5344CB8AC3E}">
-        <p14:creationId xmlns:p14="http://schemas.microsoft.com/office/powerpoint/2010/main" val="4119943455"/>
+        <p14:creationId xmlns:p14="http://schemas.microsoft.com/office/powerpoint/2010/main" val="2826798299"/>
       </p:ext>
     </p:extLst>
   </p:cSld>
@@ -956,7 +3326,7 @@
 </p:sldLayout>
 </file>
 
-<file path=ppt/slideLayouts/slideLayout11.xml><?xml version="1.0" encoding="utf-8"?>
+<file path=ppt/slideLayouts/slideLayout17.xml><?xml version="1.0" encoding="utf-8"?>
 <p:sldLayout xmlns:a="http://schemas.openxmlformats.org/drawingml/2006/main" xmlns:r="http://schemas.openxmlformats.org/officeDocument/2006/relationships" xmlns:p="http://schemas.openxmlformats.org/presentationml/2006/main" type="vertTitleAndTx" preserve="1">
   <p:cSld name="Vertical Title and Text">
     <p:spTree>
@@ -985,8 +3355,8 @@
         </p:nvSpPr>
         <p:spPr>
           <a:xfrm>
-            <a:off x="8724900" y="365125"/>
-            <a:ext cx="2628900" cy="5811838"/>
+            <a:off x="8999356" y="982131"/>
+            <a:ext cx="1890895" cy="4893735"/>
           </a:xfrm>
         </p:spPr>
         <p:txBody>
@@ -997,7 +3367,7 @@
               <a:rPr lang="en-US" smtClean="0"/>
               <a:t>Click to edit Master title style</a:t>
             </a:r>
-            <a:endParaRPr lang="en-US"/>
+            <a:endParaRPr lang="en-US" dirty="0"/>
           </a:p>
         </p:txBody>
       </p:sp>
@@ -1013,12 +3383,12 @@
         </p:nvSpPr>
         <p:spPr>
           <a:xfrm>
-            <a:off x="838200" y="365125"/>
-            <a:ext cx="7734300" cy="5811838"/>
+            <a:off x="1295398" y="982132"/>
+            <a:ext cx="7433025" cy="4893734"/>
           </a:xfrm>
         </p:spPr>
         <p:txBody>
-          <a:bodyPr vert="eaVert"/>
+          <a:bodyPr vert="eaVert" anchor="t"/>
           <a:lstStyle/>
           <a:p>
             <a:pPr lvl="0"/>
@@ -1054,7 +3424,7 @@
               <a:rPr lang="en-US" smtClean="0"/>
               <a:t>Fifth level</a:t>
             </a:r>
-            <a:endParaRPr lang="en-US"/>
+            <a:endParaRPr lang="en-US" dirty="0"/>
           </a:p>
         </p:txBody>
       </p:sp>
@@ -1075,7 +3445,7 @@
           <a:p>
             <a:fld id="{3BD97801-303E-4CB9-94CD-95CC1636BC5B}" type="datetimeFigureOut">
               <a:rPr lang="en-US" smtClean="0"/>
-              <a:t>2/5/2019</a:t>
+              <a:t>2/6/2019</a:t>
             </a:fld>
             <a:endParaRPr lang="en-US"/>
           </a:p>
@@ -1123,10 +3493,41 @@
           </a:p>
         </p:txBody>
       </p:sp>
+      <p:cxnSp>
+        <p:nvCxnSpPr>
+          <p:cNvPr id="14" name="Straight Connector 13"/>
+          <p:cNvCxnSpPr/>
+          <p:nvPr/>
+        </p:nvCxnSpPr>
+        <p:spPr>
+          <a:xfrm>
+            <a:off x="8863890" y="990600"/>
+            <a:ext cx="0" cy="4876800"/>
+          </a:xfrm>
+          <a:prstGeom prst="line">
+            <a:avLst/>
+          </a:prstGeom>
+          <a:ln w="15875"/>
+        </p:spPr>
+        <p:style>
+          <a:lnRef idx="2">
+            <a:schemeClr val="accent1"/>
+          </a:lnRef>
+          <a:fillRef idx="0">
+            <a:schemeClr val="accent1"/>
+          </a:fillRef>
+          <a:effectRef idx="1">
+            <a:schemeClr val="accent1"/>
+          </a:effectRef>
+          <a:fontRef idx="minor">
+            <a:schemeClr val="tx1"/>
+          </a:fontRef>
+        </p:style>
+      </p:cxnSp>
     </p:spTree>
     <p:extLst>
       <p:ext uri="{BB962C8B-B14F-4D97-AF65-F5344CB8AC3E}">
-        <p14:creationId xmlns:p14="http://schemas.microsoft.com/office/powerpoint/2010/main" val="601203882"/>
+        <p14:creationId xmlns:p14="http://schemas.microsoft.com/office/powerpoint/2010/main" val="897170909"/>
       </p:ext>
     </p:extLst>
   </p:cSld>
@@ -1153,6 +3554,37 @@
           <a:chExt cx="0" cy="0"/>
         </a:xfrm>
       </p:grpSpPr>
+      <p:cxnSp>
+        <p:nvCxnSpPr>
+          <p:cNvPr id="7" name="Straight Connector 6"/>
+          <p:cNvCxnSpPr/>
+          <p:nvPr/>
+        </p:nvCxnSpPr>
+        <p:spPr>
+          <a:xfrm>
+            <a:off x="1396169" y="2421466"/>
+            <a:ext cx="9407298" cy="0"/>
+          </a:xfrm>
+          <a:prstGeom prst="line">
+            <a:avLst/>
+          </a:prstGeom>
+          <a:ln w="15875"/>
+        </p:spPr>
+        <p:style>
+          <a:lnRef idx="2">
+            <a:schemeClr val="accent1"/>
+          </a:lnRef>
+          <a:fillRef idx="0">
+            <a:schemeClr val="accent1"/>
+          </a:fillRef>
+          <a:effectRef idx="1">
+            <a:schemeClr val="accent1"/>
+          </a:effectRef>
+          <a:fontRef idx="minor">
+            <a:schemeClr val="tx1"/>
+          </a:fontRef>
+        </p:style>
+      </p:cxnSp>
       <p:sp>
         <p:nvSpPr>
           <p:cNvPr id="2" name="Title 1"/>
@@ -1172,7 +3604,7 @@
               <a:rPr lang="en-US" smtClean="0"/>
               <a:t>Click to edit Master title style</a:t>
             </a:r>
-            <a:endParaRPr lang="en-US"/>
+            <a:endParaRPr lang="en-US" dirty="0"/>
           </a:p>
         </p:txBody>
       </p:sp>
@@ -1224,7 +3656,7 @@
               <a:rPr lang="en-US" smtClean="0"/>
               <a:t>Fifth level</a:t>
             </a:r>
-            <a:endParaRPr lang="en-US"/>
+            <a:endParaRPr lang="en-US" dirty="0"/>
           </a:p>
         </p:txBody>
       </p:sp>
@@ -1245,7 +3677,7 @@
           <a:p>
             <a:fld id="{3BD97801-303E-4CB9-94CD-95CC1636BC5B}" type="datetimeFigureOut">
               <a:rPr lang="en-US" smtClean="0"/>
-              <a:t>2/5/2019</a:t>
+              <a:t>2/6/2019</a:t>
             </a:fld>
             <a:endParaRPr lang="en-US"/>
           </a:p>
@@ -1296,7 +3728,7 @@
     </p:spTree>
     <p:extLst>
       <p:ext uri="{BB962C8B-B14F-4D97-AF65-F5344CB8AC3E}">
-        <p14:creationId xmlns:p14="http://schemas.microsoft.com/office/powerpoint/2010/main" val="2303459634"/>
+        <p14:creationId xmlns:p14="http://schemas.microsoft.com/office/powerpoint/2010/main" val="122747888"/>
       </p:ext>
     </p:extLst>
   </p:cSld>
@@ -1335,15 +3767,17 @@
         </p:nvSpPr>
         <p:spPr>
           <a:xfrm>
-            <a:off x="831850" y="1709738"/>
-            <a:ext cx="10515600" cy="2852737"/>
+            <a:off x="2015069" y="1752606"/>
+            <a:ext cx="8158688" cy="1822514"/>
           </a:xfrm>
         </p:spPr>
         <p:txBody>
-          <a:bodyPr anchor="b"/>
+          <a:bodyPr anchor="b">
+            <a:normAutofit/>
+          </a:bodyPr>
           <a:lstStyle>
-            <a:lvl1pPr>
-              <a:defRPr sz="6000"/>
+            <a:lvl1pPr algn="ctr">
+              <a:defRPr sz="4400" b="0" cap="none"/>
             </a:lvl1pPr>
           </a:lstStyle>
           <a:p>
@@ -1351,7 +3785,7 @@
               <a:rPr lang="en-US" smtClean="0"/>
               <a:t>Click to edit Master title style</a:t>
             </a:r>
-            <a:endParaRPr lang="en-US"/>
+            <a:endParaRPr lang="en-US" dirty="0"/>
           </a:p>
         </p:txBody>
       </p:sp>
@@ -1367,102 +3801,102 @@
         </p:nvSpPr>
         <p:spPr>
           <a:xfrm>
-            <a:off x="831850" y="4589463"/>
-            <a:ext cx="10515600" cy="1500187"/>
+            <a:off x="2015067" y="3846051"/>
+            <a:ext cx="8158690" cy="954547"/>
           </a:xfrm>
         </p:spPr>
         <p:txBody>
-          <a:bodyPr/>
+          <a:bodyPr anchor="t">
+            <a:normAutofit/>
+          </a:bodyPr>
           <a:lstStyle>
-            <a:lvl1pPr marL="0" indent="0">
+            <a:lvl1pPr marL="0" indent="0" algn="ctr">
               <a:buNone/>
               <a:defRPr sz="2400">
+                <a:solidFill>
+                  <a:schemeClr val="tx1"/>
+                </a:solidFill>
+              </a:defRPr>
+            </a:lvl1pPr>
+            <a:lvl2pPr marL="457200" indent="0">
+              <a:buNone/>
+              <a:defRPr sz="1800">
                 <a:solidFill>
                   <a:schemeClr val="tx1">
                     <a:tint val="75000"/>
                   </a:schemeClr>
                 </a:solidFill>
               </a:defRPr>
-            </a:lvl1pPr>
-            <a:lvl2pPr marL="457200" indent="0">
-              <a:buNone/>
-              <a:defRPr sz="2000">
+            </a:lvl2pPr>
+            <a:lvl3pPr marL="914400" indent="0">
+              <a:buNone/>
+              <a:defRPr sz="1600">
                 <a:solidFill>
                   <a:schemeClr val="tx1">
                     <a:tint val="75000"/>
                   </a:schemeClr>
                 </a:solidFill>
               </a:defRPr>
-            </a:lvl2pPr>
-            <a:lvl3pPr marL="914400" indent="0">
-              <a:buNone/>
-              <a:defRPr sz="1800">
+            </a:lvl3pPr>
+            <a:lvl4pPr marL="1371600" indent="0">
+              <a:buNone/>
+              <a:defRPr sz="1400">
                 <a:solidFill>
                   <a:schemeClr val="tx1">
                     <a:tint val="75000"/>
                   </a:schemeClr>
                 </a:solidFill>
               </a:defRPr>
-            </a:lvl3pPr>
-            <a:lvl4pPr marL="1371600" indent="0">
-              <a:buNone/>
-              <a:defRPr sz="1600">
+            </a:lvl4pPr>
+            <a:lvl5pPr marL="1828800" indent="0">
+              <a:buNone/>
+              <a:defRPr sz="1400">
                 <a:solidFill>
                   <a:schemeClr val="tx1">
                     <a:tint val="75000"/>
                   </a:schemeClr>
                 </a:solidFill>
               </a:defRPr>
-            </a:lvl4pPr>
-            <a:lvl5pPr marL="1828800" indent="0">
-              <a:buNone/>
-              <a:defRPr sz="1600">
+            </a:lvl5pPr>
+            <a:lvl6pPr marL="2286000" indent="0">
+              <a:buNone/>
+              <a:defRPr sz="1400">
                 <a:solidFill>
                   <a:schemeClr val="tx1">
                     <a:tint val="75000"/>
                   </a:schemeClr>
                 </a:solidFill>
               </a:defRPr>
-            </a:lvl5pPr>
-            <a:lvl6pPr marL="2286000" indent="0">
-              <a:buNone/>
-              <a:defRPr sz="1600">
+            </a:lvl6pPr>
+            <a:lvl7pPr marL="2743200" indent="0">
+              <a:buNone/>
+              <a:defRPr sz="1400">
                 <a:solidFill>
                   <a:schemeClr val="tx1">
                     <a:tint val="75000"/>
                   </a:schemeClr>
                 </a:solidFill>
               </a:defRPr>
-            </a:lvl6pPr>
-            <a:lvl7pPr marL="2743200" indent="0">
-              <a:buNone/>
-              <a:defRPr sz="1600">
+            </a:lvl7pPr>
+            <a:lvl8pPr marL="3200400" indent="0">
+              <a:buNone/>
+              <a:defRPr sz="1400">
                 <a:solidFill>
                   <a:schemeClr val="tx1">
                     <a:tint val="75000"/>
                   </a:schemeClr>
                 </a:solidFill>
               </a:defRPr>
-            </a:lvl7pPr>
-            <a:lvl8pPr marL="3200400" indent="0">
-              <a:buNone/>
-              <a:defRPr sz="1600">
+            </a:lvl8pPr>
+            <a:lvl9pPr marL="3657600" indent="0">
+              <a:buNone/>
+              <a:defRPr sz="1400">
                 <a:solidFill>
                   <a:schemeClr val="tx1">
                     <a:tint val="75000"/>
                   </a:schemeClr>
                 </a:solidFill>
               </a:defRPr>
-            </a:lvl8pPr>
-            <a:lvl9pPr marL="3657600" indent="0">
-              <a:buNone/>
-              <a:defRPr sz="1600">
-                <a:solidFill>
-                  <a:schemeClr val="tx1">
-                    <a:tint val="75000"/>
-                  </a:schemeClr>
-                </a:solidFill>
-              </a:defRPr>
             </a:lvl9pPr>
           </a:lstStyle>
           <a:p>
@@ -1491,7 +3925,7 @@
           <a:p>
             <a:fld id="{3BD97801-303E-4CB9-94CD-95CC1636BC5B}" type="datetimeFigureOut">
               <a:rPr lang="en-US" smtClean="0"/>
-              <a:t>2/5/2019</a:t>
+              <a:t>2/6/2019</a:t>
             </a:fld>
             <a:endParaRPr lang="en-US"/>
           </a:p>
@@ -1539,10 +3973,41 @@
           </a:p>
         </p:txBody>
       </p:sp>
+      <p:cxnSp>
+        <p:nvCxnSpPr>
+          <p:cNvPr id="16" name="Straight Connector 15"/>
+          <p:cNvCxnSpPr/>
+          <p:nvPr/>
+        </p:nvCxnSpPr>
+        <p:spPr>
+          <a:xfrm>
+            <a:off x="2012723" y="3710585"/>
+            <a:ext cx="8163380" cy="0"/>
+          </a:xfrm>
+          <a:prstGeom prst="line">
+            <a:avLst/>
+          </a:prstGeom>
+          <a:ln w="15875"/>
+        </p:spPr>
+        <p:style>
+          <a:lnRef idx="2">
+            <a:schemeClr val="accent1"/>
+          </a:lnRef>
+          <a:fillRef idx="0">
+            <a:schemeClr val="accent1"/>
+          </a:fillRef>
+          <a:effectRef idx="1">
+            <a:schemeClr val="accent1"/>
+          </a:effectRef>
+          <a:fontRef idx="minor">
+            <a:schemeClr val="tx1"/>
+          </a:fontRef>
+        </p:style>
+      </p:cxnSp>
     </p:spTree>
     <p:extLst>
       <p:ext uri="{BB962C8B-B14F-4D97-AF65-F5344CB8AC3E}">
-        <p14:creationId xmlns:p14="http://schemas.microsoft.com/office/powerpoint/2010/main" val="3675708819"/>
+        <p14:creationId xmlns:p14="http://schemas.microsoft.com/office/powerpoint/2010/main" val="1046118854"/>
       </p:ext>
     </p:extLst>
   </p:cSld>
@@ -1569,47 +4034,80 @@
           <a:chExt cx="0" cy="0"/>
         </a:xfrm>
       </p:grpSpPr>
-      <p:sp>
-        <p:nvSpPr>
-          <p:cNvPr id="2" name="Title 1"/>
-          <p:cNvSpPr>
-            <a:spLocks noGrp="1"/>
-          </p:cNvSpPr>
-          <p:nvPr>
-            <p:ph type="title"/>
-          </p:nvPr>
-        </p:nvSpPr>
-        <p:spPr/>
-        <p:txBody>
-          <a:bodyPr/>
-          <a:lstStyle/>
-          <a:p>
-            <a:r>
-              <a:rPr lang="en-US" smtClean="0"/>
-              <a:t>Click to edit Master title style</a:t>
-            </a:r>
-            <a:endParaRPr lang="en-US"/>
-          </a:p>
-        </p:txBody>
-      </p:sp>
-      <p:sp>
-        <p:nvSpPr>
-          <p:cNvPr id="3" name="Content Placeholder 2"/>
-          <p:cNvSpPr>
-            <a:spLocks noGrp="1"/>
-          </p:cNvSpPr>
-          <p:nvPr>
-            <p:ph sz="half" idx="1"/>
-          </p:nvPr>
-        </p:nvSpPr>
+      <p:cxnSp>
+        <p:nvCxnSpPr>
+          <p:cNvPr id="8" name="Straight Connector 7"/>
+          <p:cNvCxnSpPr/>
+          <p:nvPr/>
+        </p:nvCxnSpPr>
         <p:spPr>
           <a:xfrm>
-            <a:off x="838200" y="1825625"/>
-            <a:ext cx="5181600" cy="4351338"/>
+            <a:off x="1396169" y="2421466"/>
+            <a:ext cx="9407298" cy="0"/>
+          </a:xfrm>
+          <a:prstGeom prst="line">
+            <a:avLst/>
+          </a:prstGeom>
+          <a:ln w="15875"/>
+        </p:spPr>
+        <p:style>
+          <a:lnRef idx="2">
+            <a:schemeClr val="accent1"/>
+          </a:lnRef>
+          <a:fillRef idx="0">
+            <a:schemeClr val="accent1"/>
+          </a:fillRef>
+          <a:effectRef idx="1">
+            <a:schemeClr val="accent1"/>
+          </a:effectRef>
+          <a:fontRef idx="minor">
+            <a:schemeClr val="tx1"/>
+          </a:fontRef>
+        </p:style>
+      </p:cxnSp>
+      <p:sp>
+        <p:nvSpPr>
+          <p:cNvPr id="2" name="Title 1"/>
+          <p:cNvSpPr>
+            <a:spLocks noGrp="1"/>
+          </p:cNvSpPr>
+          <p:nvPr>
+            <p:ph type="title"/>
+          </p:nvPr>
+        </p:nvSpPr>
+        <p:spPr/>
+        <p:txBody>
+          <a:bodyPr/>
+          <a:lstStyle/>
+          <a:p>
+            <a:r>
+              <a:rPr lang="en-US" smtClean="0"/>
+              <a:t>Click to edit Master title style</a:t>
+            </a:r>
+            <a:endParaRPr lang="en-US" dirty="0"/>
+          </a:p>
+        </p:txBody>
+      </p:sp>
+      <p:sp>
+        <p:nvSpPr>
+          <p:cNvPr id="3" name="Content Placeholder 2"/>
+          <p:cNvSpPr>
+            <a:spLocks noGrp="1"/>
+          </p:cNvSpPr>
+          <p:nvPr>
+            <p:ph sz="half" idx="1"/>
+          </p:nvPr>
+        </p:nvSpPr>
+        <p:spPr>
+          <a:xfrm>
+            <a:off x="1298448" y="2560320"/>
+            <a:ext cx="4718304" cy="3310128"/>
           </a:xfrm>
         </p:spPr>
         <p:txBody>
-          <a:bodyPr/>
+          <a:bodyPr>
+            <a:normAutofit/>
+          </a:bodyPr>
           <a:lstStyle/>
           <a:p>
             <a:pPr lvl="0"/>
@@ -1645,7 +4143,7 @@
               <a:rPr lang="en-US" smtClean="0"/>
               <a:t>Fifth level</a:t>
             </a:r>
-            <a:endParaRPr lang="en-US"/>
+            <a:endParaRPr lang="en-US" dirty="0"/>
           </a:p>
         </p:txBody>
       </p:sp>
@@ -1661,69 +4159,71 @@
         </p:nvSpPr>
         <p:spPr>
           <a:xfrm>
-            <a:off x="6172200" y="1825625"/>
-            <a:ext cx="5181600" cy="4351338"/>
+            <a:off x="6181344" y="2560320"/>
+            <a:ext cx="4718304" cy="3310128"/>
           </a:xfrm>
         </p:spPr>
         <p:txBody>
+          <a:bodyPr>
+            <a:normAutofit/>
+          </a:bodyPr>
+          <a:lstStyle/>
+          <a:p>
+            <a:pPr lvl="0"/>
+            <a:r>
+              <a:rPr lang="en-US" smtClean="0"/>
+              <a:t>Edit Master text styles</a:t>
+            </a:r>
+          </a:p>
+          <a:p>
+            <a:pPr lvl="1"/>
+            <a:r>
+              <a:rPr lang="en-US" smtClean="0"/>
+              <a:t>Second level</a:t>
+            </a:r>
+          </a:p>
+          <a:p>
+            <a:pPr lvl="2"/>
+            <a:r>
+              <a:rPr lang="en-US" smtClean="0"/>
+              <a:t>Third level</a:t>
+            </a:r>
+          </a:p>
+          <a:p>
+            <a:pPr lvl="3"/>
+            <a:r>
+              <a:rPr lang="en-US" smtClean="0"/>
+              <a:t>Fourth level</a:t>
+            </a:r>
+          </a:p>
+          <a:p>
+            <a:pPr lvl="4"/>
+            <a:r>
+              <a:rPr lang="en-US" smtClean="0"/>
+              <a:t>Fifth level</a:t>
+            </a:r>
+            <a:endParaRPr lang="en-US" dirty="0"/>
+          </a:p>
+        </p:txBody>
+      </p:sp>
+      <p:sp>
+        <p:nvSpPr>
+          <p:cNvPr id="5" name="Date Placeholder 4"/>
+          <p:cNvSpPr>
+            <a:spLocks noGrp="1"/>
+          </p:cNvSpPr>
+          <p:nvPr>
+            <p:ph type="dt" sz="half" idx="10"/>
+          </p:nvPr>
+        </p:nvSpPr>
+        <p:spPr/>
+        <p:txBody>
           <a:bodyPr/>
           <a:lstStyle/>
           <a:p>
-            <a:pPr lvl="0"/>
-            <a:r>
-              <a:rPr lang="en-US" smtClean="0"/>
-              <a:t>Edit Master text styles</a:t>
-            </a:r>
-          </a:p>
-          <a:p>
-            <a:pPr lvl="1"/>
-            <a:r>
-              <a:rPr lang="en-US" smtClean="0"/>
-              <a:t>Second level</a:t>
-            </a:r>
-          </a:p>
-          <a:p>
-            <a:pPr lvl="2"/>
-            <a:r>
-              <a:rPr lang="en-US" smtClean="0"/>
-              <a:t>Third level</a:t>
-            </a:r>
-          </a:p>
-          <a:p>
-            <a:pPr lvl="3"/>
-            <a:r>
-              <a:rPr lang="en-US" smtClean="0"/>
-              <a:t>Fourth level</a:t>
-            </a:r>
-          </a:p>
-          <a:p>
-            <a:pPr lvl="4"/>
-            <a:r>
-              <a:rPr lang="en-US" smtClean="0"/>
-              <a:t>Fifth level</a:t>
-            </a:r>
-            <a:endParaRPr lang="en-US"/>
-          </a:p>
-        </p:txBody>
-      </p:sp>
-      <p:sp>
-        <p:nvSpPr>
-          <p:cNvPr id="5" name="Date Placeholder 4"/>
-          <p:cNvSpPr>
-            <a:spLocks noGrp="1"/>
-          </p:cNvSpPr>
-          <p:nvPr>
-            <p:ph type="dt" sz="half" idx="10"/>
-          </p:nvPr>
-        </p:nvSpPr>
-        <p:spPr/>
-        <p:txBody>
-          <a:bodyPr/>
-          <a:lstStyle/>
-          <a:p>
             <a:fld id="{3BD97801-303E-4CB9-94CD-95CC1636BC5B}" type="datetimeFigureOut">
               <a:rPr lang="en-US" smtClean="0"/>
-              <a:t>2/5/2019</a:t>
+              <a:t>2/6/2019</a:t>
             </a:fld>
             <a:endParaRPr lang="en-US"/>
           </a:p>
@@ -1774,7 +4274,7 @@
     </p:spTree>
     <p:extLst>
       <p:ext uri="{BB962C8B-B14F-4D97-AF65-F5344CB8AC3E}">
-        <p14:creationId xmlns:p14="http://schemas.microsoft.com/office/powerpoint/2010/main" val="1619838606"/>
+        <p14:creationId xmlns:p14="http://schemas.microsoft.com/office/powerpoint/2010/main" val="1528732751"/>
       </p:ext>
     </p:extLst>
   </p:cSld>
@@ -1811,46 +4311,57 @@
             <p:ph type="title"/>
           </p:nvPr>
         </p:nvSpPr>
+        <p:spPr/>
+        <p:txBody>
+          <a:bodyPr/>
+          <a:lstStyle>
+            <a:lvl1pPr>
+              <a:defRPr/>
+            </a:lvl1pPr>
+          </a:lstStyle>
+          <a:p>
+            <a:r>
+              <a:rPr lang="en-US" smtClean="0"/>
+              <a:t>Click to edit Master title style</a:t>
+            </a:r>
+            <a:endParaRPr lang="en-US" dirty="0"/>
+          </a:p>
+        </p:txBody>
+      </p:sp>
+      <p:sp>
+        <p:nvSpPr>
+          <p:cNvPr id="3" name="Text Placeholder 2"/>
+          <p:cNvSpPr>
+            <a:spLocks noGrp="1"/>
+          </p:cNvSpPr>
+          <p:nvPr>
+            <p:ph type="body" idx="1"/>
+          </p:nvPr>
+        </p:nvSpPr>
         <p:spPr>
           <a:xfrm>
-            <a:off x="839788" y="365125"/>
-            <a:ext cx="10515600" cy="1325563"/>
+            <a:off x="1295400" y="2658533"/>
+            <a:ext cx="4718304" cy="576262"/>
           </a:xfrm>
         </p:spPr>
         <p:txBody>
-          <a:bodyPr/>
-          <a:lstStyle/>
-          <a:p>
-            <a:r>
-              <a:rPr lang="en-US" smtClean="0"/>
-              <a:t>Click to edit Master title style</a:t>
-            </a:r>
-            <a:endParaRPr lang="en-US"/>
-          </a:p>
-        </p:txBody>
-      </p:sp>
-      <p:sp>
-        <p:nvSpPr>
-          <p:cNvPr id="3" name="Text Placeholder 2"/>
-          <p:cNvSpPr>
-            <a:spLocks noGrp="1"/>
-          </p:cNvSpPr>
-          <p:nvPr>
-            <p:ph type="body" idx="1"/>
-          </p:nvPr>
-        </p:nvSpPr>
-        <p:spPr>
-          <a:xfrm>
-            <a:off x="839788" y="1681163"/>
-            <a:ext cx="5157787" cy="823912"/>
-          </a:xfrm>
-        </p:spPr>
-        <p:txBody>
-          <a:bodyPr anchor="b"/>
+          <a:bodyPr anchor="b">
+            <a:noAutofit/>
+          </a:bodyPr>
           <a:lstStyle>
             <a:lvl1pPr marL="0" indent="0">
-              <a:buNone/>
-              <a:defRPr sz="2400" b="1"/>
+              <a:spcBef>
+                <a:spcPts val="672"/>
+              </a:spcBef>
+              <a:spcAft>
+                <a:spcPts val="600"/>
+              </a:spcAft>
+              <a:buNone/>
+              <a:defRPr sz="2800" b="0">
+                <a:solidFill>
+                  <a:schemeClr val="accent1"/>
+                </a:solidFill>
+              </a:defRPr>
             </a:lvl1pPr>
             <a:lvl2pPr marL="457200" indent="0">
               <a:buNone/>
@@ -1906,12 +4417,14 @@
         </p:nvSpPr>
         <p:spPr>
           <a:xfrm>
-            <a:off x="839788" y="2505075"/>
-            <a:ext cx="5157787" cy="3684588"/>
+            <a:off x="1295400" y="3243262"/>
+            <a:ext cx="4718304" cy="2632605"/>
           </a:xfrm>
         </p:spPr>
         <p:txBody>
-          <a:bodyPr/>
+          <a:bodyPr anchor="t">
+            <a:normAutofit/>
+          </a:bodyPr>
           <a:lstStyle/>
           <a:p>
             <a:pPr lvl="0"/>
@@ -1947,7 +4460,7 @@
               <a:rPr lang="en-US" smtClean="0"/>
               <a:t>Fifth level</a:t>
             </a:r>
-            <a:endParaRPr lang="en-US"/>
+            <a:endParaRPr lang="en-US" dirty="0"/>
           </a:p>
         </p:txBody>
       </p:sp>
@@ -1963,16 +4476,28 @@
         </p:nvSpPr>
         <p:spPr>
           <a:xfrm>
-            <a:off x="6172200" y="1681163"/>
-            <a:ext cx="5183188" cy="823912"/>
+            <a:off x="6180670" y="2658533"/>
+            <a:ext cx="4718304" cy="576262"/>
           </a:xfrm>
         </p:spPr>
         <p:txBody>
-          <a:bodyPr anchor="b"/>
+          <a:bodyPr anchor="b">
+            <a:noAutofit/>
+          </a:bodyPr>
           <a:lstStyle>
             <a:lvl1pPr marL="0" indent="0">
-              <a:buNone/>
-              <a:defRPr sz="2400" b="1"/>
+              <a:spcBef>
+                <a:spcPts val="672"/>
+              </a:spcBef>
+              <a:spcAft>
+                <a:spcPts val="600"/>
+              </a:spcAft>
+              <a:buNone/>
+              <a:defRPr sz="2800" b="0">
+                <a:solidFill>
+                  <a:schemeClr val="accent1"/>
+                </a:solidFill>
+              </a:defRPr>
             </a:lvl1pPr>
             <a:lvl2pPr marL="457200" indent="0">
               <a:buNone/>
@@ -2028,69 +4553,71 @@
         </p:nvSpPr>
         <p:spPr>
           <a:xfrm>
-            <a:off x="6172200" y="2505075"/>
-            <a:ext cx="5183188" cy="3684588"/>
+            <a:off x="6180670" y="3243262"/>
+            <a:ext cx="4718304" cy="2632605"/>
           </a:xfrm>
         </p:spPr>
         <p:txBody>
+          <a:bodyPr anchor="t">
+            <a:normAutofit/>
+          </a:bodyPr>
+          <a:lstStyle/>
+          <a:p>
+            <a:pPr lvl="0"/>
+            <a:r>
+              <a:rPr lang="en-US" smtClean="0"/>
+              <a:t>Edit Master text styles</a:t>
+            </a:r>
+          </a:p>
+          <a:p>
+            <a:pPr lvl="1"/>
+            <a:r>
+              <a:rPr lang="en-US" smtClean="0"/>
+              <a:t>Second level</a:t>
+            </a:r>
+          </a:p>
+          <a:p>
+            <a:pPr lvl="2"/>
+            <a:r>
+              <a:rPr lang="en-US" smtClean="0"/>
+              <a:t>Third level</a:t>
+            </a:r>
+          </a:p>
+          <a:p>
+            <a:pPr lvl="3"/>
+            <a:r>
+              <a:rPr lang="en-US" smtClean="0"/>
+              <a:t>Fourth level</a:t>
+            </a:r>
+          </a:p>
+          <a:p>
+            <a:pPr lvl="4"/>
+            <a:r>
+              <a:rPr lang="en-US" smtClean="0"/>
+              <a:t>Fifth level</a:t>
+            </a:r>
+            <a:endParaRPr lang="en-US" dirty="0"/>
+          </a:p>
+        </p:txBody>
+      </p:sp>
+      <p:sp>
+        <p:nvSpPr>
+          <p:cNvPr id="7" name="Date Placeholder 6"/>
+          <p:cNvSpPr>
+            <a:spLocks noGrp="1"/>
+          </p:cNvSpPr>
+          <p:nvPr>
+            <p:ph type="dt" sz="half" idx="10"/>
+          </p:nvPr>
+        </p:nvSpPr>
+        <p:spPr/>
+        <p:txBody>
           <a:bodyPr/>
           <a:lstStyle/>
           <a:p>
-            <a:pPr lvl="0"/>
-            <a:r>
-              <a:rPr lang="en-US" smtClean="0"/>
-              <a:t>Edit Master text styles</a:t>
-            </a:r>
-          </a:p>
-          <a:p>
-            <a:pPr lvl="1"/>
-            <a:r>
-              <a:rPr lang="en-US" smtClean="0"/>
-              <a:t>Second level</a:t>
-            </a:r>
-          </a:p>
-          <a:p>
-            <a:pPr lvl="2"/>
-            <a:r>
-              <a:rPr lang="en-US" smtClean="0"/>
-              <a:t>Third level</a:t>
-            </a:r>
-          </a:p>
-          <a:p>
-            <a:pPr lvl="3"/>
-            <a:r>
-              <a:rPr lang="en-US" smtClean="0"/>
-              <a:t>Fourth level</a:t>
-            </a:r>
-          </a:p>
-          <a:p>
-            <a:pPr lvl="4"/>
-            <a:r>
-              <a:rPr lang="en-US" smtClean="0"/>
-              <a:t>Fifth level</a:t>
-            </a:r>
-            <a:endParaRPr lang="en-US"/>
-          </a:p>
-        </p:txBody>
-      </p:sp>
-      <p:sp>
-        <p:nvSpPr>
-          <p:cNvPr id="7" name="Date Placeholder 6"/>
-          <p:cNvSpPr>
-            <a:spLocks noGrp="1"/>
-          </p:cNvSpPr>
-          <p:nvPr>
-            <p:ph type="dt" sz="half" idx="10"/>
-          </p:nvPr>
-        </p:nvSpPr>
-        <p:spPr/>
-        <p:txBody>
-          <a:bodyPr/>
-          <a:lstStyle/>
-          <a:p>
             <a:fld id="{3BD97801-303E-4CB9-94CD-95CC1636BC5B}" type="datetimeFigureOut">
               <a:rPr lang="en-US" smtClean="0"/>
-              <a:t>2/5/2019</a:t>
+              <a:t>2/6/2019</a:t>
             </a:fld>
             <a:endParaRPr lang="en-US"/>
           </a:p>
@@ -2138,10 +4665,41 @@
           </a:p>
         </p:txBody>
       </p:sp>
+      <p:cxnSp>
+        <p:nvCxnSpPr>
+          <p:cNvPr id="18" name="Straight Connector 17"/>
+          <p:cNvCxnSpPr/>
+          <p:nvPr/>
+        </p:nvCxnSpPr>
+        <p:spPr>
+          <a:xfrm>
+            <a:off x="1396169" y="2421466"/>
+            <a:ext cx="9407298" cy="0"/>
+          </a:xfrm>
+          <a:prstGeom prst="line">
+            <a:avLst/>
+          </a:prstGeom>
+          <a:ln w="15875"/>
+        </p:spPr>
+        <p:style>
+          <a:lnRef idx="2">
+            <a:schemeClr val="accent1"/>
+          </a:lnRef>
+          <a:fillRef idx="0">
+            <a:schemeClr val="accent1"/>
+          </a:fillRef>
+          <a:effectRef idx="1">
+            <a:schemeClr val="accent1"/>
+          </a:effectRef>
+          <a:fontRef idx="minor">
+            <a:schemeClr val="tx1"/>
+          </a:fontRef>
+        </p:style>
+      </p:cxnSp>
     </p:spTree>
     <p:extLst>
       <p:ext uri="{BB962C8B-B14F-4D97-AF65-F5344CB8AC3E}">
-        <p14:creationId xmlns:p14="http://schemas.microsoft.com/office/powerpoint/2010/main" val="2863948217"/>
+        <p14:creationId xmlns:p14="http://schemas.microsoft.com/office/powerpoint/2010/main" val="589342800"/>
       </p:ext>
     </p:extLst>
   </p:cSld>
@@ -2187,7 +4745,7 @@
               <a:rPr lang="en-US" smtClean="0"/>
               <a:t>Click to edit Master title style</a:t>
             </a:r>
-            <a:endParaRPr lang="en-US"/>
+            <a:endParaRPr lang="en-US" dirty="0"/>
           </a:p>
         </p:txBody>
       </p:sp>
@@ -2208,7 +4766,7 @@
           <a:p>
             <a:fld id="{3BD97801-303E-4CB9-94CD-95CC1636BC5B}" type="datetimeFigureOut">
               <a:rPr lang="en-US" smtClean="0"/>
-              <a:t>2/5/2019</a:t>
+              <a:t>2/6/2019</a:t>
             </a:fld>
             <a:endParaRPr lang="en-US"/>
           </a:p>
@@ -2256,10 +4814,41 @@
           </a:p>
         </p:txBody>
       </p:sp>
+      <p:cxnSp>
+        <p:nvCxnSpPr>
+          <p:cNvPr id="14" name="Straight Connector 13"/>
+          <p:cNvCxnSpPr/>
+          <p:nvPr/>
+        </p:nvCxnSpPr>
+        <p:spPr>
+          <a:xfrm>
+            <a:off x="1396169" y="2421466"/>
+            <a:ext cx="9407298" cy="0"/>
+          </a:xfrm>
+          <a:prstGeom prst="line">
+            <a:avLst/>
+          </a:prstGeom>
+          <a:ln w="15875"/>
+        </p:spPr>
+        <p:style>
+          <a:lnRef idx="2">
+            <a:schemeClr val="accent1"/>
+          </a:lnRef>
+          <a:fillRef idx="0">
+            <a:schemeClr val="accent1"/>
+          </a:fillRef>
+          <a:effectRef idx="1">
+            <a:schemeClr val="accent1"/>
+          </a:effectRef>
+          <a:fontRef idx="minor">
+            <a:schemeClr val="tx1"/>
+          </a:fontRef>
+        </p:style>
+      </p:cxnSp>
     </p:spTree>
     <p:extLst>
       <p:ext uri="{BB962C8B-B14F-4D97-AF65-F5344CB8AC3E}">
-        <p14:creationId xmlns:p14="http://schemas.microsoft.com/office/powerpoint/2010/main" val="2645088070"/>
+        <p14:creationId xmlns:p14="http://schemas.microsoft.com/office/powerpoint/2010/main" val="1962122252"/>
       </p:ext>
     </p:extLst>
   </p:cSld>
@@ -2303,7 +4892,7 @@
           <a:p>
             <a:fld id="{3BD97801-303E-4CB9-94CD-95CC1636BC5B}" type="datetimeFigureOut">
               <a:rPr lang="en-US" smtClean="0"/>
-              <a:t>2/5/2019</a:t>
+              <a:t>2/6/2019</a:t>
             </a:fld>
             <a:endParaRPr lang="en-US"/>
           </a:p>
@@ -2354,7 +4943,7 @@
     </p:spTree>
     <p:extLst>
       <p:ext uri="{BB962C8B-B14F-4D97-AF65-F5344CB8AC3E}">
-        <p14:creationId xmlns:p14="http://schemas.microsoft.com/office/powerpoint/2010/main" val="1828253274"/>
+        <p14:creationId xmlns:p14="http://schemas.microsoft.com/office/powerpoint/2010/main" val="1123229380"/>
       </p:ext>
     </p:extLst>
   </p:cSld>
@@ -2393,15 +4982,17 @@
         </p:nvSpPr>
         <p:spPr>
           <a:xfrm>
-            <a:off x="839788" y="457200"/>
-            <a:ext cx="3932237" cy="1600200"/>
+            <a:off x="1293811" y="1388534"/>
+            <a:ext cx="3718455" cy="1371600"/>
           </a:xfrm>
         </p:spPr>
         <p:txBody>
-          <a:bodyPr anchor="b"/>
+          <a:bodyPr anchor="b">
+            <a:normAutofit/>
+          </a:bodyPr>
           <a:lstStyle>
-            <a:lvl1pPr>
-              <a:defRPr sz="3200"/>
+            <a:lvl1pPr algn="ctr">
+              <a:defRPr sz="2400" b="0"/>
             </a:lvl1pPr>
           </a:lstStyle>
           <a:p>
@@ -2409,7 +5000,7 @@
               <a:rPr lang="en-US" smtClean="0"/>
               <a:t>Click to edit Master title style</a:t>
             </a:r>
-            <a:endParaRPr lang="en-US"/>
+            <a:endParaRPr lang="en-US" dirty="0"/>
           </a:p>
         </p:txBody>
       </p:sp>
@@ -2425,41 +5016,15 @@
         </p:nvSpPr>
         <p:spPr>
           <a:xfrm>
-            <a:off x="5183188" y="987425"/>
-            <a:ext cx="6172200" cy="4873625"/>
+            <a:off x="5418668" y="982131"/>
+            <a:ext cx="5469466" cy="4893735"/>
           </a:xfrm>
         </p:spPr>
         <p:txBody>
-          <a:bodyPr/>
-          <a:lstStyle>
-            <a:lvl1pPr>
-              <a:defRPr sz="3200"/>
-            </a:lvl1pPr>
-            <a:lvl2pPr>
-              <a:defRPr sz="2800"/>
-            </a:lvl2pPr>
-            <a:lvl3pPr>
-              <a:defRPr sz="2400"/>
-            </a:lvl3pPr>
-            <a:lvl4pPr>
-              <a:defRPr sz="2000"/>
-            </a:lvl4pPr>
-            <a:lvl5pPr>
-              <a:defRPr sz="2000"/>
-            </a:lvl5pPr>
-            <a:lvl6pPr>
-              <a:defRPr sz="2000"/>
-            </a:lvl6pPr>
-            <a:lvl7pPr>
-              <a:defRPr sz="2000"/>
-            </a:lvl7pPr>
-            <a:lvl8pPr>
-              <a:defRPr sz="2000"/>
-            </a:lvl8pPr>
-            <a:lvl9pPr>
-              <a:defRPr sz="2000"/>
-            </a:lvl9pPr>
-          </a:lstStyle>
+          <a:bodyPr anchor="ctr">
+            <a:normAutofit/>
+          </a:bodyPr>
+          <a:lstStyle/>
           <a:p>
             <a:pPr lvl="0"/>
             <a:r>
@@ -2494,7 +5059,7 @@
               <a:rPr lang="en-US" smtClean="0"/>
               <a:t>Fifth level</a:t>
             </a:r>
-            <a:endParaRPr lang="en-US"/>
+            <a:endParaRPr lang="en-US" dirty="0"/>
           </a:p>
         </p:txBody>
       </p:sp>
@@ -2510,48 +5075,50 @@
         </p:nvSpPr>
         <p:spPr>
           <a:xfrm>
-            <a:off x="839788" y="2057400"/>
-            <a:ext cx="3932237" cy="3811588"/>
+            <a:off x="1293811" y="3031065"/>
+            <a:ext cx="3718455" cy="2438404"/>
           </a:xfrm>
         </p:spPr>
         <p:txBody>
-          <a:bodyPr/>
+          <a:bodyPr anchor="t">
+            <a:normAutofit/>
+          </a:bodyPr>
           <a:lstStyle>
-            <a:lvl1pPr marL="0" indent="0">
+            <a:lvl1pPr marL="0" indent="0" algn="ctr">
               <a:buNone/>
               <a:defRPr sz="1600"/>
             </a:lvl1pPr>
             <a:lvl2pPr marL="457200" indent="0">
               <a:buNone/>
-              <a:defRPr sz="1400"/>
+              <a:defRPr sz="1200"/>
             </a:lvl2pPr>
             <a:lvl3pPr marL="914400" indent="0">
               <a:buNone/>
-              <a:defRPr sz="1200"/>
+              <a:defRPr sz="1000"/>
             </a:lvl3pPr>
             <a:lvl4pPr marL="1371600" indent="0">
               <a:buNone/>
-              <a:defRPr sz="1000"/>
+              <a:defRPr sz="900"/>
             </a:lvl4pPr>
             <a:lvl5pPr marL="1828800" indent="0">
               <a:buNone/>
-              <a:defRPr sz="1000"/>
+              <a:defRPr sz="900"/>
             </a:lvl5pPr>
             <a:lvl6pPr marL="2286000" indent="0">
               <a:buNone/>
-              <a:defRPr sz="1000"/>
+              <a:defRPr sz="900"/>
             </a:lvl6pPr>
             <a:lvl7pPr marL="2743200" indent="0">
               <a:buNone/>
-              <a:defRPr sz="1000"/>
+              <a:defRPr sz="900"/>
             </a:lvl7pPr>
             <a:lvl8pPr marL="3200400" indent="0">
               <a:buNone/>
-              <a:defRPr sz="1000"/>
+              <a:defRPr sz="900"/>
             </a:lvl8pPr>
             <a:lvl9pPr marL="3657600" indent="0">
               <a:buNone/>
-              <a:defRPr sz="1000"/>
+              <a:defRPr sz="900"/>
             </a:lvl9pPr>
           </a:lstStyle>
           <a:p>
@@ -2580,7 +5147,7 @@
           <a:p>
             <a:fld id="{3BD97801-303E-4CB9-94CD-95CC1636BC5B}" type="datetimeFigureOut">
               <a:rPr lang="en-US" smtClean="0"/>
-              <a:t>2/5/2019</a:t>
+              <a:t>2/6/2019</a:t>
             </a:fld>
             <a:endParaRPr lang="en-US"/>
           </a:p>
@@ -2628,10 +5195,41 @@
           </a:p>
         </p:txBody>
       </p:sp>
+      <p:cxnSp>
+        <p:nvCxnSpPr>
+          <p:cNvPr id="16" name="Straight Connector 15"/>
+          <p:cNvCxnSpPr/>
+          <p:nvPr/>
+        </p:nvCxnSpPr>
+        <p:spPr>
+          <a:xfrm>
+            <a:off x="1396169" y="2912533"/>
+            <a:ext cx="3514498" cy="0"/>
+          </a:xfrm>
+          <a:prstGeom prst="line">
+            <a:avLst/>
+          </a:prstGeom>
+          <a:ln w="15875"/>
+        </p:spPr>
+        <p:style>
+          <a:lnRef idx="2">
+            <a:schemeClr val="accent1"/>
+          </a:lnRef>
+          <a:fillRef idx="0">
+            <a:schemeClr val="accent1"/>
+          </a:fillRef>
+          <a:effectRef idx="1">
+            <a:schemeClr val="accent1"/>
+          </a:effectRef>
+          <a:fontRef idx="minor">
+            <a:schemeClr val="tx1"/>
+          </a:fontRef>
+        </p:style>
+      </p:cxnSp>
     </p:spTree>
     <p:extLst>
       <p:ext uri="{BB962C8B-B14F-4D97-AF65-F5344CB8AC3E}">
-        <p14:creationId xmlns:p14="http://schemas.microsoft.com/office/powerpoint/2010/main" val="1312308986"/>
+        <p14:creationId xmlns:p14="http://schemas.microsoft.com/office/powerpoint/2010/main" val="3798514087"/>
       </p:ext>
     </p:extLst>
   </p:cSld>
@@ -2670,15 +5268,17 @@
         </p:nvSpPr>
         <p:spPr>
           <a:xfrm>
-            <a:off x="839788" y="457200"/>
-            <a:ext cx="3932237" cy="1600200"/>
+            <a:off x="1295399" y="1883832"/>
+            <a:ext cx="6241816" cy="1371600"/>
           </a:xfrm>
         </p:spPr>
         <p:txBody>
-          <a:bodyPr anchor="b"/>
+          <a:bodyPr anchor="b">
+            <a:normAutofit/>
+          </a:bodyPr>
           <a:lstStyle>
-            <a:lvl1pPr>
-              <a:defRPr sz="3200"/>
+            <a:lvl1pPr algn="ctr">
+              <a:defRPr sz="2800" b="0"/>
             </a:lvl1pPr>
           </a:lstStyle>
           <a:p>
@@ -2686,15 +5286,15 @@
               <a:rPr lang="en-US" smtClean="0"/>
               <a:t>Click to edit Master title style</a:t>
             </a:r>
-            <a:endParaRPr lang="en-US"/>
-          </a:p>
-        </p:txBody>
-      </p:sp>
-      <p:sp>
-        <p:nvSpPr>
-          <p:cNvPr id="3" name="Picture Placeholder 2"/>
-          <p:cNvSpPr>
-            <a:spLocks noGrp="1"/>
+            <a:endParaRPr lang="en-US" dirty="0"/>
+          </a:p>
+        </p:txBody>
+      </p:sp>
+      <p:sp>
+        <p:nvSpPr>
+          <p:cNvPr id="17" name="Picture Placeholder 2"/>
+          <p:cNvSpPr>
+            <a:spLocks noGrp="1" noChangeAspect="1"/>
           </p:cNvSpPr>
           <p:nvPr>
             <p:ph type="pic" idx="1"/>
@@ -2702,112 +5302,141 @@
         </p:nvSpPr>
         <p:spPr>
           <a:xfrm>
-            <a:off x="5183188" y="987425"/>
-            <a:ext cx="6172200" cy="4873625"/>
+            <a:off x="8094831" y="1041400"/>
+            <a:ext cx="3063347" cy="4775200"/>
           </a:xfrm>
+          <a:prstGeom prst="roundRect">
+            <a:avLst>
+              <a:gd name="adj" fmla="val 0"/>
+            </a:avLst>
+          </a:prstGeom>
+          <a:ln w="57150" cmpd="thickThin">
+            <a:solidFill>
+              <a:schemeClr val="tx1">
+                <a:lumMod val="50000"/>
+                <a:lumOff val="50000"/>
+              </a:schemeClr>
+            </a:solidFill>
+            <a:miter lim="800000"/>
+          </a:ln>
+          <a:effectLst>
+            <a:innerShdw blurRad="57150" dist="38100" dir="14460000">
+              <a:srgbClr val="000000">
+                <a:alpha val="70000"/>
+              </a:srgbClr>
+            </a:innerShdw>
+          </a:effectLst>
         </p:spPr>
         <p:txBody>
-          <a:bodyPr/>
+          <a:bodyPr anchor="t">
+            <a:normAutofit/>
+          </a:bodyPr>
           <a:lstStyle>
-            <a:lvl1pPr marL="0" indent="0">
-              <a:buNone/>
-              <a:defRPr sz="3200"/>
-            </a:lvl1pPr>
-            <a:lvl2pPr marL="457200" indent="0">
-              <a:buNone/>
-              <a:defRPr sz="2800"/>
-            </a:lvl2pPr>
-            <a:lvl3pPr marL="914400" indent="0">
-              <a:buNone/>
-              <a:defRPr sz="2400"/>
-            </a:lvl3pPr>
-            <a:lvl4pPr marL="1371600" indent="0">
-              <a:buNone/>
-              <a:defRPr sz="2000"/>
-            </a:lvl4pPr>
-            <a:lvl5pPr marL="1828800" indent="0">
-              <a:buNone/>
-              <a:defRPr sz="2000"/>
-            </a:lvl5pPr>
-            <a:lvl6pPr marL="2286000" indent="0">
-              <a:buNone/>
-              <a:defRPr sz="2000"/>
-            </a:lvl6pPr>
-            <a:lvl7pPr marL="2743200" indent="0">
-              <a:buNone/>
-              <a:defRPr sz="2000"/>
-            </a:lvl7pPr>
-            <a:lvl8pPr marL="3200400" indent="0">
-              <a:buNone/>
-              <a:defRPr sz="2000"/>
-            </a:lvl8pPr>
-            <a:lvl9pPr marL="3657600" indent="0">
-              <a:buNone/>
-              <a:defRPr sz="2000"/>
-            </a:lvl9pPr>
-          </a:lstStyle>
-          <a:p>
-            <a:endParaRPr lang="en-US"/>
-          </a:p>
-        </p:txBody>
-      </p:sp>
-      <p:sp>
-        <p:nvSpPr>
-          <p:cNvPr id="4" name="Text Placeholder 3"/>
-          <p:cNvSpPr>
-            <a:spLocks noGrp="1"/>
-          </p:cNvSpPr>
-          <p:nvPr>
-            <p:ph type="body" sz="half" idx="2"/>
-          </p:nvPr>
-        </p:nvSpPr>
-        <p:spPr>
-          <a:xfrm>
-            <a:off x="839788" y="2057400"/>
-            <a:ext cx="3932237" cy="3811588"/>
-          </a:xfrm>
-        </p:spPr>
-        <p:txBody>
-          <a:bodyPr/>
-          <a:lstStyle>
-            <a:lvl1pPr marL="0" indent="0">
+            <a:lvl1pPr marL="0" indent="0" algn="ctr">
               <a:buNone/>
               <a:defRPr sz="1600"/>
             </a:lvl1pPr>
             <a:lvl2pPr marL="457200" indent="0">
               <a:buNone/>
-              <a:defRPr sz="1400"/>
+              <a:defRPr sz="1600"/>
             </a:lvl2pPr>
             <a:lvl3pPr marL="914400" indent="0">
               <a:buNone/>
-              <a:defRPr sz="1200"/>
+              <a:defRPr sz="1600"/>
             </a:lvl3pPr>
             <a:lvl4pPr marL="1371600" indent="0">
               <a:buNone/>
-              <a:defRPr sz="1000"/>
+              <a:defRPr sz="1600"/>
             </a:lvl4pPr>
             <a:lvl5pPr marL="1828800" indent="0">
               <a:buNone/>
-              <a:defRPr sz="1000"/>
+              <a:defRPr sz="1600"/>
             </a:lvl5pPr>
             <a:lvl6pPr marL="2286000" indent="0">
               <a:buNone/>
-              <a:defRPr sz="1000"/>
+              <a:defRPr sz="1600"/>
             </a:lvl6pPr>
             <a:lvl7pPr marL="2743200" indent="0">
               <a:buNone/>
-              <a:defRPr sz="1000"/>
+              <a:defRPr sz="1600"/>
             </a:lvl7pPr>
             <a:lvl8pPr marL="3200400" indent="0">
               <a:buNone/>
-              <a:defRPr sz="1000"/>
+              <a:defRPr sz="1600"/>
             </a:lvl8pPr>
             <a:lvl9pPr marL="3657600" indent="0">
               <a:buNone/>
-              <a:defRPr sz="1000"/>
+              <a:defRPr sz="1600"/>
             </a:lvl9pPr>
           </a:lstStyle>
           <a:p>
+            <a:r>
+              <a:rPr lang="en-US" smtClean="0"/>
+              <a:t>Click icon to add picture</a:t>
+            </a:r>
+            <a:endParaRPr lang="en-US" dirty="0"/>
+          </a:p>
+        </p:txBody>
+      </p:sp>
+      <p:sp>
+        <p:nvSpPr>
+          <p:cNvPr id="4" name="Text Placeholder 3"/>
+          <p:cNvSpPr>
+            <a:spLocks noGrp="1"/>
+          </p:cNvSpPr>
+          <p:nvPr>
+            <p:ph type="body" sz="half" idx="2"/>
+          </p:nvPr>
+        </p:nvSpPr>
+        <p:spPr>
+          <a:xfrm>
+            <a:off x="1295399" y="3255432"/>
+            <a:ext cx="6241816" cy="1828800"/>
+          </a:xfrm>
+        </p:spPr>
+        <p:txBody>
+          <a:bodyPr anchor="t">
+            <a:normAutofit/>
+          </a:bodyPr>
+          <a:lstStyle>
+            <a:lvl1pPr marL="0" indent="0" algn="ctr">
+              <a:buNone/>
+              <a:defRPr sz="1800"/>
+            </a:lvl1pPr>
+            <a:lvl2pPr marL="457200" indent="0">
+              <a:buNone/>
+              <a:defRPr sz="1200"/>
+            </a:lvl2pPr>
+            <a:lvl3pPr marL="914400" indent="0">
+              <a:buNone/>
+              <a:defRPr sz="1000"/>
+            </a:lvl3pPr>
+            <a:lvl4pPr marL="1371600" indent="0">
+              <a:buNone/>
+              <a:defRPr sz="900"/>
+            </a:lvl4pPr>
+            <a:lvl5pPr marL="1828800" indent="0">
+              <a:buNone/>
+              <a:defRPr sz="900"/>
+            </a:lvl5pPr>
+            <a:lvl6pPr marL="2286000" indent="0">
+              <a:buNone/>
+              <a:defRPr sz="900"/>
+            </a:lvl6pPr>
+            <a:lvl7pPr marL="2743200" indent="0">
+              <a:buNone/>
+              <a:defRPr sz="900"/>
+            </a:lvl7pPr>
+            <a:lvl8pPr marL="3200400" indent="0">
+              <a:buNone/>
+              <a:defRPr sz="900"/>
+            </a:lvl8pPr>
+            <a:lvl9pPr marL="3657600" indent="0">
+              <a:buNone/>
+              <a:defRPr sz="900"/>
+            </a:lvl9pPr>
+          </a:lstStyle>
+          <a:p>
             <a:pPr lvl="0"/>
             <a:r>
               <a:rPr lang="en-US" smtClean="0"/>
@@ -2833,7 +5462,7 @@
           <a:p>
             <a:fld id="{3BD97801-303E-4CB9-94CD-95CC1636BC5B}" type="datetimeFigureOut">
               <a:rPr lang="en-US" smtClean="0"/>
-              <a:t>2/5/2019</a:t>
+              <a:t>2/6/2019</a:t>
             </a:fld>
             <a:endParaRPr lang="en-US"/>
           </a:p>
@@ -2884,7 +5513,7 @@
     </p:spTree>
     <p:extLst>
       <p:ext uri="{BB962C8B-B14F-4D97-AF65-F5344CB8AC3E}">
-        <p14:creationId xmlns:p14="http://schemas.microsoft.com/office/powerpoint/2010/main" val="2700187944"/>
+        <p14:creationId xmlns:p14="http://schemas.microsoft.com/office/powerpoint/2010/main" val="2022738791"/>
       </p:ext>
     </p:extLst>
   </p:cSld>
@@ -2898,7 +5527,7 @@
 <p:sldMaster xmlns:a="http://schemas.openxmlformats.org/drawingml/2006/main" xmlns:r="http://schemas.openxmlformats.org/officeDocument/2006/relationships" xmlns:p="http://schemas.openxmlformats.org/presentationml/2006/main">
   <p:cSld>
     <p:bg>
-      <p:bgRef idx="1001">
+      <p:bgRef idx="1003">
         <a:schemeClr val="bg1"/>
       </p:bgRef>
     </p:bg>
@@ -2916,6 +5545,143 @@
           <a:chExt cx="0" cy="0"/>
         </a:xfrm>
       </p:grpSpPr>
+      <p:grpSp>
+        <p:nvGrpSpPr>
+          <p:cNvPr id="7" name="Group 6"/>
+          <p:cNvGrpSpPr/>
+          <p:nvPr/>
+        </p:nvGrpSpPr>
+        <p:grpSpPr>
+          <a:xfrm>
+            <a:off x="-15736" y="0"/>
+            <a:ext cx="12229962" cy="6856214"/>
+            <a:chOff x="-15736" y="0"/>
+            <a:chExt cx="12229962" cy="6856214"/>
+          </a:xfrm>
+        </p:grpSpPr>
+        <p:pic>
+          <p:nvPicPr>
+            <p:cNvPr id="8" name="Picture 7" descr="HD-PanelContent.png"/>
+            <p:cNvPicPr>
+              <a:picLocks noChangeAspect="1"/>
+            </p:cNvPicPr>
+            <p:nvPr/>
+          </p:nvPicPr>
+          <p:blipFill>
+            <a:blip r:embed="rId19">
+              <a:extLst>
+                <a:ext uri="{28A0092B-C50C-407E-A947-70E740481C1C}">
+                  <a14:useLocalDpi xmlns:a14="http://schemas.microsoft.com/office/drawing/2010/main" val="0"/>
+                </a:ext>
+              </a:extLst>
+            </a:blip>
+            <a:stretch>
+              <a:fillRect/>
+            </a:stretch>
+          </p:blipFill>
+          <p:spPr>
+            <a:xfrm>
+              <a:off x="0" y="0"/>
+              <a:ext cx="12188825" cy="6856214"/>
+            </a:xfrm>
+            <a:prstGeom prst="rect">
+              <a:avLst/>
+            </a:prstGeom>
+          </p:spPr>
+        </p:pic>
+        <p:sp>
+          <p:nvSpPr>
+            <p:cNvPr id="9" name="Rectangle 8"/>
+            <p:cNvSpPr/>
+            <p:nvPr/>
+          </p:nvSpPr>
+          <p:spPr>
+            <a:xfrm>
+              <a:off x="608012" y="609600"/>
+              <a:ext cx="10972800" cy="5638800"/>
+            </a:xfrm>
+            <a:prstGeom prst="rect">
+              <a:avLst/>
+            </a:prstGeom>
+            <a:noFill/>
+            <a:ln w="15875" cap="flat">
+              <a:miter lim="800000"/>
+            </a:ln>
+          </p:spPr>
+          <p:style>
+            <a:lnRef idx="1">
+              <a:schemeClr val="accent1"/>
+            </a:lnRef>
+            <a:fillRef idx="3">
+              <a:schemeClr val="accent1"/>
+            </a:fillRef>
+            <a:effectRef idx="2">
+              <a:schemeClr val="accent1"/>
+            </a:effectRef>
+            <a:fontRef idx="minor">
+              <a:schemeClr val="lt1"/>
+            </a:fontRef>
+          </p:style>
+        </p:sp>
+        <p:pic>
+          <p:nvPicPr>
+            <p:cNvPr id="10" name="Picture 9" descr="HDRibbonContent-UniformTrim.png"/>
+            <p:cNvPicPr>
+              <a:picLocks noChangeAspect="1"/>
+            </p:cNvPicPr>
+            <p:nvPr/>
+          </p:nvPicPr>
+          <p:blipFill rotWithShape="1">
+            <a:blip r:embed="rId20">
+              <a:extLst>
+                <a:ext uri="{28A0092B-C50C-407E-A947-70E740481C1C}">
+                  <a14:useLocalDpi xmlns:a14="http://schemas.microsoft.com/office/drawing/2010/main" val="0"/>
+                </a:ext>
+              </a:extLst>
+            </a:blip>
+            <a:srcRect/>
+            <a:stretch/>
+          </p:blipFill>
+          <p:spPr>
+            <a:xfrm>
+              <a:off x="-15736" y="3153832"/>
+              <a:ext cx="777240" cy="606425"/>
+            </a:xfrm>
+            <a:prstGeom prst="rect">
+              <a:avLst/>
+            </a:prstGeom>
+          </p:spPr>
+        </p:pic>
+        <p:pic>
+          <p:nvPicPr>
+            <p:cNvPr id="11" name="Picture 10" descr="HDRibbonContent-UniformTrim.png"/>
+            <p:cNvPicPr>
+              <a:picLocks noChangeAspect="1"/>
+            </p:cNvPicPr>
+            <p:nvPr/>
+          </p:nvPicPr>
+          <p:blipFill rotWithShape="1">
+            <a:blip r:embed="rId20">
+              <a:extLst>
+                <a:ext uri="{28A0092B-C50C-407E-A947-70E740481C1C}">
+                  <a14:useLocalDpi xmlns:a14="http://schemas.microsoft.com/office/drawing/2010/main" val="0"/>
+                </a:ext>
+              </a:extLst>
+            </a:blip>
+            <a:srcRect/>
+            <a:stretch/>
+          </p:blipFill>
+          <p:spPr>
+            <a:xfrm>
+              <a:off x="11436986" y="3153832"/>
+              <a:ext cx="777240" cy="606425"/>
+            </a:xfrm>
+            <a:prstGeom prst="rect">
+              <a:avLst/>
+            </a:prstGeom>
+          </p:spPr>
+        </p:pic>
+      </p:grpSp>
       <p:sp>
         <p:nvSpPr>
           <p:cNvPr id="2" name="Title Placeholder 1"/>
@@ -2928,103 +5694,145 @@
         </p:nvSpPr>
         <p:spPr>
           <a:xfrm>
-            <a:off x="838200" y="365125"/>
-            <a:ext cx="10515600" cy="1325563"/>
+            <a:off x="1295402" y="982132"/>
+            <a:ext cx="9601196" cy="1303867"/>
+          </a:xfrm>
+          <a:prstGeom prst="rect">
+            <a:avLst/>
+          </a:prstGeom>
+          <a:effectLst/>
+        </p:spPr>
+        <p:txBody>
+          <a:bodyPr vert="horz" lIns="91440" tIns="45720" rIns="91440" bIns="45720" rtlCol="0" anchor="ctr">
+            <a:normAutofit/>
+          </a:bodyPr>
+          <a:lstStyle/>
+          <a:p>
+            <a:r>
+              <a:rPr lang="en-US" smtClean="0"/>
+              <a:t>Click to edit Master title style</a:t>
+            </a:r>
+            <a:endParaRPr lang="en-US" dirty="0"/>
+          </a:p>
+        </p:txBody>
+      </p:sp>
+      <p:sp>
+        <p:nvSpPr>
+          <p:cNvPr id="3" name="Text Placeholder 2"/>
+          <p:cNvSpPr>
+            <a:spLocks noGrp="1"/>
+          </p:cNvSpPr>
+          <p:nvPr>
+            <p:ph type="body" idx="1"/>
+          </p:nvPr>
+        </p:nvSpPr>
+        <p:spPr>
+          <a:xfrm>
+            <a:off x="1295401" y="2556932"/>
+            <a:ext cx="9601196" cy="3318936"/>
           </a:xfrm>
           <a:prstGeom prst="rect">
             <a:avLst/>
           </a:prstGeom>
         </p:spPr>
         <p:txBody>
-          <a:bodyPr vert="horz" lIns="91440" tIns="45720" rIns="91440" bIns="45720" rtlCol="0" anchor="ctr">
+          <a:bodyPr vert="horz" lIns="91440" tIns="45720" rIns="91440" bIns="45720" rtlCol="0" anchor="t">
             <a:normAutofit/>
           </a:bodyPr>
           <a:lstStyle/>
           <a:p>
-            <a:r>
-              <a:rPr lang="en-US" smtClean="0"/>
-              <a:t>Click to edit Master title style</a:t>
-            </a:r>
-            <a:endParaRPr lang="en-US"/>
-          </a:p>
-        </p:txBody>
-      </p:sp>
-      <p:sp>
-        <p:nvSpPr>
-          <p:cNvPr id="3" name="Text Placeholder 2"/>
-          <p:cNvSpPr>
-            <a:spLocks noGrp="1"/>
-          </p:cNvSpPr>
-          <p:nvPr>
-            <p:ph type="body" idx="1"/>
+            <a:pPr lvl="0"/>
+            <a:r>
+              <a:rPr lang="en-US" smtClean="0"/>
+              <a:t>Edit Master text styles</a:t>
+            </a:r>
+          </a:p>
+          <a:p>
+            <a:pPr lvl="1"/>
+            <a:r>
+              <a:rPr lang="en-US" smtClean="0"/>
+              <a:t>Second level</a:t>
+            </a:r>
+          </a:p>
+          <a:p>
+            <a:pPr lvl="2"/>
+            <a:r>
+              <a:rPr lang="en-US" smtClean="0"/>
+              <a:t>Third level</a:t>
+            </a:r>
+          </a:p>
+          <a:p>
+            <a:pPr lvl="3"/>
+            <a:r>
+              <a:rPr lang="en-US" smtClean="0"/>
+              <a:t>Fourth level</a:t>
+            </a:r>
+          </a:p>
+          <a:p>
+            <a:pPr lvl="4"/>
+            <a:r>
+              <a:rPr lang="en-US" smtClean="0"/>
+              <a:t>Fifth level</a:t>
+            </a:r>
+            <a:endParaRPr lang="en-US" dirty="0"/>
+          </a:p>
+        </p:txBody>
+      </p:sp>
+      <p:sp>
+        <p:nvSpPr>
+          <p:cNvPr id="4" name="Date Placeholder 3"/>
+          <p:cNvSpPr>
+            <a:spLocks noGrp="1"/>
+          </p:cNvSpPr>
+          <p:nvPr>
+            <p:ph type="dt" sz="half" idx="2"/>
           </p:nvPr>
         </p:nvSpPr>
         <p:spPr>
           <a:xfrm>
-            <a:off x="838200" y="1825625"/>
-            <a:ext cx="10515600" cy="4351338"/>
+            <a:off x="8677501" y="5969000"/>
+            <a:ext cx="1600200" cy="279400"/>
           </a:xfrm>
           <a:prstGeom prst="rect">
             <a:avLst/>
           </a:prstGeom>
         </p:spPr>
         <p:txBody>
-          <a:bodyPr vert="horz" lIns="91440" tIns="45720" rIns="91440" bIns="45720" rtlCol="0">
-            <a:normAutofit/>
-          </a:bodyPr>
-          <a:lstStyle/>
-          <a:p>
-            <a:pPr lvl="0"/>
-            <a:r>
-              <a:rPr lang="en-US" smtClean="0"/>
-              <a:t>Edit Master text styles</a:t>
-            </a:r>
-          </a:p>
-          <a:p>
-            <a:pPr lvl="1"/>
-            <a:r>
-              <a:rPr lang="en-US" smtClean="0"/>
-              <a:t>Second level</a:t>
-            </a:r>
-          </a:p>
-          <a:p>
-            <a:pPr lvl="2"/>
-            <a:r>
-              <a:rPr lang="en-US" smtClean="0"/>
-              <a:t>Third level</a:t>
-            </a:r>
-          </a:p>
-          <a:p>
-            <a:pPr lvl="3"/>
-            <a:r>
-              <a:rPr lang="en-US" smtClean="0"/>
-              <a:t>Fourth level</a:t>
-            </a:r>
-          </a:p>
-          <a:p>
-            <a:pPr lvl="4"/>
-            <a:r>
-              <a:rPr lang="en-US" smtClean="0"/>
-              <a:t>Fifth level</a:t>
-            </a:r>
+          <a:bodyPr vert="horz" lIns="91440" tIns="45720" rIns="91440" bIns="45720" rtlCol="0" anchor="ctr"/>
+          <a:lstStyle>
+            <a:lvl1pPr algn="r">
+              <a:defRPr sz="1000" b="0" i="0">
+                <a:solidFill>
+                  <a:schemeClr val="tx1"/>
+                </a:solidFill>
+                <a:effectLst/>
+                <a:latin typeface="+mn-lt"/>
+              </a:defRPr>
+            </a:lvl1pPr>
+          </a:lstStyle>
+          <a:p>
+            <a:fld id="{3BD97801-303E-4CB9-94CD-95CC1636BC5B}" type="datetimeFigureOut">
+              <a:rPr lang="en-US" smtClean="0"/>
+              <a:t>2/6/2019</a:t>
+            </a:fld>
             <a:endParaRPr lang="en-US"/>
           </a:p>
         </p:txBody>
       </p:sp>
       <p:sp>
         <p:nvSpPr>
-          <p:cNvPr id="4" name="Date Placeholder 3"/>
-          <p:cNvSpPr>
-            <a:spLocks noGrp="1"/>
-          </p:cNvSpPr>
-          <p:nvPr>
-            <p:ph type="dt" sz="half" idx="2"/>
+          <p:cNvPr id="5" name="Footer Placeholder 4"/>
+          <p:cNvSpPr>
+            <a:spLocks noGrp="1"/>
+          </p:cNvSpPr>
+          <p:nvPr>
+            <p:ph type="ftr" sz="quarter" idx="3"/>
           </p:nvPr>
         </p:nvSpPr>
         <p:spPr>
           <a:xfrm>
-            <a:off x="838200" y="6356350"/>
-            <a:ext cx="2743200" cy="365125"/>
+            <a:off x="1295401" y="5969000"/>
+            <a:ext cx="7305900" cy="279400"/>
           </a:xfrm>
           <a:prstGeom prst="rect">
             <a:avLst/>
@@ -3034,38 +5842,34 @@
           <a:bodyPr vert="horz" lIns="91440" tIns="45720" rIns="91440" bIns="45720" rtlCol="0" anchor="ctr"/>
           <a:lstStyle>
             <a:lvl1pPr algn="l">
-              <a:defRPr sz="1200">
-                <a:solidFill>
-                  <a:schemeClr val="tx1">
-                    <a:tint val="75000"/>
-                  </a:schemeClr>
-                </a:solidFill>
+              <a:defRPr sz="1000" b="0" i="0">
+                <a:solidFill>
+                  <a:schemeClr val="tx1"/>
+                </a:solidFill>
+                <a:effectLst/>
+                <a:latin typeface="+mn-lt"/>
               </a:defRPr>
             </a:lvl1pPr>
           </a:lstStyle>
           <a:p>
-            <a:fld id="{3BD97801-303E-4CB9-94CD-95CC1636BC5B}" type="datetimeFigureOut">
-              <a:rPr lang="en-US" smtClean="0"/>
-              <a:t>2/5/2019</a:t>
-            </a:fld>
             <a:endParaRPr lang="en-US"/>
           </a:p>
         </p:txBody>
       </p:sp>
       <p:sp>
         <p:nvSpPr>
-          <p:cNvPr id="5" name="Footer Placeholder 4"/>
-          <p:cNvSpPr>
-            <a:spLocks noGrp="1"/>
-          </p:cNvSpPr>
-          <p:nvPr>
-            <p:ph type="ftr" sz="quarter" idx="3"/>
+          <p:cNvPr id="6" name="Slide Number Placeholder 5"/>
+          <p:cNvSpPr>
+            <a:spLocks noGrp="1"/>
+          </p:cNvSpPr>
+          <p:nvPr>
+            <p:ph type="sldNum" sz="quarter" idx="4"/>
           </p:nvPr>
         </p:nvSpPr>
         <p:spPr>
           <a:xfrm>
-            <a:off x="4038600" y="6356350"/>
-            <a:ext cx="4114800" cy="365125"/>
+            <a:off x="10353901" y="5969000"/>
+            <a:ext cx="542697" cy="279400"/>
           </a:xfrm>
           <a:prstGeom prst="rect">
             <a:avLst/>
@@ -3074,54 +5878,17 @@
         <p:txBody>
           <a:bodyPr vert="horz" lIns="91440" tIns="45720" rIns="91440" bIns="45720" rtlCol="0" anchor="ctr"/>
           <a:lstStyle>
-            <a:lvl1pPr algn="ctr">
-              <a:defRPr sz="1200">
-                <a:solidFill>
-                  <a:schemeClr val="tx1">
-                    <a:tint val="75000"/>
-                  </a:schemeClr>
-                </a:solidFill>
+            <a:lvl1pPr algn="r">
+              <a:defRPr sz="1000" b="0" i="0">
+                <a:solidFill>
+                  <a:schemeClr val="tx1"/>
+                </a:solidFill>
+                <a:effectLst/>
+                <a:latin typeface="+mn-lt"/>
               </a:defRPr>
             </a:lvl1pPr>
           </a:lstStyle>
           <a:p>
-            <a:endParaRPr lang="en-US"/>
-          </a:p>
-        </p:txBody>
-      </p:sp>
-      <p:sp>
-        <p:nvSpPr>
-          <p:cNvPr id="6" name="Slide Number Placeholder 5"/>
-          <p:cNvSpPr>
-            <a:spLocks noGrp="1"/>
-          </p:cNvSpPr>
-          <p:nvPr>
-            <p:ph type="sldNum" sz="quarter" idx="4"/>
-          </p:nvPr>
-        </p:nvSpPr>
-        <p:spPr>
-          <a:xfrm>
-            <a:off x="8610600" y="6356350"/>
-            <a:ext cx="2743200" cy="365125"/>
-          </a:xfrm>
-          <a:prstGeom prst="rect">
-            <a:avLst/>
-          </a:prstGeom>
-        </p:spPr>
-        <p:txBody>
-          <a:bodyPr vert="horz" lIns="91440" tIns="45720" rIns="91440" bIns="45720" rtlCol="0" anchor="ctr"/>
-          <a:lstStyle>
-            <a:lvl1pPr algn="r">
-              <a:defRPr sz="1200">
-                <a:solidFill>
-                  <a:schemeClr val="tx1">
-                    <a:tint val="75000"/>
-                  </a:schemeClr>
-                </a:solidFill>
-              </a:defRPr>
-            </a:lvl1pPr>
-          </a:lstStyle>
-          <a:p>
             <a:fld id="{1F4D0D7F-280F-424B-AC5D-5E0677AFBB03}" type="slidenum">
               <a:rPr lang="en-US" smtClean="0"/>
               <a:t>‹#›</a:t>
@@ -3133,202 +5900,340 @@
     </p:spTree>
     <p:extLst>
       <p:ext uri="{BB962C8B-B14F-4D97-AF65-F5344CB8AC3E}">
-        <p14:creationId xmlns:p14="http://schemas.microsoft.com/office/powerpoint/2010/main" val="1082102090"/>
+        <p14:creationId xmlns:p14="http://schemas.microsoft.com/office/powerpoint/2010/main" val="727899840"/>
       </p:ext>
     </p:extLst>
   </p:cSld>
   <p:clrMap bg1="lt1" tx1="dk1" bg2="lt2" tx2="dk2" accent1="accent1" accent2="accent2" accent3="accent3" accent4="accent4" accent5="accent5" accent6="accent6" hlink="hlink" folHlink="folHlink"/>
   <p:sldLayoutIdLst>
-    <p:sldLayoutId id="2147483649" r:id="rId1"/>
-    <p:sldLayoutId id="2147483650" r:id="rId2"/>
-    <p:sldLayoutId id="2147483651" r:id="rId3"/>
-    <p:sldLayoutId id="2147483652" r:id="rId4"/>
-    <p:sldLayoutId id="2147483653" r:id="rId5"/>
-    <p:sldLayoutId id="2147483654" r:id="rId6"/>
-    <p:sldLayoutId id="2147483655" r:id="rId7"/>
-    <p:sldLayoutId id="2147483656" r:id="rId8"/>
-    <p:sldLayoutId id="2147483657" r:id="rId9"/>
-    <p:sldLayoutId id="2147483658" r:id="rId10"/>
-    <p:sldLayoutId id="2147483659" r:id="rId11"/>
+    <p:sldLayoutId id="2147483661" r:id="rId1"/>
+    <p:sldLayoutId id="2147483662" r:id="rId2"/>
+    <p:sldLayoutId id="2147483663" r:id="rId3"/>
+    <p:sldLayoutId id="2147483664" r:id="rId4"/>
+    <p:sldLayoutId id="2147483665" r:id="rId5"/>
+    <p:sldLayoutId id="2147483666" r:id="rId6"/>
+    <p:sldLayoutId id="2147483667" r:id="rId7"/>
+    <p:sldLayoutId id="2147483668" r:id="rId8"/>
+    <p:sldLayoutId id="2147483669" r:id="rId9"/>
+    <p:sldLayoutId id="2147483670" r:id="rId10"/>
+    <p:sldLayoutId id="2147483671" r:id="rId11"/>
+    <p:sldLayoutId id="2147483672" r:id="rId12"/>
+    <p:sldLayoutId id="2147483673" r:id="rId13"/>
+    <p:sldLayoutId id="2147483674" r:id="rId14"/>
+    <p:sldLayoutId id="2147483675" r:id="rId15"/>
+    <p:sldLayoutId id="2147483676" r:id="rId16"/>
+    <p:sldLayoutId id="2147483677" r:id="rId17"/>
   </p:sldLayoutIdLst>
   <p:txStyles>
     <p:titleStyle>
-      <a:lvl1pPr algn="l" defTabSz="914400" rtl="0" eaLnBrk="1" latinLnBrk="0" hangingPunct="1">
-        <a:lnSpc>
-          <a:spcPct val="90000"/>
-        </a:lnSpc>
+      <a:lvl1pPr algn="ctr" defTabSz="457200" rtl="0" eaLnBrk="1" latinLnBrk="0" hangingPunct="1">
         <a:spcBef>
           <a:spcPct val="0"/>
         </a:spcBef>
         <a:buNone/>
-        <a:defRPr sz="4400" kern="1200">
+        <a:defRPr sz="4400" kern="1200" cap="none">
+          <a:ln w="3175" cmpd="sng">
+            <a:noFill/>
+          </a:ln>
           <a:solidFill>
-            <a:schemeClr val="tx1"/>
+            <a:schemeClr val="tx1">
+              <a:lumMod val="85000"/>
+              <a:lumOff val="15000"/>
+            </a:schemeClr>
           </a:solidFill>
+          <a:effectLst/>
           <a:latin typeface="+mj-lt"/>
           <a:ea typeface="+mj-ea"/>
           <a:cs typeface="+mj-cs"/>
         </a:defRPr>
       </a:lvl1pPr>
+      <a:lvl2pPr eaLnBrk="1" hangingPunct="1">
+        <a:defRPr>
+          <a:solidFill>
+            <a:schemeClr val="tx2"/>
+          </a:solidFill>
+        </a:defRPr>
+      </a:lvl2pPr>
+      <a:lvl3pPr eaLnBrk="1" hangingPunct="1">
+        <a:defRPr>
+          <a:solidFill>
+            <a:schemeClr val="tx2"/>
+          </a:solidFill>
+        </a:defRPr>
+      </a:lvl3pPr>
+      <a:lvl4pPr eaLnBrk="1" hangingPunct="1">
+        <a:defRPr>
+          <a:solidFill>
+            <a:schemeClr val="tx2"/>
+          </a:solidFill>
+        </a:defRPr>
+      </a:lvl4pPr>
+      <a:lvl5pPr eaLnBrk="1" hangingPunct="1">
+        <a:defRPr>
+          <a:solidFill>
+            <a:schemeClr val="tx2"/>
+          </a:solidFill>
+        </a:defRPr>
+      </a:lvl5pPr>
+      <a:lvl6pPr eaLnBrk="1" hangingPunct="1">
+        <a:defRPr>
+          <a:solidFill>
+            <a:schemeClr val="tx2"/>
+          </a:solidFill>
+        </a:defRPr>
+      </a:lvl6pPr>
+      <a:lvl7pPr eaLnBrk="1" hangingPunct="1">
+        <a:defRPr>
+          <a:solidFill>
+            <a:schemeClr val="tx2"/>
+          </a:solidFill>
+        </a:defRPr>
+      </a:lvl7pPr>
+      <a:lvl8pPr eaLnBrk="1" hangingPunct="1">
+        <a:defRPr>
+          <a:solidFill>
+            <a:schemeClr val="tx2"/>
+          </a:solidFill>
+        </a:defRPr>
+      </a:lvl8pPr>
+      <a:lvl9pPr eaLnBrk="1" hangingPunct="1">
+        <a:defRPr>
+          <a:solidFill>
+            <a:schemeClr val="tx2"/>
+          </a:solidFill>
+        </a:defRPr>
+      </a:lvl9pPr>
     </p:titleStyle>
     <p:bodyStyle>
-      <a:lvl1pPr marL="228600" indent="-228600" algn="l" defTabSz="914400" rtl="0" eaLnBrk="1" latinLnBrk="0" hangingPunct="1">
-        <a:lnSpc>
-          <a:spcPct val="90000"/>
-        </a:lnSpc>
+      <a:lvl1pPr marL="285750" indent="-285750" algn="l" defTabSz="457200" rtl="0" eaLnBrk="1" latinLnBrk="0" hangingPunct="1">
         <a:spcBef>
-          <a:spcPts val="1000"/>
+          <a:spcPct val="20000"/>
         </a:spcBef>
-        <a:buFont typeface="Arial" panose="020B0604020202020204" pitchFamily="34" charset="0"/>
+        <a:spcAft>
+          <a:spcPts val="600"/>
+        </a:spcAft>
+        <a:buClr>
+          <a:schemeClr val="accent1"/>
+        </a:buClr>
+        <a:buSzPct val="115000"/>
+        <a:buFont typeface="Arial"/>
         <a:buChar char="•"/>
-        <a:defRPr sz="2800" kern="1200">
+        <a:defRPr sz="2400" kern="1200" cap="none">
           <a:solidFill>
-            <a:schemeClr val="tx1"/>
+            <a:schemeClr val="tx1">
+              <a:lumMod val="85000"/>
+              <a:lumOff val="15000"/>
+            </a:schemeClr>
           </a:solidFill>
+          <a:effectLst/>
           <a:latin typeface="+mn-lt"/>
           <a:ea typeface="+mn-ea"/>
           <a:cs typeface="+mn-cs"/>
         </a:defRPr>
       </a:lvl1pPr>
-      <a:lvl2pPr marL="685800" indent="-228600" algn="l" defTabSz="914400" rtl="0" eaLnBrk="1" latinLnBrk="0" hangingPunct="1">
-        <a:lnSpc>
-          <a:spcPct val="90000"/>
-        </a:lnSpc>
+      <a:lvl2pPr marL="742950" indent="-285750" algn="l" defTabSz="457200" rtl="0" eaLnBrk="1" latinLnBrk="0" hangingPunct="1">
         <a:spcBef>
-          <a:spcPts val="500"/>
+          <a:spcPct val="20000"/>
         </a:spcBef>
-        <a:buFont typeface="Arial" panose="020B0604020202020204" pitchFamily="34" charset="0"/>
+        <a:spcAft>
+          <a:spcPts val="600"/>
+        </a:spcAft>
+        <a:buClr>
+          <a:schemeClr val="accent1"/>
+        </a:buClr>
+        <a:buSzPct val="115000"/>
+        <a:buFont typeface="Arial"/>
         <a:buChar char="•"/>
-        <a:defRPr sz="2400" kern="1200">
+        <a:defRPr sz="2000" kern="1200" cap="none">
           <a:solidFill>
-            <a:schemeClr val="tx1"/>
+            <a:schemeClr val="tx1">
+              <a:lumMod val="85000"/>
+              <a:lumOff val="15000"/>
+            </a:schemeClr>
           </a:solidFill>
+          <a:effectLst/>
           <a:latin typeface="+mn-lt"/>
           <a:ea typeface="+mn-ea"/>
           <a:cs typeface="+mn-cs"/>
         </a:defRPr>
       </a:lvl2pPr>
-      <a:lvl3pPr marL="1143000" indent="-228600" algn="l" defTabSz="914400" rtl="0" eaLnBrk="1" latinLnBrk="0" hangingPunct="1">
-        <a:lnSpc>
-          <a:spcPct val="90000"/>
-        </a:lnSpc>
+      <a:lvl3pPr marL="1200150" indent="-285750" algn="l" defTabSz="457200" rtl="0" eaLnBrk="1" latinLnBrk="0" hangingPunct="1">
         <a:spcBef>
-          <a:spcPts val="500"/>
+          <a:spcPct val="20000"/>
         </a:spcBef>
-        <a:buFont typeface="Arial" panose="020B0604020202020204" pitchFamily="34" charset="0"/>
+        <a:spcAft>
+          <a:spcPts val="600"/>
+        </a:spcAft>
+        <a:buClr>
+          <a:schemeClr val="accent1"/>
+        </a:buClr>
+        <a:buSzPct val="115000"/>
+        <a:buFont typeface="Arial"/>
         <a:buChar char="•"/>
-        <a:defRPr sz="2000" kern="1200">
+        <a:defRPr sz="1800" kern="1200" cap="none">
           <a:solidFill>
-            <a:schemeClr val="tx1"/>
+            <a:schemeClr val="tx1">
+              <a:lumMod val="85000"/>
+              <a:lumOff val="15000"/>
+            </a:schemeClr>
           </a:solidFill>
+          <a:effectLst/>
           <a:latin typeface="+mn-lt"/>
           <a:ea typeface="+mn-ea"/>
           <a:cs typeface="+mn-cs"/>
         </a:defRPr>
       </a:lvl3pPr>
-      <a:lvl4pPr marL="1600200" indent="-228600" algn="l" defTabSz="914400" rtl="0" eaLnBrk="1" latinLnBrk="0" hangingPunct="1">
-        <a:lnSpc>
-          <a:spcPct val="90000"/>
-        </a:lnSpc>
+      <a:lvl4pPr marL="1543050" indent="-171450" algn="l" defTabSz="457200" rtl="0" eaLnBrk="1" latinLnBrk="0" hangingPunct="1">
         <a:spcBef>
-          <a:spcPts val="500"/>
+          <a:spcPct val="20000"/>
         </a:spcBef>
-        <a:buFont typeface="Arial" panose="020B0604020202020204" pitchFamily="34" charset="0"/>
+        <a:spcAft>
+          <a:spcPts val="600"/>
+        </a:spcAft>
+        <a:buClr>
+          <a:schemeClr val="accent1"/>
+        </a:buClr>
+        <a:buSzPct val="115000"/>
+        <a:buFont typeface="Arial"/>
         <a:buChar char="•"/>
-        <a:defRPr sz="1800" kern="1200">
+        <a:defRPr sz="1600" kern="1200" cap="none">
           <a:solidFill>
-            <a:schemeClr val="tx1"/>
+            <a:schemeClr val="tx1">
+              <a:lumMod val="85000"/>
+              <a:lumOff val="15000"/>
+            </a:schemeClr>
           </a:solidFill>
+          <a:effectLst/>
           <a:latin typeface="+mn-lt"/>
           <a:ea typeface="+mn-ea"/>
           <a:cs typeface="+mn-cs"/>
         </a:defRPr>
       </a:lvl4pPr>
-      <a:lvl5pPr marL="2057400" indent="-228600" algn="l" defTabSz="914400" rtl="0" eaLnBrk="1" latinLnBrk="0" hangingPunct="1">
-        <a:lnSpc>
-          <a:spcPct val="90000"/>
-        </a:lnSpc>
+      <a:lvl5pPr marL="2000250" indent="-171450" algn="l" defTabSz="457200" rtl="0" eaLnBrk="1" latinLnBrk="0" hangingPunct="1">
         <a:spcBef>
-          <a:spcPts val="500"/>
+          <a:spcPct val="20000"/>
         </a:spcBef>
-        <a:buFont typeface="Arial" panose="020B0604020202020204" pitchFamily="34" charset="0"/>
+        <a:spcAft>
+          <a:spcPts val="600"/>
+        </a:spcAft>
+        <a:buClr>
+          <a:schemeClr val="accent1"/>
+        </a:buClr>
+        <a:buSzPct val="115000"/>
+        <a:buFont typeface="Arial"/>
         <a:buChar char="•"/>
-        <a:defRPr sz="1800" kern="1200">
+        <a:defRPr sz="1400" kern="1200" cap="none">
           <a:solidFill>
-            <a:schemeClr val="tx1"/>
+            <a:schemeClr val="tx1">
+              <a:lumMod val="85000"/>
+              <a:lumOff val="15000"/>
+            </a:schemeClr>
           </a:solidFill>
+          <a:effectLst/>
           <a:latin typeface="+mn-lt"/>
           <a:ea typeface="+mn-ea"/>
           <a:cs typeface="+mn-cs"/>
         </a:defRPr>
       </a:lvl5pPr>
-      <a:lvl6pPr marL="2514600" indent="-228600" algn="l" defTabSz="914400" rtl="0" eaLnBrk="1" latinLnBrk="0" hangingPunct="1">
-        <a:lnSpc>
-          <a:spcPct val="90000"/>
-        </a:lnSpc>
+      <a:lvl6pPr marL="2514600" indent="-228600" algn="l" defTabSz="457200" rtl="0" eaLnBrk="1" latinLnBrk="0" hangingPunct="1">
         <a:spcBef>
-          <a:spcPts val="500"/>
+          <a:spcPct val="20000"/>
         </a:spcBef>
-        <a:buFont typeface="Arial" panose="020B0604020202020204" pitchFamily="34" charset="0"/>
+        <a:spcAft>
+          <a:spcPts val="600"/>
+        </a:spcAft>
+        <a:buClr>
+          <a:schemeClr val="accent1"/>
+        </a:buClr>
+        <a:buSzPct val="115000"/>
+        <a:buFont typeface="Arial"/>
         <a:buChar char="•"/>
-        <a:defRPr sz="1800" kern="1200">
+        <a:defRPr sz="1400" kern="1200" cap="none">
           <a:solidFill>
-            <a:schemeClr val="tx1"/>
+            <a:schemeClr val="tx1">
+              <a:lumMod val="85000"/>
+              <a:lumOff val="15000"/>
+            </a:schemeClr>
           </a:solidFill>
+          <a:effectLst/>
           <a:latin typeface="+mn-lt"/>
           <a:ea typeface="+mn-ea"/>
           <a:cs typeface="+mn-cs"/>
         </a:defRPr>
       </a:lvl6pPr>
-      <a:lvl7pPr marL="2971800" indent="-228600" algn="l" defTabSz="914400" rtl="0" eaLnBrk="1" latinLnBrk="0" hangingPunct="1">
-        <a:lnSpc>
-          <a:spcPct val="90000"/>
-        </a:lnSpc>
+      <a:lvl7pPr marL="2971800" indent="-228600" algn="l" defTabSz="457200" rtl="0" eaLnBrk="1" latinLnBrk="0" hangingPunct="1">
         <a:spcBef>
-          <a:spcPts val="500"/>
+          <a:spcPct val="20000"/>
         </a:spcBef>
-        <a:buFont typeface="Arial" panose="020B0604020202020204" pitchFamily="34" charset="0"/>
+        <a:spcAft>
+          <a:spcPts val="600"/>
+        </a:spcAft>
+        <a:buClr>
+          <a:schemeClr val="accent1"/>
+        </a:buClr>
+        <a:buSzPct val="115000"/>
+        <a:buFont typeface="Arial"/>
         <a:buChar char="•"/>
-        <a:defRPr sz="1800" kern="1200">
+        <a:defRPr sz="1400" kern="1200" cap="none">
           <a:solidFill>
-            <a:schemeClr val="tx1"/>
+            <a:schemeClr val="tx1">
+              <a:lumMod val="85000"/>
+              <a:lumOff val="15000"/>
+            </a:schemeClr>
           </a:solidFill>
+          <a:effectLst/>
           <a:latin typeface="+mn-lt"/>
           <a:ea typeface="+mn-ea"/>
           <a:cs typeface="+mn-cs"/>
         </a:defRPr>
       </a:lvl7pPr>
-      <a:lvl8pPr marL="3429000" indent="-228600" algn="l" defTabSz="914400" rtl="0" eaLnBrk="1" latinLnBrk="0" hangingPunct="1">
-        <a:lnSpc>
-          <a:spcPct val="90000"/>
-        </a:lnSpc>
+      <a:lvl8pPr marL="3429000" indent="-228600" algn="l" defTabSz="457200" rtl="0" eaLnBrk="1" latinLnBrk="0" hangingPunct="1">
         <a:spcBef>
-          <a:spcPts val="500"/>
+          <a:spcPct val="20000"/>
         </a:spcBef>
-        <a:buFont typeface="Arial" panose="020B0604020202020204" pitchFamily="34" charset="0"/>
+        <a:spcAft>
+          <a:spcPts val="600"/>
+        </a:spcAft>
+        <a:buClr>
+          <a:schemeClr val="accent1"/>
+        </a:buClr>
+        <a:buSzPct val="115000"/>
+        <a:buFont typeface="Arial"/>
         <a:buChar char="•"/>
-        <a:defRPr sz="1800" kern="1200">
+        <a:defRPr sz="1400" kern="1200" cap="none">
           <a:solidFill>
-            <a:schemeClr val="tx1"/>
+            <a:schemeClr val="tx1">
+              <a:lumMod val="85000"/>
+              <a:lumOff val="15000"/>
+            </a:schemeClr>
           </a:solidFill>
+          <a:effectLst/>
           <a:latin typeface="+mn-lt"/>
           <a:ea typeface="+mn-ea"/>
           <a:cs typeface="+mn-cs"/>
         </a:defRPr>
       </a:lvl8pPr>
-      <a:lvl9pPr marL="3886200" indent="-228600" algn="l" defTabSz="914400" rtl="0" eaLnBrk="1" latinLnBrk="0" hangingPunct="1">
-        <a:lnSpc>
-          <a:spcPct val="90000"/>
-        </a:lnSpc>
+      <a:lvl9pPr marL="3886200" indent="-228600" algn="l" defTabSz="457200" rtl="0" eaLnBrk="1" latinLnBrk="0" hangingPunct="1">
         <a:spcBef>
-          <a:spcPts val="500"/>
+          <a:spcPct val="20000"/>
         </a:spcBef>
-        <a:buFont typeface="Arial" panose="020B0604020202020204" pitchFamily="34" charset="0"/>
+        <a:spcAft>
+          <a:spcPts val="600"/>
+        </a:spcAft>
+        <a:buClr>
+          <a:schemeClr val="accent1"/>
+        </a:buClr>
+        <a:buSzPct val="115000"/>
+        <a:buFont typeface="Arial"/>
         <a:buChar char="•"/>
-        <a:defRPr sz="1800" kern="1200">
+        <a:defRPr sz="1400" kern="1200" cap="none">
           <a:solidFill>
-            <a:schemeClr val="tx1"/>
+            <a:schemeClr val="tx1">
+              <a:lumMod val="85000"/>
+              <a:lumOff val="15000"/>
+            </a:schemeClr>
           </a:solidFill>
+          <a:effectLst/>
           <a:latin typeface="+mn-lt"/>
           <a:ea typeface="+mn-ea"/>
           <a:cs typeface="+mn-cs"/>
@@ -3339,7 +6244,7 @@
       <a:defPPr>
         <a:defRPr lang="en-US"/>
       </a:defPPr>
-      <a:lvl1pPr marL="0" algn="l" defTabSz="914400" rtl="0" eaLnBrk="1" latinLnBrk="0" hangingPunct="1">
+      <a:lvl1pPr marL="0" algn="l" defTabSz="457200" rtl="0" eaLnBrk="1" latinLnBrk="0" hangingPunct="1">
         <a:defRPr sz="1800" kern="1200">
           <a:solidFill>
             <a:schemeClr val="tx1"/>
@@ -3349,7 +6254,7 @@
           <a:cs typeface="+mn-cs"/>
         </a:defRPr>
       </a:lvl1pPr>
-      <a:lvl2pPr marL="457200" algn="l" defTabSz="914400" rtl="0" eaLnBrk="1" latinLnBrk="0" hangingPunct="1">
+      <a:lvl2pPr marL="457200" algn="l" defTabSz="457200" rtl="0" eaLnBrk="1" latinLnBrk="0" hangingPunct="1">
         <a:defRPr sz="1800" kern="1200">
           <a:solidFill>
             <a:schemeClr val="tx1"/>
@@ -3359,7 +6264,7 @@
           <a:cs typeface="+mn-cs"/>
         </a:defRPr>
       </a:lvl2pPr>
-      <a:lvl3pPr marL="914400" algn="l" defTabSz="914400" rtl="0" eaLnBrk="1" latinLnBrk="0" hangingPunct="1">
+      <a:lvl3pPr marL="914400" algn="l" defTabSz="457200" rtl="0" eaLnBrk="1" latinLnBrk="0" hangingPunct="1">
         <a:defRPr sz="1800" kern="1200">
           <a:solidFill>
             <a:schemeClr val="tx1"/>
@@ -3369,7 +6274,7 @@
           <a:cs typeface="+mn-cs"/>
         </a:defRPr>
       </a:lvl3pPr>
-      <a:lvl4pPr marL="1371600" algn="l" defTabSz="914400" rtl="0" eaLnBrk="1" latinLnBrk="0" hangingPunct="1">
+      <a:lvl4pPr marL="1371600" algn="l" defTabSz="457200" rtl="0" eaLnBrk="1" latinLnBrk="0" hangingPunct="1">
         <a:defRPr sz="1800" kern="1200">
           <a:solidFill>
             <a:schemeClr val="tx1"/>
@@ -3379,7 +6284,7 @@
           <a:cs typeface="+mn-cs"/>
         </a:defRPr>
       </a:lvl4pPr>
-      <a:lvl5pPr marL="1828800" algn="l" defTabSz="914400" rtl="0" eaLnBrk="1" latinLnBrk="0" hangingPunct="1">
+      <a:lvl5pPr marL="1828800" algn="l" defTabSz="457200" rtl="0" eaLnBrk="1" latinLnBrk="0" hangingPunct="1">
         <a:defRPr sz="1800" kern="1200">
           <a:solidFill>
             <a:schemeClr val="tx1"/>
@@ -3389,7 +6294,7 @@
           <a:cs typeface="+mn-cs"/>
         </a:defRPr>
       </a:lvl5pPr>
-      <a:lvl6pPr marL="2286000" algn="l" defTabSz="914400" rtl="0" eaLnBrk="1" latinLnBrk="0" hangingPunct="1">
+      <a:lvl6pPr marL="2286000" algn="l" defTabSz="457200" rtl="0" eaLnBrk="1" latinLnBrk="0" hangingPunct="1">
         <a:defRPr sz="1800" kern="1200">
           <a:solidFill>
             <a:schemeClr val="tx1"/>
@@ -3399,7 +6304,7 @@
           <a:cs typeface="+mn-cs"/>
         </a:defRPr>
       </a:lvl6pPr>
-      <a:lvl7pPr marL="2743200" algn="l" defTabSz="914400" rtl="0" eaLnBrk="1" latinLnBrk="0" hangingPunct="1">
+      <a:lvl7pPr marL="2743200" algn="l" defTabSz="457200" rtl="0" eaLnBrk="1" latinLnBrk="0" hangingPunct="1">
         <a:defRPr sz="1800" kern="1200">
           <a:solidFill>
             <a:schemeClr val="tx1"/>
@@ -3409,7 +6314,7 @@
           <a:cs typeface="+mn-cs"/>
         </a:defRPr>
       </a:lvl7pPr>
-      <a:lvl8pPr marL="3200400" algn="l" defTabSz="914400" rtl="0" eaLnBrk="1" latinLnBrk="0" hangingPunct="1">
+      <a:lvl8pPr marL="3200400" algn="l" defTabSz="457200" rtl="0" eaLnBrk="1" latinLnBrk="0" hangingPunct="1">
         <a:defRPr sz="1800" kern="1200">
           <a:solidFill>
             <a:schemeClr val="tx1"/>
@@ -3419,7 +6324,7 @@
           <a:cs typeface="+mn-cs"/>
         </a:defRPr>
       </a:lvl8pPr>
-      <a:lvl9pPr marL="3657600" algn="l" defTabSz="914400" rtl="0" eaLnBrk="1" latinLnBrk="0" hangingPunct="1">
+      <a:lvl9pPr marL="3657600" algn="l" defTabSz="457200" rtl="0" eaLnBrk="1" latinLnBrk="0" hangingPunct="1">
         <a:defRPr sz="1800" kern="1200">
           <a:solidFill>
             <a:schemeClr val="tx1"/>
@@ -3463,13 +6368,13 @@
         </p:nvSpPr>
         <p:spPr>
           <a:xfrm>
-            <a:off x="1301931" y="299403"/>
-            <a:ext cx="9144000" cy="2387600"/>
+            <a:off x="1953490" y="1005984"/>
+            <a:ext cx="8326583" cy="2387600"/>
           </a:xfrm>
         </p:spPr>
         <p:txBody>
           <a:bodyPr>
-            <a:normAutofit fontScale="90000"/>
+            <a:normAutofit/>
           </a:bodyPr>
           <a:lstStyle/>
           <a:p>
@@ -3529,7 +6434,9 @@
         </p:nvSpPr>
         <p:spPr/>
         <p:txBody>
-          <a:bodyPr/>
+          <a:bodyPr>
+            <a:normAutofit fontScale="92500" lnSpcReduction="10000"/>
+          </a:bodyPr>
           <a:lstStyle/>
           <a:p>
             <a:pPr marL="0" lvl="0" indent="0" hangingPunct="0">
@@ -4133,17 +7040,19 @@
         </p:nvSpPr>
         <p:spPr/>
         <p:txBody>
-          <a:bodyPr/>
-          <a:lstStyle/>
-          <a:p>
-            <a:pPr marL="342900" indent="-342900"/>
+          <a:bodyPr>
+            <a:normAutofit lnSpcReduction="10000"/>
+          </a:bodyPr>
+          <a:lstStyle/>
+          <a:p>
+            <a:pPr marL="342900" indent="-342900" algn="just"/>
             <a:r>
               <a:rPr lang="en-US" dirty="0" smtClean="0"/>
               <a:t>An inline style loses many of the advantages of style sheets by mixing content with presentation. Use this method sparingly!</a:t>
             </a:r>
           </a:p>
           <a:p>
-            <a:pPr marL="342900" indent="-342900"/>
+            <a:pPr marL="342900" indent="-342900" algn="just"/>
             <a:r>
               <a:rPr lang="en-US" dirty="0" smtClean="0"/>
               <a:t>To use inline styles you use the style attribute in the relevant tag. The style attribute can contain any CSS property. The example shows how to change the color and the left margin of a paragraph</a:t>
@@ -4291,7 +7200,9 @@
         </p:nvSpPr>
         <p:spPr/>
         <p:txBody>
-          <a:bodyPr/>
+          <a:bodyPr>
+            <a:normAutofit fontScale="92500" lnSpcReduction="10000"/>
+          </a:bodyPr>
           <a:lstStyle/>
           <a:p>
             <a:pPr lvl="0">
@@ -4472,10 +7383,12 @@
         </p:nvSpPr>
         <p:spPr/>
         <p:txBody>
-          <a:bodyPr/>
-          <a:lstStyle/>
-          <a:p>
-            <a:pPr lvl="0">
+          <a:bodyPr>
+            <a:normAutofit lnSpcReduction="10000"/>
+          </a:bodyPr>
+          <a:lstStyle/>
+          <a:p>
+            <a:pPr lvl="0" algn="just">
               <a:spcBef>
                 <a:spcPts val="439"/>
               </a:spcBef>
@@ -4669,8 +7582,8 @@
         </p:nvSpPr>
         <p:spPr>
           <a:xfrm>
-            <a:off x="838200" y="1502229"/>
-            <a:ext cx="10515600" cy="4674734"/>
+            <a:off x="1025236" y="2535381"/>
+            <a:ext cx="10328563" cy="3641581"/>
           </a:xfrm>
         </p:spPr>
         <p:txBody>
@@ -4883,505 +7796,19 @@
       <p:sp>
         <p:nvSpPr>
           <p:cNvPr id="2" name="Title 1"/>
-          <p:cNvSpPr>
-            <a:spLocks noGrp="1"/>
-          </p:cNvSpPr>
-          <p:nvPr>
-            <p:ph type="title"/>
-          </p:nvPr>
-        </p:nvSpPr>
-        <p:spPr/>
-        <p:txBody>
-          <a:bodyPr/>
-          <a:lstStyle/>
-          <a:p>
-            <a:r>
-              <a:rPr lang="en-US" dirty="0"/>
-              <a:t>Advantages</a:t>
-            </a:r>
-          </a:p>
-        </p:txBody>
-      </p:sp>
-      <p:sp>
-        <p:nvSpPr>
-          <p:cNvPr id="3" name="Content Placeholder 2"/>
-          <p:cNvSpPr>
-            <a:spLocks noGrp="1"/>
-          </p:cNvSpPr>
-          <p:nvPr>
-            <p:ph idx="1"/>
-          </p:nvPr>
-        </p:nvSpPr>
-        <p:spPr/>
-        <p:txBody>
-          <a:bodyPr/>
-          <a:lstStyle/>
-          <a:p>
-            <a:pPr marL="0" lvl="0" indent="0" hangingPunct="0">
-              <a:lnSpc>
-                <a:spcPct val="100000"/>
-              </a:lnSpc>
-              <a:spcBef>
-                <a:spcPts val="0"/>
-              </a:spcBef>
-              <a:buNone/>
-            </a:pPr>
-            <a:r>
-              <a:rPr lang="en-US" b="1" dirty="0">
-                <a:latin typeface="Arial" pitchFamily="18"/>
-                <a:ea typeface="Microsoft YaHei" pitchFamily="2"/>
-                <a:cs typeface="Mangal" pitchFamily="2"/>
-              </a:rPr>
-              <a:t>CSS Saves a Lot of Work</a:t>
-            </a:r>
-            <a:r>
-              <a:rPr lang="en-US" b="1" dirty="0" smtClean="0">
-                <a:latin typeface="Arial" pitchFamily="18"/>
-                <a:ea typeface="Microsoft YaHei" pitchFamily="2"/>
-                <a:cs typeface="Mangal" pitchFamily="2"/>
-              </a:rPr>
-              <a:t>!</a:t>
-            </a:r>
-          </a:p>
-          <a:p>
-            <a:pPr marL="0" lvl="0" indent="0" hangingPunct="0">
-              <a:lnSpc>
-                <a:spcPct val="100000"/>
-              </a:lnSpc>
-              <a:spcBef>
-                <a:spcPts val="0"/>
-              </a:spcBef>
-              <a:buNone/>
-            </a:pPr>
-            <a:endParaRPr lang="en-US" b="1" dirty="0">
-              <a:latin typeface="Arial" pitchFamily="18"/>
-              <a:ea typeface="Microsoft YaHei" pitchFamily="2"/>
-              <a:cs typeface="Mangal" pitchFamily="2"/>
-            </a:endParaRPr>
-          </a:p>
-        </p:txBody>
-      </p:sp>
-      <p:sp>
-        <p:nvSpPr>
-          <p:cNvPr id="4" name="TextBox 3"/>
-          <p:cNvSpPr txBox="1"/>
-          <p:nvPr/>
+          <p:cNvSpPr txBox="1">
+            <a:spLocks noGrp="1"/>
+          </p:cNvSpPr>
+          <p:nvPr>
+            <p:ph type="title" idx="4294967295"/>
+          </p:nvPr>
         </p:nvSpPr>
         <p:spPr>
           <a:xfrm>
-            <a:off x="838200" y="2583129"/>
-            <a:ext cx="8338863" cy="3807281"/>
+            <a:off x="0" y="365125"/>
+            <a:ext cx="10515600" cy="1325563"/>
           </a:xfrm>
-          <a:prstGeom prst="rect">
-            <a:avLst/>
-          </a:prstGeom>
-          <a:noFill/>
-          <a:ln>
-            <a:noFill/>
-          </a:ln>
         </p:spPr>
-        <p:txBody>
-          <a:bodyPr vert="horz" wrap="none" lIns="90000" tIns="45000" rIns="90000" bIns="45000" anchorCtr="0" compatLnSpc="0">
-            <a:spAutoFit/>
-          </a:bodyPr>
-          <a:lstStyle/>
-          <a:p>
-            <a:pPr marL="0" marR="0" lvl="0" indent="0" rtl="0" hangingPunct="0">
-              <a:lnSpc>
-                <a:spcPct val="100000"/>
-              </a:lnSpc>
-              <a:spcBef>
-                <a:spcPts val="0"/>
-              </a:spcBef>
-              <a:spcAft>
-                <a:spcPts val="0"/>
-              </a:spcAft>
-              <a:buNone/>
-              <a:tabLst/>
-            </a:pPr>
-            <a:r>
-              <a:rPr lang="en-US" sz="1800" b="0" i="0" u="none" strike="noStrike" kern="1200" dirty="0">
-                <a:ln>
-                  <a:noFill/>
-                </a:ln>
-                <a:latin typeface="Arial" pitchFamily="18"/>
-                <a:ea typeface="Microsoft YaHei" pitchFamily="2"/>
-                <a:cs typeface="Mangal" pitchFamily="2"/>
-              </a:rPr>
-              <a:t>CSS defines HOW HTML elements are to be displayed.</a:t>
-            </a:r>
-          </a:p>
-          <a:p>
-            <a:pPr marL="0" marR="0" lvl="0" indent="0" rtl="0" hangingPunct="0">
-              <a:lnSpc>
-                <a:spcPct val="100000"/>
-              </a:lnSpc>
-              <a:spcBef>
-                <a:spcPts val="0"/>
-              </a:spcBef>
-              <a:spcAft>
-                <a:spcPts val="0"/>
-              </a:spcAft>
-              <a:buNone/>
-              <a:tabLst/>
-            </a:pPr>
-            <a:endParaRPr lang="en-US" sz="1800" b="0" i="0" u="none" strike="noStrike" kern="1200" dirty="0">
-              <a:ln>
-                <a:noFill/>
-              </a:ln>
-              <a:latin typeface="Arial" pitchFamily="18"/>
-              <a:ea typeface="Microsoft YaHei" pitchFamily="2"/>
-              <a:cs typeface="Mangal" pitchFamily="2"/>
-            </a:endParaRPr>
-          </a:p>
-          <a:p>
-            <a:pPr marL="0" marR="0" lvl="0" indent="0" rtl="0" hangingPunct="0">
-              <a:lnSpc>
-                <a:spcPct val="100000"/>
-              </a:lnSpc>
-              <a:spcBef>
-                <a:spcPts val="0"/>
-              </a:spcBef>
-              <a:spcAft>
-                <a:spcPts val="0"/>
-              </a:spcAft>
-              <a:buNone/>
-              <a:tabLst/>
-            </a:pPr>
-            <a:r>
-              <a:rPr lang="en-US" sz="1800" b="0" i="0" u="none" strike="noStrike" kern="1200" dirty="0">
-                <a:ln>
-                  <a:noFill/>
-                </a:ln>
-                <a:latin typeface="Arial" pitchFamily="18"/>
-                <a:ea typeface="Microsoft YaHei" pitchFamily="2"/>
-                <a:cs typeface="Mangal" pitchFamily="2"/>
-              </a:rPr>
-              <a:t>Styles are normally saved in external .</a:t>
-            </a:r>
-            <a:r>
-              <a:rPr lang="en-US" sz="1800" b="0" i="0" u="none" strike="noStrike" kern="1200" dirty="0" err="1">
-                <a:ln>
-                  <a:noFill/>
-                </a:ln>
-                <a:latin typeface="Arial" pitchFamily="18"/>
-                <a:ea typeface="Microsoft YaHei" pitchFamily="2"/>
-                <a:cs typeface="Mangal" pitchFamily="2"/>
-              </a:rPr>
-              <a:t>css</a:t>
-            </a:r>
-            <a:r>
-              <a:rPr lang="en-US" sz="1800" b="0" i="0" u="none" strike="noStrike" kern="1200" dirty="0">
-                <a:ln>
-                  <a:noFill/>
-                </a:ln>
-                <a:latin typeface="Arial" pitchFamily="18"/>
-                <a:ea typeface="Microsoft YaHei" pitchFamily="2"/>
-                <a:cs typeface="Mangal" pitchFamily="2"/>
-              </a:rPr>
-              <a:t> files. External style sheets </a:t>
-            </a:r>
-            <a:r>
-              <a:rPr lang="en-US" sz="1800" b="0" i="0" u="none" strike="noStrike" kern="1200" dirty="0" smtClean="0">
-                <a:ln>
-                  <a:noFill/>
-                </a:ln>
-                <a:latin typeface="Arial" pitchFamily="18"/>
-                <a:ea typeface="Microsoft YaHei" pitchFamily="2"/>
-                <a:cs typeface="Mangal" pitchFamily="2"/>
-              </a:rPr>
-              <a:t/>
-            </a:r>
-            <a:br>
-              <a:rPr lang="en-US" sz="1800" b="0" i="0" u="none" strike="noStrike" kern="1200" dirty="0" smtClean="0">
-                <a:ln>
-                  <a:noFill/>
-                </a:ln>
-                <a:latin typeface="Arial" pitchFamily="18"/>
-                <a:ea typeface="Microsoft YaHei" pitchFamily="2"/>
-                <a:cs typeface="Mangal" pitchFamily="2"/>
-              </a:rPr>
-            </a:br>
-            <a:r>
-              <a:rPr lang="en-US" sz="1800" b="0" i="0" u="none" strike="noStrike" kern="1200" dirty="0" smtClean="0">
-                <a:ln>
-                  <a:noFill/>
-                </a:ln>
-                <a:latin typeface="Arial" pitchFamily="18"/>
-                <a:ea typeface="Microsoft YaHei" pitchFamily="2"/>
-                <a:cs typeface="Mangal" pitchFamily="2"/>
-              </a:rPr>
-              <a:t>enable </a:t>
-            </a:r>
-            <a:r>
-              <a:rPr lang="en-US" sz="1800" b="0" i="0" u="none" strike="noStrike" kern="1200" dirty="0">
-                <a:ln>
-                  <a:noFill/>
-                </a:ln>
-                <a:latin typeface="Arial" pitchFamily="18"/>
-                <a:ea typeface="Microsoft YaHei" pitchFamily="2"/>
-                <a:cs typeface="Mangal" pitchFamily="2"/>
-              </a:rPr>
-              <a:t>you to change the appearance and layout of all the pages in a Web site, </a:t>
-            </a:r>
-            <a:r>
-              <a:rPr lang="en-US" sz="1800" b="0" i="0" u="none" strike="noStrike" kern="1200" dirty="0" smtClean="0">
-                <a:ln>
-                  <a:noFill/>
-                </a:ln>
-                <a:latin typeface="Arial" pitchFamily="18"/>
-                <a:ea typeface="Microsoft YaHei" pitchFamily="2"/>
-                <a:cs typeface="Mangal" pitchFamily="2"/>
-              </a:rPr>
-              <a:t/>
-            </a:r>
-            <a:br>
-              <a:rPr lang="en-US" sz="1800" b="0" i="0" u="none" strike="noStrike" kern="1200" dirty="0" smtClean="0">
-                <a:ln>
-                  <a:noFill/>
-                </a:ln>
-                <a:latin typeface="Arial" pitchFamily="18"/>
-                <a:ea typeface="Microsoft YaHei" pitchFamily="2"/>
-                <a:cs typeface="Mangal" pitchFamily="2"/>
-              </a:rPr>
-            </a:br>
-            <a:r>
-              <a:rPr lang="en-US" sz="1800" b="0" i="0" u="none" strike="noStrike" kern="1200" dirty="0" smtClean="0">
-                <a:ln>
-                  <a:noFill/>
-                </a:ln>
-                <a:latin typeface="Arial" pitchFamily="18"/>
-                <a:ea typeface="Microsoft YaHei" pitchFamily="2"/>
-                <a:cs typeface="Mangal" pitchFamily="2"/>
-              </a:rPr>
-              <a:t>just </a:t>
-            </a:r>
-            <a:r>
-              <a:rPr lang="en-US" sz="1800" b="0" i="0" u="none" strike="noStrike" kern="1200" dirty="0">
-                <a:ln>
-                  <a:noFill/>
-                </a:ln>
-                <a:latin typeface="Arial" pitchFamily="18"/>
-                <a:ea typeface="Microsoft YaHei" pitchFamily="2"/>
-                <a:cs typeface="Mangal" pitchFamily="2"/>
-              </a:rPr>
-              <a:t>by editing one single file</a:t>
-            </a:r>
-            <a:r>
-              <a:rPr lang="en-US" sz="1800" b="0" i="0" u="none" strike="noStrike" kern="1200" dirty="0" smtClean="0">
-                <a:ln>
-                  <a:noFill/>
-                </a:ln>
-                <a:latin typeface="Arial" pitchFamily="18"/>
-                <a:ea typeface="Microsoft YaHei" pitchFamily="2"/>
-                <a:cs typeface="Mangal" pitchFamily="2"/>
-              </a:rPr>
-              <a:t>!</a:t>
-            </a:r>
-          </a:p>
-          <a:p>
-            <a:pPr marL="0" marR="0" lvl="0" indent="0" rtl="0" hangingPunct="0">
-              <a:lnSpc>
-                <a:spcPct val="100000"/>
-              </a:lnSpc>
-              <a:spcBef>
-                <a:spcPts val="0"/>
-              </a:spcBef>
-              <a:spcAft>
-                <a:spcPts val="0"/>
-              </a:spcAft>
-              <a:buNone/>
-              <a:tabLst/>
-            </a:pPr>
-            <a:endParaRPr lang="en-US" dirty="0">
-              <a:latin typeface="Arial" pitchFamily="18"/>
-              <a:ea typeface="Microsoft YaHei" pitchFamily="2"/>
-              <a:cs typeface="Mangal" pitchFamily="2"/>
-            </a:endParaRPr>
-          </a:p>
-          <a:p>
-            <a:pPr hangingPunct="0"/>
-            <a:r>
-              <a:rPr lang="en-US" b="1" dirty="0">
-                <a:latin typeface="Arial" pitchFamily="18"/>
-                <a:ea typeface="Microsoft YaHei" pitchFamily="2"/>
-                <a:cs typeface="Mangal" pitchFamily="2"/>
-              </a:rPr>
-              <a:t>Site-wide consistency</a:t>
-            </a:r>
-          </a:p>
-          <a:p>
-            <a:pPr marL="0" marR="0" lvl="0" indent="0" rtl="0" hangingPunct="0">
-              <a:lnSpc>
-                <a:spcPct val="100000"/>
-              </a:lnSpc>
-              <a:spcBef>
-                <a:spcPts val="0"/>
-              </a:spcBef>
-              <a:spcAft>
-                <a:spcPts val="0"/>
-              </a:spcAft>
-              <a:buNone/>
-              <a:tabLst/>
-            </a:pPr>
-            <a:endParaRPr lang="en-US" sz="1800" b="0" i="0" u="none" strike="noStrike" kern="1200" dirty="0" smtClean="0">
-              <a:ln>
-                <a:noFill/>
-              </a:ln>
-              <a:latin typeface="Arial" pitchFamily="18"/>
-              <a:ea typeface="Microsoft YaHei" pitchFamily="2"/>
-              <a:cs typeface="Mangal" pitchFamily="2"/>
-            </a:endParaRPr>
-          </a:p>
-          <a:p>
-            <a:pPr lvl="0" hangingPunct="0"/>
-            <a:r>
-              <a:rPr lang="en-US" dirty="0">
-                <a:latin typeface="Arial" pitchFamily="18"/>
-                <a:ea typeface="Microsoft YaHei" pitchFamily="2"/>
-                <a:cs typeface="Mangal" pitchFamily="2"/>
-              </a:rPr>
-              <a:t>CSS defines HOW HTML elements are to be displayed.</a:t>
-            </a:r>
-          </a:p>
-          <a:p>
-            <a:pPr lvl="0" hangingPunct="0"/>
-            <a:endParaRPr lang="en-US" dirty="0">
-              <a:latin typeface="Arial" pitchFamily="18"/>
-              <a:ea typeface="Microsoft YaHei" pitchFamily="2"/>
-              <a:cs typeface="Mangal" pitchFamily="2"/>
-            </a:endParaRPr>
-          </a:p>
-          <a:p>
-            <a:pPr lvl="0" hangingPunct="0"/>
-            <a:r>
-              <a:rPr lang="en-US" dirty="0">
-                <a:latin typeface="Arial" pitchFamily="18"/>
-                <a:ea typeface="Microsoft YaHei" pitchFamily="2"/>
-                <a:cs typeface="Mangal" pitchFamily="2"/>
-              </a:rPr>
-              <a:t>Styles are normally saved in external .</a:t>
-            </a:r>
-            <a:r>
-              <a:rPr lang="en-US" dirty="0" err="1">
-                <a:latin typeface="Arial" pitchFamily="18"/>
-                <a:ea typeface="Microsoft YaHei" pitchFamily="2"/>
-                <a:cs typeface="Mangal" pitchFamily="2"/>
-              </a:rPr>
-              <a:t>css</a:t>
-            </a:r>
-            <a:r>
-              <a:rPr lang="en-US" dirty="0">
-                <a:latin typeface="Arial" pitchFamily="18"/>
-                <a:ea typeface="Microsoft YaHei" pitchFamily="2"/>
-                <a:cs typeface="Mangal" pitchFamily="2"/>
-              </a:rPr>
-              <a:t> files. External style sheets </a:t>
-            </a:r>
-            <a:br>
-              <a:rPr lang="en-US" dirty="0">
-                <a:latin typeface="Arial" pitchFamily="18"/>
-                <a:ea typeface="Microsoft YaHei" pitchFamily="2"/>
-                <a:cs typeface="Mangal" pitchFamily="2"/>
-              </a:rPr>
-            </a:br>
-            <a:r>
-              <a:rPr lang="en-US" dirty="0">
-                <a:latin typeface="Arial" pitchFamily="18"/>
-                <a:ea typeface="Microsoft YaHei" pitchFamily="2"/>
-                <a:cs typeface="Mangal" pitchFamily="2"/>
-              </a:rPr>
-              <a:t>enable you to change the appearance and layout of all the pages in a Web site, </a:t>
-            </a:r>
-            <a:br>
-              <a:rPr lang="en-US" dirty="0">
-                <a:latin typeface="Arial" pitchFamily="18"/>
-                <a:ea typeface="Microsoft YaHei" pitchFamily="2"/>
-                <a:cs typeface="Mangal" pitchFamily="2"/>
-              </a:rPr>
-            </a:br>
-            <a:r>
-              <a:rPr lang="en-US" dirty="0">
-                <a:latin typeface="Arial" pitchFamily="18"/>
-                <a:ea typeface="Microsoft YaHei" pitchFamily="2"/>
-                <a:cs typeface="Mangal" pitchFamily="2"/>
-              </a:rPr>
-              <a:t>just by editing one single file!</a:t>
-            </a:r>
-          </a:p>
-          <a:p>
-            <a:pPr marL="0" marR="0" lvl="0" indent="0" rtl="0" hangingPunct="0">
-              <a:lnSpc>
-                <a:spcPct val="100000"/>
-              </a:lnSpc>
-              <a:spcBef>
-                <a:spcPts val="0"/>
-              </a:spcBef>
-              <a:spcAft>
-                <a:spcPts val="0"/>
-              </a:spcAft>
-              <a:buNone/>
-              <a:tabLst/>
-            </a:pPr>
-            <a:endParaRPr lang="en-US" sz="1800" b="0" i="0" u="none" strike="noStrike" kern="1200" dirty="0">
-              <a:ln>
-                <a:noFill/>
-              </a:ln>
-              <a:latin typeface="Arial" pitchFamily="18"/>
-              <a:ea typeface="Microsoft YaHei" pitchFamily="2"/>
-              <a:cs typeface="Mangal" pitchFamily="2"/>
-            </a:endParaRPr>
-          </a:p>
-        </p:txBody>
-      </p:sp>
-    </p:spTree>
-    <p:extLst>
-      <p:ext uri="{BB962C8B-B14F-4D97-AF65-F5344CB8AC3E}">
-        <p14:creationId xmlns:p14="http://schemas.microsoft.com/office/powerpoint/2010/main" val="381344538"/>
-      </p:ext>
-    </p:extLst>
-  </p:cSld>
-  <p:clrMapOvr>
-    <a:masterClrMapping/>
-  </p:clrMapOvr>
-  <p:timing>
-    <p:tnLst>
-      <p:par>
-        <p:cTn id="1" dur="indefinite" restart="never" nodeType="tmRoot"/>
-      </p:par>
-    </p:tnLst>
-  </p:timing>
-</p:sld>
-</file>
-
-<file path=ppt/slides/slide17.xml><?xml version="1.0" encoding="utf-8"?>
-<p:sld xmlns:a="http://schemas.openxmlformats.org/drawingml/2006/main" xmlns:r="http://schemas.openxmlformats.org/officeDocument/2006/relationships" xmlns:p="http://schemas.openxmlformats.org/presentationml/2006/main">
-  <p:cSld>
-    <p:spTree>
-      <p:nvGrpSpPr>
-        <p:cNvPr id="1" name=""/>
-        <p:cNvGrpSpPr/>
-        <p:nvPr/>
-      </p:nvGrpSpPr>
-      <p:grpSpPr>
-        <a:xfrm>
-          <a:off x="0" y="0"/>
-          <a:ext cx="0" cy="0"/>
-          <a:chOff x="0" y="0"/>
-          <a:chExt cx="0" cy="0"/>
-        </a:xfrm>
-      </p:grpSpPr>
-      <p:sp>
-        <p:nvSpPr>
-          <p:cNvPr id="2" name="Title 1"/>
-          <p:cNvSpPr txBox="1">
-            <a:spLocks noGrp="1"/>
-          </p:cNvSpPr>
-          <p:nvPr>
-            <p:ph type="title" idx="4294967295"/>
-          </p:nvPr>
-        </p:nvSpPr>
-        <p:spPr/>
         <p:txBody>
           <a:bodyPr/>
           <a:lstStyle/>
@@ -5404,12 +7831,17 @@
             <p:ph type="body" idx="4294967295"/>
           </p:nvPr>
         </p:nvSpPr>
-        <p:spPr/>
+        <p:spPr>
+          <a:xfrm>
+            <a:off x="581890" y="1925780"/>
+            <a:ext cx="9933709" cy="4209618"/>
+          </a:xfrm>
+        </p:spPr>
         <p:txBody>
           <a:bodyPr/>
           <a:lstStyle/>
           <a:p>
-            <a:pPr hangingPunct="0"/>
+            <a:pPr algn="just" hangingPunct="0"/>
             <a:r>
               <a:rPr lang="en-US" dirty="0" smtClean="0">
                 <a:latin typeface="Arial" pitchFamily="18"/>
@@ -5420,7 +7852,7 @@
             </a:r>
           </a:p>
           <a:p>
-            <a:pPr hangingPunct="0"/>
+            <a:pPr algn="just" hangingPunct="0"/>
             <a:r>
               <a:rPr lang="en-US" dirty="0" smtClean="0">
                 <a:latin typeface="Arial" pitchFamily="18"/>
@@ -5431,7 +7863,7 @@
             </a:r>
           </a:p>
           <a:p>
-            <a:pPr hangingPunct="0"/>
+            <a:pPr algn="just" hangingPunct="0"/>
             <a:r>
               <a:rPr lang="en-US" dirty="0" smtClean="0">
                 <a:latin typeface="Arial" pitchFamily="18"/>
@@ -5490,7 +7922,7 @@
 </p:sld>
 </file>
 
-<file path=ppt/slides/slide18.xml><?xml version="1.0" encoding="utf-8"?>
+<file path=ppt/slides/slide17.xml><?xml version="1.0" encoding="utf-8"?>
 <p:sld xmlns:a="http://schemas.openxmlformats.org/drawingml/2006/main" xmlns:r="http://schemas.openxmlformats.org/officeDocument/2006/relationships" xmlns:p="http://schemas.openxmlformats.org/presentationml/2006/main">
   <p:cSld>
     <p:spTree>
@@ -5584,6 +8016,250 @@
 </p:sld>
 </file>
 
+<file path=ppt/slides/slide18.xml><?xml version="1.0" encoding="utf-8"?>
+<p:sld xmlns:a="http://schemas.openxmlformats.org/drawingml/2006/main" xmlns:r="http://schemas.openxmlformats.org/officeDocument/2006/relationships" xmlns:p="http://schemas.openxmlformats.org/presentationml/2006/main">
+  <p:cSld>
+    <p:spTree>
+      <p:nvGrpSpPr>
+        <p:cNvPr id="1" name=""/>
+        <p:cNvGrpSpPr/>
+        <p:nvPr/>
+      </p:nvGrpSpPr>
+      <p:grpSpPr>
+        <a:xfrm>
+          <a:off x="0" y="0"/>
+          <a:ext cx="0" cy="0"/>
+          <a:chOff x="0" y="0"/>
+          <a:chExt cx="0" cy="0"/>
+        </a:xfrm>
+      </p:grpSpPr>
+      <p:sp>
+        <p:nvSpPr>
+          <p:cNvPr id="2" name="Title 1"/>
+          <p:cNvSpPr>
+            <a:spLocks noGrp="1"/>
+          </p:cNvSpPr>
+          <p:nvPr>
+            <p:ph type="title"/>
+          </p:nvPr>
+        </p:nvSpPr>
+        <p:spPr/>
+        <p:txBody>
+          <a:bodyPr/>
+          <a:lstStyle/>
+          <a:p>
+            <a:r>
+              <a:rPr lang="en-US" dirty="0"/>
+              <a:t>Margin, Padding, Border and Content</a:t>
+            </a:r>
+          </a:p>
+        </p:txBody>
+      </p:sp>
+      <p:sp>
+        <p:nvSpPr>
+          <p:cNvPr id="3" name="Content Placeholder 2"/>
+          <p:cNvSpPr>
+            <a:spLocks noGrp="1"/>
+          </p:cNvSpPr>
+          <p:nvPr>
+            <p:ph idx="1"/>
+          </p:nvPr>
+        </p:nvSpPr>
+        <p:spPr/>
+        <p:txBody>
+          <a:bodyPr>
+            <a:normAutofit fontScale="85000" lnSpcReduction="20000"/>
+          </a:bodyPr>
+          <a:lstStyle/>
+          <a:p>
+            <a:pPr marL="0" lvl="0" indent="0" hangingPunct="0">
+              <a:lnSpc>
+                <a:spcPct val="100000"/>
+              </a:lnSpc>
+              <a:spcBef>
+                <a:spcPts val="0"/>
+              </a:spcBef>
+              <a:buNone/>
+            </a:pPr>
+            <a:r>
+              <a:rPr lang="en-US" sz="1800" dirty="0">
+                <a:latin typeface="Arial" pitchFamily="18"/>
+                <a:ea typeface="Microsoft YaHei" pitchFamily="2"/>
+                <a:cs typeface="Mangal" pitchFamily="2"/>
+              </a:rPr>
+              <a:t>Explanation of the different parts:</a:t>
+            </a:r>
+          </a:p>
+          <a:p>
+            <a:pPr marL="0" lvl="0" indent="0" hangingPunct="0">
+              <a:lnSpc>
+                <a:spcPct val="100000"/>
+              </a:lnSpc>
+              <a:spcBef>
+                <a:spcPts val="0"/>
+              </a:spcBef>
+              <a:buNone/>
+            </a:pPr>
+            <a:endParaRPr lang="en-US" sz="1800" dirty="0">
+              <a:latin typeface="Arial" pitchFamily="18"/>
+              <a:ea typeface="Microsoft YaHei" pitchFamily="2"/>
+              <a:cs typeface="Mangal" pitchFamily="2"/>
+            </a:endParaRPr>
+          </a:p>
+          <a:p>
+            <a:pPr marL="640080" lvl="1">
+              <a:lnSpc>
+                <a:spcPct val="100000"/>
+              </a:lnSpc>
+              <a:spcBef>
+                <a:spcPct val="20000"/>
+              </a:spcBef>
+              <a:buClr>
+                <a:srgbClr val="FC0014"/>
+              </a:buClr>
+              <a:buSzPct val="45000"/>
+              <a:buFont typeface="Wingdings" charset="2"/>
+              <a:buChar char="ü"/>
+            </a:pPr>
+            <a:r>
+              <a:rPr lang="en-US" sz="2000" dirty="0" smtClean="0"/>
+              <a:t>Margin - Clears an area around the border. The margin does not have a background color, it is completely transparent</a:t>
+            </a:r>
+          </a:p>
+          <a:p>
+            <a:pPr marL="640080" lvl="1">
+              <a:lnSpc>
+                <a:spcPct val="100000"/>
+              </a:lnSpc>
+              <a:spcBef>
+                <a:spcPct val="20000"/>
+              </a:spcBef>
+              <a:buClr>
+                <a:srgbClr val="FC0014"/>
+              </a:buClr>
+              <a:buSzPct val="45000"/>
+              <a:buFont typeface="Wingdings" charset="2"/>
+              <a:buChar char="ü"/>
+            </a:pPr>
+            <a:endParaRPr lang="en-US" sz="2000" dirty="0" smtClean="0"/>
+          </a:p>
+          <a:p>
+            <a:pPr marL="640080" lvl="1">
+              <a:lnSpc>
+                <a:spcPct val="100000"/>
+              </a:lnSpc>
+              <a:spcBef>
+                <a:spcPct val="20000"/>
+              </a:spcBef>
+              <a:buClr>
+                <a:srgbClr val="FC0014"/>
+              </a:buClr>
+              <a:buSzPct val="45000"/>
+              <a:buFont typeface="Wingdings" charset="2"/>
+              <a:buChar char="ü"/>
+            </a:pPr>
+            <a:r>
+              <a:rPr lang="en-US" sz="2000" dirty="0" smtClean="0"/>
+              <a:t>Border - A border that goes around the padding and content. The border is inherited from the color property of the box</a:t>
+            </a:r>
+          </a:p>
+          <a:p>
+            <a:pPr marL="640080" lvl="1">
+              <a:lnSpc>
+                <a:spcPct val="100000"/>
+              </a:lnSpc>
+              <a:spcBef>
+                <a:spcPct val="20000"/>
+              </a:spcBef>
+              <a:buClr>
+                <a:srgbClr val="FC0014"/>
+              </a:buClr>
+              <a:buSzPct val="45000"/>
+              <a:buFont typeface="Wingdings" charset="2"/>
+              <a:buChar char="ü"/>
+            </a:pPr>
+            <a:endParaRPr lang="en-US" sz="2000" dirty="0" smtClean="0"/>
+          </a:p>
+          <a:p>
+            <a:pPr marL="640080" lvl="1">
+              <a:lnSpc>
+                <a:spcPct val="100000"/>
+              </a:lnSpc>
+              <a:spcBef>
+                <a:spcPct val="20000"/>
+              </a:spcBef>
+              <a:buClr>
+                <a:srgbClr val="FC0014"/>
+              </a:buClr>
+              <a:buSzPct val="45000"/>
+              <a:buFont typeface="Wingdings" charset="2"/>
+              <a:buChar char="ü"/>
+            </a:pPr>
+            <a:r>
+              <a:rPr lang="en-US" sz="2000" dirty="0" smtClean="0"/>
+              <a:t>Padding - Clears an area around the content. The padding is affected by the background color of the box</a:t>
+            </a:r>
+          </a:p>
+          <a:p>
+            <a:pPr marL="640080" lvl="1">
+              <a:lnSpc>
+                <a:spcPct val="100000"/>
+              </a:lnSpc>
+              <a:spcBef>
+                <a:spcPct val="20000"/>
+              </a:spcBef>
+              <a:buClr>
+                <a:srgbClr val="FC0014"/>
+              </a:buClr>
+              <a:buSzPct val="45000"/>
+              <a:buFont typeface="Wingdings" charset="2"/>
+              <a:buChar char="ü"/>
+            </a:pPr>
+            <a:endParaRPr lang="en-US" sz="2000" dirty="0" smtClean="0"/>
+          </a:p>
+          <a:p>
+            <a:pPr marL="640080" lvl="1">
+              <a:lnSpc>
+                <a:spcPct val="100000"/>
+              </a:lnSpc>
+              <a:spcBef>
+                <a:spcPct val="20000"/>
+              </a:spcBef>
+              <a:buClr>
+                <a:srgbClr val="FC0014"/>
+              </a:buClr>
+              <a:buSzPct val="45000"/>
+              <a:buFont typeface="Wingdings" charset="2"/>
+              <a:buChar char="ü"/>
+            </a:pPr>
+            <a:r>
+              <a:rPr lang="en-US" sz="2000" dirty="0" smtClean="0"/>
+              <a:t>Content - The content of the box, where text and images appear</a:t>
+            </a:r>
+            <a:endParaRPr lang="en-US" sz="2000" dirty="0"/>
+          </a:p>
+        </p:txBody>
+      </p:sp>
+    </p:spTree>
+    <p:extLst>
+      <p:ext uri="{BB962C8B-B14F-4D97-AF65-F5344CB8AC3E}">
+        <p14:creationId xmlns:p14="http://schemas.microsoft.com/office/powerpoint/2010/main" val="568476731"/>
+      </p:ext>
+    </p:extLst>
+  </p:cSld>
+  <p:clrMapOvr>
+    <a:masterClrMapping/>
+  </p:clrMapOvr>
+  <p:timing>
+    <p:tnLst>
+      <p:par>
+        <p:cTn id="1" dur="indefinite" restart="never" nodeType="tmRoot"/>
+      </p:par>
+    </p:tnLst>
+  </p:timing>
+</p:sld>
+</file>
+
 <file path=ppt/slides/slide19.xml><?xml version="1.0" encoding="utf-8"?>
 <p:sld xmlns:a="http://schemas.openxmlformats.org/drawingml/2006/main" xmlns:r="http://schemas.openxmlformats.org/officeDocument/2006/relationships" xmlns:p="http://schemas.openxmlformats.org/presentationml/2006/main">
   <p:cSld>
@@ -5618,7 +8294,7 @@
           <a:p>
             <a:r>
               <a:rPr lang="en-US" dirty="0"/>
-              <a:t>Margin, Padding, Border and Content</a:t>
+              <a:t>Advantages</a:t>
             </a:r>
           </a:p>
         </p:txBody>
@@ -5648,12 +8324,20 @@
               <a:buNone/>
             </a:pPr>
             <a:r>
-              <a:rPr lang="en-US" sz="1800" dirty="0">
+              <a:rPr lang="en-US" b="1" dirty="0">
                 <a:latin typeface="Arial" pitchFamily="18"/>
                 <a:ea typeface="Microsoft YaHei" pitchFamily="2"/>
                 <a:cs typeface="Mangal" pitchFamily="2"/>
               </a:rPr>
-              <a:t>Explanation of the different parts:</a:t>
+              <a:t>CSS Saves a Lot of Work</a:t>
+            </a:r>
+            <a:r>
+              <a:rPr lang="en-US" b="1" dirty="0" smtClean="0">
+                <a:latin typeface="Arial" pitchFamily="18"/>
+                <a:ea typeface="Microsoft YaHei" pitchFamily="2"/>
+                <a:cs typeface="Mangal" pitchFamily="2"/>
+              </a:rPr>
+              <a:t>!</a:t>
             </a:r>
           </a:p>
           <a:p>
@@ -5666,150 +8350,369 @@
               </a:spcBef>
               <a:buNone/>
             </a:pPr>
-            <a:endParaRPr lang="en-US" sz="1800" dirty="0">
+            <a:endParaRPr lang="en-US" b="1" dirty="0">
               <a:latin typeface="Arial" pitchFamily="18"/>
               <a:ea typeface="Microsoft YaHei" pitchFamily="2"/>
               <a:cs typeface="Mangal" pitchFamily="2"/>
             </a:endParaRPr>
           </a:p>
-          <a:p>
-            <a:pPr marL="640080" lvl="1">
+        </p:txBody>
+      </p:sp>
+      <p:sp>
+        <p:nvSpPr>
+          <p:cNvPr id="4" name="TextBox 3"/>
+          <p:cNvSpPr txBox="1"/>
+          <p:nvPr/>
+        </p:nvSpPr>
+        <p:spPr>
+          <a:xfrm>
+            <a:off x="1115291" y="2710945"/>
+            <a:ext cx="8338863" cy="3010909"/>
+          </a:xfrm>
+          <a:prstGeom prst="rect">
+            <a:avLst/>
+          </a:prstGeom>
+          <a:noFill/>
+          <a:ln>
+            <a:noFill/>
+          </a:ln>
+        </p:spPr>
+        <p:txBody>
+          <a:bodyPr vert="horz" wrap="none" lIns="90000" tIns="45000" rIns="90000" bIns="45000" anchorCtr="0" compatLnSpc="0">
+            <a:spAutoFit/>
+          </a:bodyPr>
+          <a:lstStyle/>
+          <a:p>
+            <a:pPr marL="0" marR="0" lvl="0" indent="0" algn="just" rtl="0" hangingPunct="0">
               <a:lnSpc>
                 <a:spcPct val="100000"/>
               </a:lnSpc>
               <a:spcBef>
-                <a:spcPct val="20000"/>
+                <a:spcPts val="0"/>
               </a:spcBef>
-              <a:buClr>
-                <a:srgbClr val="FC0014"/>
-              </a:buClr>
-              <a:buSzPct val="45000"/>
-              <a:buFont typeface="Wingdings" charset="2"/>
-              <a:buChar char="ü"/>
+              <a:spcAft>
+                <a:spcPts val="0"/>
+              </a:spcAft>
+              <a:buNone/>
+              <a:tabLst/>
             </a:pPr>
-            <a:r>
-              <a:rPr lang="en-US" sz="2000" dirty="0" smtClean="0"/>
-              <a:t>Margin - Clears an area around the border. The margin does not have a background color, it is completely transparent</a:t>
-            </a:r>
-          </a:p>
-          <a:p>
-            <a:pPr marL="640080" lvl="1">
+            <a:endParaRPr lang="en-US" sz="1800" b="0" i="0" u="none" strike="noStrike" kern="1200" dirty="0" smtClean="0">
+              <a:ln>
+                <a:noFill/>
+              </a:ln>
+              <a:latin typeface="Arial" pitchFamily="18"/>
+              <a:ea typeface="Microsoft YaHei" pitchFamily="2"/>
+              <a:cs typeface="Mangal" pitchFamily="2"/>
+            </a:endParaRPr>
+          </a:p>
+          <a:p>
+            <a:pPr marL="0" marR="0" lvl="0" indent="0" algn="just" rtl="0" hangingPunct="0">
               <a:lnSpc>
                 <a:spcPct val="100000"/>
               </a:lnSpc>
               <a:spcBef>
-                <a:spcPct val="20000"/>
+                <a:spcPts val="0"/>
               </a:spcBef>
-              <a:buClr>
-                <a:srgbClr val="FC0014"/>
-              </a:buClr>
-              <a:buSzPct val="45000"/>
-              <a:buFont typeface="Wingdings" charset="2"/>
-              <a:buChar char="ü"/>
+              <a:spcAft>
+                <a:spcPts val="0"/>
+              </a:spcAft>
+              <a:buNone/>
+              <a:tabLst/>
             </a:pPr>
-            <a:endParaRPr lang="en-US" sz="2000" dirty="0" smtClean="0"/>
-          </a:p>
-          <a:p>
-            <a:pPr marL="640080" lvl="1">
+            <a:endParaRPr lang="en-US" dirty="0">
+              <a:latin typeface="Arial" pitchFamily="18"/>
+              <a:ea typeface="Microsoft YaHei" pitchFamily="2"/>
+              <a:cs typeface="Mangal" pitchFamily="2"/>
+            </a:endParaRPr>
+          </a:p>
+          <a:p>
+            <a:pPr marL="0" marR="0" lvl="0" indent="0" algn="just" rtl="0" hangingPunct="0">
               <a:lnSpc>
                 <a:spcPct val="100000"/>
               </a:lnSpc>
               <a:spcBef>
-                <a:spcPct val="20000"/>
+                <a:spcPts val="0"/>
               </a:spcBef>
-              <a:buClr>
-                <a:srgbClr val="FC0014"/>
-              </a:buClr>
-              <a:buSzPct val="45000"/>
-              <a:buFont typeface="Wingdings" charset="2"/>
-              <a:buChar char="ü"/>
+              <a:spcAft>
+                <a:spcPts val="0"/>
+              </a:spcAft>
+              <a:buNone/>
+              <a:tabLst/>
             </a:pPr>
             <a:r>
-              <a:rPr lang="en-US" sz="2000" dirty="0" smtClean="0"/>
-              <a:t>Border - A border that goes around the padding and content. The border is inherited from the color property of the box</a:t>
-            </a:r>
-          </a:p>
-          <a:p>
-            <a:pPr marL="640080" lvl="1">
+              <a:rPr lang="en-US" sz="1800" b="0" i="0" u="none" strike="noStrike" kern="1200" dirty="0" smtClean="0">
+                <a:ln>
+                  <a:noFill/>
+                </a:ln>
+                <a:latin typeface="Arial" pitchFamily="18"/>
+                <a:ea typeface="Microsoft YaHei" pitchFamily="2"/>
+                <a:cs typeface="Mangal" pitchFamily="2"/>
+              </a:rPr>
+              <a:t> CSS defines </a:t>
+            </a:r>
+            <a:r>
+              <a:rPr lang="en-US" sz="1800" b="0" i="0" u="none" strike="noStrike" kern="1200" dirty="0">
+                <a:ln>
+                  <a:noFill/>
+                </a:ln>
+                <a:latin typeface="Arial" pitchFamily="18"/>
+                <a:ea typeface="Microsoft YaHei" pitchFamily="2"/>
+                <a:cs typeface="Mangal" pitchFamily="2"/>
+              </a:rPr>
+              <a:t>HOW HTML elements are to be displayed.</a:t>
+            </a:r>
+          </a:p>
+          <a:p>
+            <a:pPr marL="0" marR="0" lvl="0" indent="0" algn="just" rtl="0" hangingPunct="0">
               <a:lnSpc>
                 <a:spcPct val="100000"/>
               </a:lnSpc>
               <a:spcBef>
-                <a:spcPct val="20000"/>
+                <a:spcPts val="0"/>
               </a:spcBef>
-              <a:buClr>
-                <a:srgbClr val="FC0014"/>
-              </a:buClr>
-              <a:buSzPct val="45000"/>
-              <a:buFont typeface="Wingdings" charset="2"/>
-              <a:buChar char="ü"/>
+              <a:spcAft>
+                <a:spcPts val="0"/>
+              </a:spcAft>
+              <a:buNone/>
+              <a:tabLst/>
             </a:pPr>
-            <a:endParaRPr lang="en-US" sz="2000" dirty="0" smtClean="0"/>
-          </a:p>
-          <a:p>
-            <a:pPr marL="640080" lvl="1">
+            <a:endParaRPr lang="en-US" sz="1800" b="0" i="0" u="none" strike="noStrike" kern="1200" dirty="0">
+              <a:ln>
+                <a:noFill/>
+              </a:ln>
+              <a:latin typeface="Arial" pitchFamily="18"/>
+              <a:ea typeface="Microsoft YaHei" pitchFamily="2"/>
+              <a:cs typeface="Mangal" pitchFamily="2"/>
+            </a:endParaRPr>
+          </a:p>
+          <a:p>
+            <a:pPr marL="0" marR="0" lvl="0" indent="0" algn="just" rtl="0" hangingPunct="0">
               <a:lnSpc>
                 <a:spcPct val="100000"/>
               </a:lnSpc>
               <a:spcBef>
-                <a:spcPct val="20000"/>
+                <a:spcPts val="0"/>
               </a:spcBef>
-              <a:buClr>
-                <a:srgbClr val="FC0014"/>
-              </a:buClr>
-              <a:buSzPct val="45000"/>
-              <a:buFont typeface="Wingdings" charset="2"/>
-              <a:buChar char="ü"/>
+              <a:spcAft>
+                <a:spcPts val="0"/>
+              </a:spcAft>
+              <a:buNone/>
+              <a:tabLst/>
             </a:pPr>
             <a:r>
-              <a:rPr lang="en-US" sz="2000" dirty="0" smtClean="0"/>
-              <a:t>Padding - Clears an area around the content. The padding is affected by the background color of the box</a:t>
-            </a:r>
-          </a:p>
-          <a:p>
-            <a:pPr marL="640080" lvl="1">
+              <a:rPr lang="en-US" sz="1800" b="0" i="0" u="none" strike="noStrike" kern="1200" dirty="0">
+                <a:ln>
+                  <a:noFill/>
+                </a:ln>
+                <a:latin typeface="Arial" pitchFamily="18"/>
+                <a:ea typeface="Microsoft YaHei" pitchFamily="2"/>
+                <a:cs typeface="Mangal" pitchFamily="2"/>
+              </a:rPr>
+              <a:t>Styles are normally saved in external .</a:t>
+            </a:r>
+            <a:r>
+              <a:rPr lang="en-US" sz="1800" b="0" i="0" u="none" strike="noStrike" kern="1200" dirty="0" err="1">
+                <a:ln>
+                  <a:noFill/>
+                </a:ln>
+                <a:latin typeface="Arial" pitchFamily="18"/>
+                <a:ea typeface="Microsoft YaHei" pitchFamily="2"/>
+                <a:cs typeface="Mangal" pitchFamily="2"/>
+              </a:rPr>
+              <a:t>css</a:t>
+            </a:r>
+            <a:r>
+              <a:rPr lang="en-US" sz="1800" b="0" i="0" u="none" strike="noStrike" kern="1200" dirty="0">
+                <a:ln>
+                  <a:noFill/>
+                </a:ln>
+                <a:latin typeface="Arial" pitchFamily="18"/>
+                <a:ea typeface="Microsoft YaHei" pitchFamily="2"/>
+                <a:cs typeface="Mangal" pitchFamily="2"/>
+              </a:rPr>
+              <a:t> files. External style sheets </a:t>
+            </a:r>
+            <a:r>
+              <a:rPr lang="en-US" sz="1800" b="0" i="0" u="none" strike="noStrike" kern="1200" dirty="0" smtClean="0">
+                <a:ln>
+                  <a:noFill/>
+                </a:ln>
+                <a:latin typeface="Arial" pitchFamily="18"/>
+                <a:ea typeface="Microsoft YaHei" pitchFamily="2"/>
+                <a:cs typeface="Mangal" pitchFamily="2"/>
+              </a:rPr>
+              <a:t/>
+            </a:r>
+            <a:br>
+              <a:rPr lang="en-US" sz="1800" b="0" i="0" u="none" strike="noStrike" kern="1200" dirty="0" smtClean="0">
+                <a:ln>
+                  <a:noFill/>
+                </a:ln>
+                <a:latin typeface="Arial" pitchFamily="18"/>
+                <a:ea typeface="Microsoft YaHei" pitchFamily="2"/>
+                <a:cs typeface="Mangal" pitchFamily="2"/>
+              </a:rPr>
+            </a:br>
+            <a:r>
+              <a:rPr lang="en-US" sz="1800" b="0" i="0" u="none" strike="noStrike" kern="1200" dirty="0" smtClean="0">
+                <a:ln>
+                  <a:noFill/>
+                </a:ln>
+                <a:latin typeface="Arial" pitchFamily="18"/>
+                <a:ea typeface="Microsoft YaHei" pitchFamily="2"/>
+                <a:cs typeface="Mangal" pitchFamily="2"/>
+              </a:rPr>
+              <a:t>enable </a:t>
+            </a:r>
+            <a:r>
+              <a:rPr lang="en-US" sz="1800" b="0" i="0" u="none" strike="noStrike" kern="1200" dirty="0">
+                <a:ln>
+                  <a:noFill/>
+                </a:ln>
+                <a:latin typeface="Arial" pitchFamily="18"/>
+                <a:ea typeface="Microsoft YaHei" pitchFamily="2"/>
+                <a:cs typeface="Mangal" pitchFamily="2"/>
+              </a:rPr>
+              <a:t>you to change the appearance and layout of all the pages in a Web site, </a:t>
+            </a:r>
+            <a:r>
+              <a:rPr lang="en-US" sz="1800" b="0" i="0" u="none" strike="noStrike" kern="1200" dirty="0" smtClean="0">
+                <a:ln>
+                  <a:noFill/>
+                </a:ln>
+                <a:latin typeface="Arial" pitchFamily="18"/>
+                <a:ea typeface="Microsoft YaHei" pitchFamily="2"/>
+                <a:cs typeface="Mangal" pitchFamily="2"/>
+              </a:rPr>
+              <a:t/>
+            </a:r>
+            <a:br>
+              <a:rPr lang="en-US" sz="1800" b="0" i="0" u="none" strike="noStrike" kern="1200" dirty="0" smtClean="0">
+                <a:ln>
+                  <a:noFill/>
+                </a:ln>
+                <a:latin typeface="Arial" pitchFamily="18"/>
+                <a:ea typeface="Microsoft YaHei" pitchFamily="2"/>
+                <a:cs typeface="Mangal" pitchFamily="2"/>
+              </a:rPr>
+            </a:br>
+            <a:r>
+              <a:rPr lang="en-US" sz="1800" b="0" i="0" u="none" strike="noStrike" kern="1200" dirty="0" smtClean="0">
+                <a:ln>
+                  <a:noFill/>
+                </a:ln>
+                <a:latin typeface="Arial" pitchFamily="18"/>
+                <a:ea typeface="Microsoft YaHei" pitchFamily="2"/>
+                <a:cs typeface="Mangal" pitchFamily="2"/>
+              </a:rPr>
+              <a:t>just </a:t>
+            </a:r>
+            <a:r>
+              <a:rPr lang="en-US" sz="1800" b="0" i="0" u="none" strike="noStrike" kern="1200" dirty="0">
+                <a:ln>
+                  <a:noFill/>
+                </a:ln>
+                <a:latin typeface="Arial" pitchFamily="18"/>
+                <a:ea typeface="Microsoft YaHei" pitchFamily="2"/>
+                <a:cs typeface="Mangal" pitchFamily="2"/>
+              </a:rPr>
+              <a:t>by editing one single file</a:t>
+            </a:r>
+            <a:r>
+              <a:rPr lang="en-US" sz="1800" b="0" i="0" u="none" strike="noStrike" kern="1200" dirty="0" smtClean="0">
+                <a:ln>
+                  <a:noFill/>
+                </a:ln>
+                <a:latin typeface="Arial" pitchFamily="18"/>
+                <a:ea typeface="Microsoft YaHei" pitchFamily="2"/>
+                <a:cs typeface="Mangal" pitchFamily="2"/>
+              </a:rPr>
+              <a:t>!</a:t>
+            </a:r>
+          </a:p>
+          <a:p>
+            <a:pPr marL="0" marR="0" lvl="0" indent="0" rtl="0" hangingPunct="0">
               <a:lnSpc>
                 <a:spcPct val="100000"/>
               </a:lnSpc>
               <a:spcBef>
-                <a:spcPct val="20000"/>
+                <a:spcPts val="0"/>
               </a:spcBef>
-              <a:buClr>
-                <a:srgbClr val="FC0014"/>
-              </a:buClr>
-              <a:buSzPct val="45000"/>
-              <a:buFont typeface="Wingdings" charset="2"/>
-              <a:buChar char="ü"/>
+              <a:spcAft>
+                <a:spcPts val="0"/>
+              </a:spcAft>
+              <a:buNone/>
+              <a:tabLst/>
             </a:pPr>
-            <a:endParaRPr lang="en-US" sz="2000" dirty="0" smtClean="0"/>
-          </a:p>
-          <a:p>
-            <a:pPr marL="640080" lvl="1">
+            <a:endParaRPr lang="en-US" dirty="0">
+              <a:latin typeface="Arial" pitchFamily="18"/>
+              <a:ea typeface="Microsoft YaHei" pitchFamily="2"/>
+              <a:cs typeface="Mangal" pitchFamily="2"/>
+            </a:endParaRPr>
+          </a:p>
+          <a:p>
+            <a:pPr hangingPunct="0"/>
+            <a:r>
+              <a:rPr lang="en-US" b="1" dirty="0">
+                <a:latin typeface="Arial" pitchFamily="18"/>
+                <a:ea typeface="Microsoft YaHei" pitchFamily="2"/>
+                <a:cs typeface="Mangal" pitchFamily="2"/>
+              </a:rPr>
+              <a:t>Site-wide consistency</a:t>
+            </a:r>
+          </a:p>
+          <a:p>
+            <a:pPr marL="0" marR="0" lvl="0" indent="0" rtl="0" hangingPunct="0">
               <a:lnSpc>
                 <a:spcPct val="100000"/>
               </a:lnSpc>
               <a:spcBef>
-                <a:spcPct val="20000"/>
+                <a:spcPts val="0"/>
               </a:spcBef>
-              <a:buClr>
-                <a:srgbClr val="FC0014"/>
-              </a:buClr>
-              <a:buSzPct val="45000"/>
-              <a:buFont typeface="Wingdings" charset="2"/>
-              <a:buChar char="ü"/>
+              <a:spcAft>
+                <a:spcPts val="0"/>
+              </a:spcAft>
+              <a:buNone/>
+              <a:tabLst/>
             </a:pPr>
-            <a:r>
-              <a:rPr lang="en-US" sz="2000" dirty="0" smtClean="0"/>
-              <a:t>Content - The content of the box, where text and images appear</a:t>
-            </a:r>
-            <a:endParaRPr lang="en-US" sz="2000" dirty="0"/>
+            <a:endParaRPr lang="en-US" sz="1800" b="0" i="0" u="none" strike="noStrike" kern="1200" dirty="0" smtClean="0">
+              <a:ln>
+                <a:noFill/>
+              </a:ln>
+              <a:latin typeface="Arial" pitchFamily="18"/>
+              <a:ea typeface="Microsoft YaHei" pitchFamily="2"/>
+              <a:cs typeface="Mangal" pitchFamily="2"/>
+            </a:endParaRPr>
+          </a:p>
+          <a:p>
+            <a:pPr marL="0" marR="0" lvl="0" indent="0" rtl="0" hangingPunct="0">
+              <a:lnSpc>
+                <a:spcPct val="100000"/>
+              </a:lnSpc>
+              <a:spcBef>
+                <a:spcPts val="0"/>
+              </a:spcBef>
+              <a:spcAft>
+                <a:spcPts val="0"/>
+              </a:spcAft>
+              <a:buNone/>
+              <a:tabLst/>
+            </a:pPr>
+            <a:endParaRPr lang="en-US" sz="1800" b="0" i="0" u="none" strike="noStrike" kern="1200" dirty="0">
+              <a:ln>
+                <a:noFill/>
+              </a:ln>
+              <a:latin typeface="Arial" pitchFamily="18"/>
+              <a:ea typeface="Microsoft YaHei" pitchFamily="2"/>
+              <a:cs typeface="Mangal" pitchFamily="2"/>
+            </a:endParaRPr>
           </a:p>
         </p:txBody>
       </p:sp>
     </p:spTree>
     <p:extLst>
       <p:ext uri="{BB962C8B-B14F-4D97-AF65-F5344CB8AC3E}">
-        <p14:creationId xmlns:p14="http://schemas.microsoft.com/office/powerpoint/2010/main" val="568476731"/>
+        <p14:creationId xmlns:p14="http://schemas.microsoft.com/office/powerpoint/2010/main" val="381344538"/>
       </p:ext>
     </p:extLst>
   </p:cSld>
@@ -6146,6 +9049,13 @@
   <p:clrMapOvr>
     <a:masterClrMapping/>
   </p:clrMapOvr>
+  <p:timing>
+    <p:tnLst>
+      <p:par>
+        <p:cTn id="1" dur="indefinite" restart="never" nodeType="tmRoot"/>
+      </p:par>
+    </p:tnLst>
+  </p:timing>
 </p:sld>
 </file>
 
@@ -6218,19 +9128,7 @@
             </a:pPr>
             <a:r>
               <a:rPr lang="en-US" dirty="0" smtClean="0"/>
-              <a:t>This website contains </a:t>
-            </a:r>
-            <a:r>
-              <a:rPr lang="en-US" dirty="0" err="1"/>
-              <a:t>C</a:t>
-            </a:r>
-            <a:r>
-              <a:rPr lang="en-US" dirty="0" err="1" smtClean="0"/>
-              <a:t>ss</a:t>
-            </a:r>
-            <a:r>
-              <a:rPr lang="en-US" dirty="0" smtClean="0"/>
-              <a:t> animations on-demand.</a:t>
+              <a:t>This website contains CSS animations on-demand.</a:t>
             </a:r>
             <a:endParaRPr lang="en-US" dirty="0"/>
           </a:p>
@@ -6267,6 +9165,13 @@
   <p:clrMapOvr>
     <a:masterClrMapping/>
   </p:clrMapOvr>
+  <p:timing>
+    <p:tnLst>
+      <p:par>
+        <p:cTn id="1" dur="indefinite" restart="never" nodeType="tmRoot"/>
+      </p:par>
+    </p:tnLst>
+  </p:timing>
 </p:sld>
 </file>
 
@@ -6358,6 +9263,225 @@
     <p:extLst>
       <p:ext uri="{BB962C8B-B14F-4D97-AF65-F5344CB8AC3E}">
         <p14:creationId xmlns:p14="http://schemas.microsoft.com/office/powerpoint/2010/main" val="1173336854"/>
+      </p:ext>
+    </p:extLst>
+  </p:cSld>
+  <p:clrMapOvr>
+    <a:masterClrMapping/>
+  </p:clrMapOvr>
+  <p:timing>
+    <p:tnLst>
+      <p:par>
+        <p:cTn id="1" dur="indefinite" restart="never" nodeType="tmRoot"/>
+      </p:par>
+    </p:tnLst>
+  </p:timing>
+</p:sld>
+</file>
+
+<file path=ppt/slides/slide22.xml><?xml version="1.0" encoding="utf-8"?>
+<p:sld xmlns:a="http://schemas.openxmlformats.org/drawingml/2006/main" xmlns:r="http://schemas.openxmlformats.org/officeDocument/2006/relationships" xmlns:p="http://schemas.openxmlformats.org/presentationml/2006/main">
+  <p:cSld>
+    <p:spTree>
+      <p:nvGrpSpPr>
+        <p:cNvPr id="1" name=""/>
+        <p:cNvGrpSpPr/>
+        <p:nvPr/>
+      </p:nvGrpSpPr>
+      <p:grpSpPr>
+        <a:xfrm>
+          <a:off x="0" y="0"/>
+          <a:ext cx="0" cy="0"/>
+          <a:chOff x="0" y="0"/>
+          <a:chExt cx="0" cy="0"/>
+        </a:xfrm>
+      </p:grpSpPr>
+      <p:sp>
+        <p:nvSpPr>
+          <p:cNvPr id="2" name="Title 1"/>
+          <p:cNvSpPr>
+            <a:spLocks noGrp="1"/>
+          </p:cNvSpPr>
+          <p:nvPr>
+            <p:ph type="title"/>
+          </p:nvPr>
+        </p:nvSpPr>
+        <p:spPr/>
+        <p:txBody>
+          <a:bodyPr/>
+          <a:lstStyle/>
+          <a:p>
+            <a:r>
+              <a:rPr lang="en-US" dirty="0" smtClean="0"/>
+              <a:t>References:</a:t>
+            </a:r>
+            <a:endParaRPr lang="en-US" dirty="0"/>
+          </a:p>
+        </p:txBody>
+      </p:sp>
+      <p:sp>
+        <p:nvSpPr>
+          <p:cNvPr id="3" name="Content Placeholder 2"/>
+          <p:cNvSpPr>
+            <a:spLocks noGrp="1"/>
+          </p:cNvSpPr>
+          <p:nvPr>
+            <p:ph idx="1"/>
+          </p:nvPr>
+        </p:nvSpPr>
+        <p:spPr/>
+        <p:txBody>
+          <a:bodyPr/>
+          <a:lstStyle/>
+          <a:p>
+            <a:r>
+              <a:rPr lang="fi-FI" dirty="0"/>
+              <a:t>Spinkit : </a:t>
+            </a:r>
+            <a:r>
+              <a:rPr lang="fi-FI" dirty="0">
+                <a:hlinkClick r:id="rId2"/>
+              </a:rPr>
+              <a:t>http://tobiasahlin.com/spinkit/</a:t>
+            </a:r>
+            <a:endParaRPr lang="fi-FI" dirty="0"/>
+          </a:p>
+          <a:p>
+            <a:r>
+              <a:rPr lang="fi-FI" dirty="0"/>
+              <a:t>Powershow : </a:t>
+            </a:r>
+            <a:r>
+              <a:rPr lang="fi-FI" dirty="0">
+                <a:hlinkClick r:id="rId3"/>
+              </a:rPr>
+              <a:t>https://www.powershow.comg</a:t>
+            </a:r>
+            <a:endParaRPr lang="fi-FI" dirty="0"/>
+          </a:p>
+          <a:p>
+            <a:r>
+              <a:rPr lang="fi-FI" dirty="0"/>
+              <a:t>Animista: </a:t>
+            </a:r>
+            <a:r>
+              <a:rPr lang="fi-FI" dirty="0">
+                <a:hlinkClick r:id="rId4"/>
+              </a:rPr>
+              <a:t>http://animista.net/</a:t>
+            </a:r>
+            <a:endParaRPr lang="fi-FI" dirty="0"/>
+          </a:p>
+          <a:p>
+            <a:r>
+              <a:rPr lang="fi-FI" dirty="0"/>
+              <a:t>Flexbox froggy: </a:t>
+            </a:r>
+            <a:r>
+              <a:rPr lang="fi-FI" dirty="0">
+                <a:hlinkClick r:id="rId5"/>
+              </a:rPr>
+              <a:t>https://flexboxfroggy.com</a:t>
+            </a:r>
+            <a:endParaRPr lang="fi-FI" dirty="0"/>
+          </a:p>
+        </p:txBody>
+      </p:sp>
+    </p:spTree>
+    <p:extLst>
+      <p:ext uri="{BB962C8B-B14F-4D97-AF65-F5344CB8AC3E}">
+        <p14:creationId xmlns:p14="http://schemas.microsoft.com/office/powerpoint/2010/main" val="2943008448"/>
+      </p:ext>
+    </p:extLst>
+  </p:cSld>
+  <p:clrMapOvr>
+    <a:masterClrMapping/>
+  </p:clrMapOvr>
+  <p:timing>
+    <p:tnLst>
+      <p:par>
+        <p:cTn id="1" dur="indefinite" restart="never" nodeType="tmRoot"/>
+      </p:par>
+    </p:tnLst>
+  </p:timing>
+</p:sld>
+</file>
+
+<file path=ppt/slides/slide23.xml><?xml version="1.0" encoding="utf-8"?>
+<p:sld xmlns:a="http://schemas.openxmlformats.org/drawingml/2006/main" xmlns:r="http://schemas.openxmlformats.org/officeDocument/2006/relationships" xmlns:p="http://schemas.openxmlformats.org/presentationml/2006/main">
+  <p:cSld>
+    <p:spTree>
+      <p:nvGrpSpPr>
+        <p:cNvPr id="1" name=""/>
+        <p:cNvGrpSpPr/>
+        <p:nvPr/>
+      </p:nvGrpSpPr>
+      <p:grpSpPr>
+        <a:xfrm>
+          <a:off x="0" y="0"/>
+          <a:ext cx="0" cy="0"/>
+          <a:chOff x="0" y="0"/>
+          <a:chExt cx="0" cy="0"/>
+        </a:xfrm>
+      </p:grpSpPr>
+      <p:sp>
+        <p:nvSpPr>
+          <p:cNvPr id="2" name="Title 1"/>
+          <p:cNvSpPr>
+            <a:spLocks noGrp="1"/>
+          </p:cNvSpPr>
+          <p:nvPr>
+            <p:ph type="title"/>
+          </p:nvPr>
+        </p:nvSpPr>
+        <p:spPr/>
+        <p:txBody>
+          <a:bodyPr/>
+          <a:lstStyle/>
+          <a:p>
+            <a:r>
+              <a:rPr lang="en-US" dirty="0" smtClean="0"/>
+              <a:t>Thank you,</a:t>
+            </a:r>
+            <a:endParaRPr lang="en-US" dirty="0"/>
+          </a:p>
+        </p:txBody>
+      </p:sp>
+      <p:sp>
+        <p:nvSpPr>
+          <p:cNvPr id="3" name="Content Placeholder 2"/>
+          <p:cNvSpPr>
+            <a:spLocks noGrp="1"/>
+          </p:cNvSpPr>
+          <p:nvPr>
+            <p:ph idx="1"/>
+          </p:nvPr>
+        </p:nvSpPr>
+        <p:spPr>
+          <a:xfrm>
+            <a:off x="4973782" y="3629891"/>
+            <a:ext cx="6380018" cy="2547072"/>
+          </a:xfrm>
+        </p:spPr>
+        <p:txBody>
+          <a:bodyPr/>
+          <a:lstStyle/>
+          <a:p>
+            <a:pPr marL="0" indent="0">
+              <a:buNone/>
+            </a:pPr>
+            <a:r>
+              <a:rPr lang="en-US" dirty="0" smtClean="0"/>
+              <a:t>Any queries?.</a:t>
+            </a:r>
+            <a:endParaRPr lang="en-US" dirty="0"/>
+          </a:p>
+        </p:txBody>
+      </p:sp>
+    </p:spTree>
+    <p:extLst>
+      <p:ext uri="{BB962C8B-B14F-4D97-AF65-F5344CB8AC3E}">
+        <p14:creationId xmlns:p14="http://schemas.microsoft.com/office/powerpoint/2010/main" val="2144796844"/>
       </p:ext>
     </p:extLst>
   </p:cSld>
@@ -6426,7 +9550,7 @@
         <p:spPr/>
         <p:txBody>
           <a:bodyPr>
-            <a:normAutofit lnSpcReduction="10000"/>
+            <a:normAutofit fontScale="77500" lnSpcReduction="20000"/>
           </a:bodyPr>
           <a:lstStyle/>
           <a:p>
@@ -6581,7 +9705,7 @@
             </a:r>
           </a:p>
           <a:p>
-            <a:pPr marL="0" lvl="0" indent="0">
+            <a:pPr marL="0" lvl="0" indent="0" algn="just">
               <a:lnSpc>
                 <a:spcPct val="100000"/>
               </a:lnSpc>
@@ -6647,7 +9771,7 @@
             </a:r>
           </a:p>
           <a:p>
-            <a:pPr marL="0" lvl="0" indent="0">
+            <a:pPr marL="0" lvl="0" indent="0" algn="just">
               <a:lnSpc>
                 <a:spcPct val="100000"/>
               </a:lnSpc>
@@ -6742,7 +9866,9 @@
         </p:nvSpPr>
         <p:spPr/>
         <p:txBody>
-          <a:bodyPr/>
+          <a:bodyPr>
+            <a:normAutofit lnSpcReduction="10000"/>
+          </a:bodyPr>
           <a:lstStyle/>
           <a:p>
             <a:pPr lvl="0">
@@ -7010,7 +10136,9 @@
         </p:nvSpPr>
         <p:spPr/>
         <p:txBody>
-          <a:bodyPr/>
+          <a:bodyPr>
+            <a:normAutofit fontScale="77500" lnSpcReduction="20000"/>
+          </a:bodyPr>
           <a:lstStyle/>
           <a:p>
             <a:pPr lvl="0">
@@ -7262,7 +10390,23 @@
                 <a:ea typeface="Microsoft YaHei" pitchFamily="2"/>
                 <a:cs typeface="Mangal" pitchFamily="2"/>
               </a:rPr>
-              <a:t>The id selector uses the id attribute of the HTML element, and is defined with a "#".</a:t>
+              <a:t>The id selector uses the id </a:t>
+            </a:r>
+            <a:r>
+              <a:rPr lang="en-US" dirty="0" smtClean="0">
+                <a:latin typeface="Arial" pitchFamily="18"/>
+                <a:ea typeface="Microsoft YaHei" pitchFamily="2"/>
+                <a:cs typeface="Mangal" pitchFamily="2"/>
+              </a:rPr>
+              <a:t>attribute </a:t>
+            </a:r>
+            <a:r>
+              <a:rPr lang="en-US" dirty="0">
+                <a:latin typeface="Arial" pitchFamily="18"/>
+                <a:ea typeface="Microsoft YaHei" pitchFamily="2"/>
+                <a:cs typeface="Mangal" pitchFamily="2"/>
+              </a:rPr>
+              <a:t>of the HTML element, and is defined with a "#".</a:t>
             </a:r>
           </a:p>
           <a:p>
@@ -7669,7 +10813,7 @@
         <p:spPr/>
         <p:txBody>
           <a:bodyPr>
-            <a:normAutofit/>
+            <a:normAutofit fontScale="92500" lnSpcReduction="20000"/>
           </a:bodyPr>
           <a:lstStyle/>
           <a:p>
@@ -7832,9 +10976,9 @@
 </file>
 
 <file path=ppt/theme/theme1.xml><?xml version="1.0" encoding="utf-8"?>
-<a:theme xmlns:a="http://schemas.openxmlformats.org/drawingml/2006/main" name="Office Theme">
+<a:theme xmlns:a="http://schemas.openxmlformats.org/drawingml/2006/main" name="Organic">
   <a:themeElements>
-    <a:clrScheme name="Office">
+    <a:clrScheme name="Organic">
       <a:dk1>
         <a:sysClr val="windowText" lastClr="000000"/>
       </a:dk1>
@@ -7842,44 +10986,79 @@
         <a:sysClr val="window" lastClr="FFFFFF"/>
       </a:lt1>
       <a:dk2>
-        <a:srgbClr val="44546A"/>
+        <a:srgbClr val="212121"/>
       </a:dk2>
       <a:lt2>
-        <a:srgbClr val="E7E6E6"/>
+        <a:srgbClr val="DADADA"/>
       </a:lt2>
       <a:accent1>
-        <a:srgbClr val="5B9BD5"/>
+        <a:srgbClr val="83992A"/>
       </a:accent1>
       <a:accent2>
-        <a:srgbClr val="ED7D31"/>
+        <a:srgbClr val="3C9770"/>
       </a:accent2>
       <a:accent3>
-        <a:srgbClr val="A5A5A5"/>
+        <a:srgbClr val="44709D"/>
       </a:accent3>
       <a:accent4>
-        <a:srgbClr val="FFC000"/>
+        <a:srgbClr val="A23C33"/>
       </a:accent4>
       <a:accent5>
-        <a:srgbClr val="4472C4"/>
+        <a:srgbClr val="D97828"/>
       </a:accent5>
       <a:accent6>
-        <a:srgbClr val="70AD47"/>
+        <a:srgbClr val="DEB340"/>
       </a:accent6>
       <a:hlink>
-        <a:srgbClr val="0563C1"/>
+        <a:srgbClr val="A8BF4D"/>
       </a:hlink>
       <a:folHlink>
-        <a:srgbClr val="954F72"/>
+        <a:srgbClr val="B4CA80"/>
       </a:folHlink>
     </a:clrScheme>
-    <a:fontScheme name="Office">
+    <a:fontScheme name="Organic">
       <a:majorFont>
-        <a:latin typeface="Calibri Light" panose="020F0302020204030204"/>
+        <a:latin typeface="Garamond" panose="02020404030301010803"/>
         <a:ea typeface=""/>
         <a:cs typeface=""/>
-        <a:font script="Jpan" typeface="游ゴシック Light"/>
-        <a:font script="Hang" typeface="맑은 고딕"/>
-        <a:font script="Hans" typeface="等线 Light"/>
+        <a:font script="Jpan" typeface="ＭＳ Ｐゴシック"/>
+        <a:font script="Hang" typeface="돋움"/>
+        <a:font script="Hans" typeface="方正舒体"/>
+        <a:font script="Hant" typeface="微軟正黑體"/>
+        <a:font script="Arab" typeface="Arial"/>
+        <a:font script="Hebr" typeface="Arial"/>
+        <a:font script="Thai" typeface="Cordia New"/>
+        <a:font script="Ethi" typeface="Nyala"/>
+        <a:font script="Beng" typeface="Vrinda"/>
+        <a:font script="Gujr" typeface="Shruti"/>
+        <a:font script="Khmr" typeface="DaunPenh"/>
+        <a:font script="Knda" typeface="Tunga"/>
+        <a:font script="Guru" typeface="Raavi"/>
+        <a:font script="Cans" typeface="Euphemia"/>
+        <a:font script="Cher" typeface="Plantagenet Cherokee"/>
+        <a:font script="Yiii" typeface="Microsoft Yi Baiti"/>
+        <a:font script="Tibt" typeface="Microsoft Himalaya"/>
+        <a:font script="Thaa" typeface="MV Boli"/>
+        <a:font script="Deva" typeface="Mangal"/>
+        <a:font script="Telu" typeface="Gautami"/>
+        <a:font script="Taml" typeface="Latha"/>
+        <a:font script="Syrc" typeface="Estrangelo Edessa"/>
+        <a:font script="Orya" typeface="Kalinga"/>
+        <a:font script="Mlym" typeface="Kartika"/>
+        <a:font script="Laoo" typeface="DokChampa"/>
+        <a:font script="Sinh" typeface="Iskoola Pota"/>
+        <a:font script="Mong" typeface="Mongolian Baiti"/>
+        <a:font script="Viet" typeface="Arial"/>
+        <a:font script="Uigh" typeface="Microsoft Uighur"/>
+        <a:font script="Geor" typeface="Sylfaen"/>
+      </a:majorFont>
+      <a:minorFont>
+        <a:latin typeface="Garamond" panose="02020404030301010803"/>
+        <a:ea typeface=""/>
+        <a:cs typeface=""/>
+        <a:font script="Jpan" typeface="ＭＳ Ｐ明朝"/>
+        <a:font script="Hang" typeface="바탕"/>
+        <a:font script="Hans" typeface="方正舒体"/>
         <a:font script="Hant" typeface="新細明體"/>
         <a:font script="Arab" typeface="Times New Roman"/>
         <a:font script="Hebr" typeface="Times New Roman"/>
@@ -7907,44 +11086,9 @@
         <a:font script="Viet" typeface="Times New Roman"/>
         <a:font script="Uigh" typeface="Microsoft Uighur"/>
         <a:font script="Geor" typeface="Sylfaen"/>
-      </a:majorFont>
-      <a:minorFont>
-        <a:latin typeface="Calibri" panose="020F0502020204030204"/>
-        <a:ea typeface=""/>
-        <a:cs typeface=""/>
-        <a:font script="Jpan" typeface="游ゴシック"/>
-        <a:font script="Hang" typeface="맑은 고딕"/>
-        <a:font script="Hans" typeface="等线"/>
-        <a:font script="Hant" typeface="新細明體"/>
-        <a:font script="Arab" typeface="Arial"/>
-        <a:font script="Hebr" typeface="Arial"/>
-        <a:font script="Thai" typeface="Cordia New"/>
-        <a:font script="Ethi" typeface="Nyala"/>
-        <a:font script="Beng" typeface="Vrinda"/>
-        <a:font script="Gujr" typeface="Shruti"/>
-        <a:font script="Khmr" typeface="DaunPenh"/>
-        <a:font script="Knda" typeface="Tunga"/>
-        <a:font script="Guru" typeface="Raavi"/>
-        <a:font script="Cans" typeface="Euphemia"/>
-        <a:font script="Cher" typeface="Plantagenet Cherokee"/>
-        <a:font script="Yiii" typeface="Microsoft Yi Baiti"/>
-        <a:font script="Tibt" typeface="Microsoft Himalaya"/>
-        <a:font script="Thaa" typeface="MV Boli"/>
-        <a:font script="Deva" typeface="Mangal"/>
-        <a:font script="Telu" typeface="Gautami"/>
-        <a:font script="Taml" typeface="Latha"/>
-        <a:font script="Syrc" typeface="Estrangelo Edessa"/>
-        <a:font script="Orya" typeface="Kalinga"/>
-        <a:font script="Mlym" typeface="Kartika"/>
-        <a:font script="Laoo" typeface="DokChampa"/>
-        <a:font script="Sinh" typeface="Iskoola Pota"/>
-        <a:font script="Mong" typeface="Mongolian Baiti"/>
-        <a:font script="Viet" typeface="Arial"/>
-        <a:font script="Uigh" typeface="Microsoft Uighur"/>
-        <a:font script="Geor" typeface="Sylfaen"/>
       </a:minorFont>
     </a:fontScheme>
-    <a:fmtScheme name="Office">
+    <a:fmtScheme name="Organic">
       <a:fillStyleLst>
         <a:solidFill>
           <a:schemeClr val="phClr"/>
@@ -7953,76 +11097,54 @@
           <a:gsLst>
             <a:gs pos="0">
               <a:schemeClr val="phClr">
+                <a:tint val="60000"/>
                 <a:lumMod val="110000"/>
-                <a:satMod val="105000"/>
-                <a:tint val="67000"/>
-              </a:schemeClr>
-            </a:gs>
-            <a:gs pos="50000">
-              <a:schemeClr val="phClr">
-                <a:lumMod val="105000"/>
-                <a:satMod val="103000"/>
-                <a:tint val="73000"/>
               </a:schemeClr>
             </a:gs>
             <a:gs pos="100000">
               <a:schemeClr val="phClr">
-                <a:lumMod val="105000"/>
-                <a:satMod val="109000"/>
-                <a:tint val="81000"/>
+                <a:tint val="82000"/>
               </a:schemeClr>
             </a:gs>
           </a:gsLst>
           <a:lin ang="5400000" scaled="0"/>
         </a:gradFill>
-        <a:gradFill rotWithShape="1">
-          <a:gsLst>
-            <a:gs pos="0">
+        <a:blipFill>
+          <a:blip xmlns:r="http://schemas.openxmlformats.org/officeDocument/2006/relationships" r:embed="rId1">
+            <a:duotone>
               <a:schemeClr val="phClr">
-                <a:satMod val="103000"/>
-                <a:lumMod val="102000"/>
+                <a:shade val="74000"/>
+                <a:satMod val="130000"/>
+                <a:lumMod val="90000"/>
+              </a:schemeClr>
+              <a:schemeClr val="phClr">
                 <a:tint val="94000"/>
+                <a:satMod val="120000"/>
+                <a:lumMod val="104000"/>
               </a:schemeClr>
-            </a:gs>
-            <a:gs pos="50000">
-              <a:schemeClr val="phClr">
-                <a:satMod val="110000"/>
-                <a:lumMod val="100000"/>
-                <a:shade val="100000"/>
-              </a:schemeClr>
-            </a:gs>
-            <a:gs pos="100000">
-              <a:schemeClr val="phClr">
-                <a:lumMod val="99000"/>
-                <a:satMod val="120000"/>
-                <a:shade val="78000"/>
-              </a:schemeClr>
-            </a:gs>
-          </a:gsLst>
-          <a:lin ang="5400000" scaled="0"/>
-        </a:gradFill>
+            </a:duotone>
+          </a:blip>
+          <a:tile tx="0" ty="0" sx="100000" sy="100000" flip="none" algn="tl"/>
+        </a:blipFill>
       </a:fillStyleLst>
       <a:lnStyleLst>
-        <a:ln w="6350" cap="flat" cmpd="sng" algn="ctr">
+        <a:ln w="9525" cap="flat" cmpd="sng" algn="ctr">
           <a:solidFill>
             <a:schemeClr val="phClr"/>
           </a:solidFill>
           <a:prstDash val="solid"/>
-          <a:miter lim="800000"/>
         </a:ln>
-        <a:ln w="12700" cap="flat" cmpd="sng" algn="ctr">
+        <a:ln w="15875" cap="flat" cmpd="sng" algn="ctr">
           <a:solidFill>
             <a:schemeClr val="phClr"/>
           </a:solidFill>
           <a:prstDash val="solid"/>
-          <a:miter lim="800000"/>
         </a:ln>
-        <a:ln w="19050" cap="flat" cmpd="sng" algn="ctr">
+        <a:ln w="25400" cap="flat" cmpd="sng" algn="ctr">
           <a:solidFill>
             <a:schemeClr val="phClr"/>
           </a:solidFill>
           <a:prstDash val="solid"/>
-          <a:miter lim="800000"/>
         </a:ln>
       </a:lnStyleLst>
       <a:effectStyleLst>
@@ -8030,13 +11152,19 @@
           <a:effectLst/>
         </a:effectStyle>
         <a:effectStyle>
-          <a:effectLst/>
+          <a:effectLst>
+            <a:innerShdw blurRad="25400" dist="12700" dir="13500000">
+              <a:srgbClr val="000000">
+                <a:alpha val="45000"/>
+              </a:srgbClr>
+            </a:innerShdw>
+          </a:effectLst>
         </a:effectStyle>
         <a:effectStyle>
           <a:effectLst>
-            <a:outerShdw blurRad="57150" dist="19050" dir="5400000" algn="ctr" rotWithShape="0">
+            <a:outerShdw blurRad="38100" dist="25400" dir="5400000" rotWithShape="0">
               <a:srgbClr val="000000">
-                <a:alpha val="63000"/>
+                <a:alpha val="60000"/>
               </a:srgbClr>
             </a:outerShdw>
           </a:effectLst>
@@ -8046,39 +11174,27 @@
         <a:solidFill>
           <a:schemeClr val="phClr"/>
         </a:solidFill>
-        <a:solidFill>
-          <a:schemeClr val="phClr">
-            <a:tint val="95000"/>
-            <a:satMod val="170000"/>
-          </a:schemeClr>
-        </a:solidFill>
         <a:gradFill rotWithShape="1">
           <a:gsLst>
             <a:gs pos="0">
               <a:schemeClr val="phClr">
-                <a:tint val="93000"/>
-                <a:satMod val="150000"/>
-                <a:shade val="98000"/>
-                <a:lumMod val="102000"/>
-              </a:schemeClr>
-            </a:gs>
-            <a:gs pos="50000">
-              <a:schemeClr val="phClr">
-                <a:tint val="98000"/>
-                <a:satMod val="130000"/>
-                <a:shade val="90000"/>
-                <a:lumMod val="103000"/>
+                <a:tint val="90000"/>
+                <a:lumMod val="110000"/>
               </a:schemeClr>
             </a:gs>
             <a:gs pos="100000">
               <a:schemeClr val="phClr">
-                <a:shade val="63000"/>
-                <a:satMod val="120000"/>
+                <a:shade val="88000"/>
+                <a:lumMod val="98000"/>
               </a:schemeClr>
             </a:gs>
           </a:gsLst>
           <a:lin ang="5400000" scaled="0"/>
         </a:gradFill>
+        <a:blipFill>
+          <a:blip xmlns:r="http://schemas.openxmlformats.org/officeDocument/2006/relationships" r:embed="rId2"/>
+          <a:stretch/>
+        </a:blipFill>
       </a:bgFillStyleLst>
     </a:fmtScheme>
   </a:themeElements>
@@ -8086,7 +11202,7 @@
   <a:extraClrSchemeLst/>
   <a:extLst>
     <a:ext uri="{05A4C25C-085E-4340-85A3-A5531E510DB2}">
-      <thm15:themeFamily xmlns:thm15="http://schemas.microsoft.com/office/thememl/2012/main" name="Office Theme" id="{62F939B6-93AF-4DB8-9C6B-D6C7DFDC589F}" vid="{4A3C46E8-61CC-4603-A589-7422A47A8E4A}"/>
+      <thm15:themeFamily xmlns:thm15="http://schemas.microsoft.com/office/thememl/2012/main" name="Organic" id="{28CDC826-8792-45C0-861B-85EB3ADEDA33}" vid="{7DAC20F1-423D-49E2-BD0B-50532748BAD0}"/>
     </a:ext>
   </a:extLst>
 </a:theme>
